--- a/Desafio Git e Github/PPT - Desafio/Criando seu Primeiro Repositório no GitHub Para Compartilhar Seu Progresso.pptx
+++ b/Desafio Git e Github/PPT - Desafio/Criando seu Primeiro Repositório no GitHub Para Compartilhar Seu Progresso.pptx
@@ -1,36 +1,43 @@
 
 <file path=ppt/presentation.xml><?xml version="1.0" encoding="utf-8"?>
-<p:presentation xmlns:a="http://schemas.openxmlformats.org/drawingml/2006/main" xmlns:r="http://schemas.openxmlformats.org/officeDocument/2006/relationships" xmlns:mc="http://schemas.openxmlformats.org/markup-compatibility/2006" xmlns:mv="urn:schemas-microsoft-com:mac:vml" xmlns:p="http://schemas.openxmlformats.org/presentationml/2006/main" xmlns:c="http://schemas.openxmlformats.org/drawingml/2006/chart" xmlns:dgm="http://schemas.openxmlformats.org/drawingml/2006/diagram" xmlns:o="urn:schemas-microsoft-com:office:office" xmlns:v="urn:schemas-microsoft-com:vml" xmlns:pvml="urn:schemas-microsoft-com:office:powerpoint" xmlns:com="http://schemas.openxmlformats.org/drawingml/2006/compatibility" xmlns:p14="http://schemas.microsoft.com/office/powerpoint/2010/main" xmlns:p15="http://schemas.microsoft.com/office/powerpoint/2012/main" xmlns:ahyp="http://schemas.microsoft.com/office/drawing/2018/hyperlinkcolor" autoCompressPictures="0" embedTrueTypeFonts="1" strictFirstAndLastChars="0" saveSubsetFonts="1">
+<p:presentation xmlns:a="http://schemas.openxmlformats.org/drawingml/2006/main" xmlns:r="http://schemas.openxmlformats.org/officeDocument/2006/relationships" xmlns:p="http://schemas.openxmlformats.org/presentationml/2006/main" strictFirstAndLastChars="0" embedTrueTypeFonts="1" saveSubsetFonts="1" autoCompressPictures="0">
   <p:sldMasterIdLst>
-    <p:sldMasterId id="2147483648" r:id="rId4"/>
+    <p:sldMasterId id="2147483648" r:id="rId1"/>
   </p:sldMasterIdLst>
   <p:notesMasterIdLst>
-    <p:notesMasterId r:id="rId5"/>
+    <p:notesMasterId r:id="rId11"/>
   </p:notesMasterIdLst>
   <p:sldIdLst>
-    <p:sldId id="256" r:id="rId6"/>
-    <p:sldId id="257" r:id="rId7"/>
-    <p:sldId id="258" r:id="rId8"/>
-    <p:sldId id="259" r:id="rId9"/>
-    <p:sldId id="260" r:id="rId10"/>
-    <p:sldId id="261" r:id="rId11"/>
-    <p:sldId id="262" r:id="rId12"/>
-    <p:sldId id="263" r:id="rId13"/>
-    <p:sldId id="264" r:id="rId14"/>
+    <p:sldId id="256" r:id="rId2"/>
+    <p:sldId id="257" r:id="rId3"/>
+    <p:sldId id="258" r:id="rId4"/>
+    <p:sldId id="259" r:id="rId5"/>
+    <p:sldId id="260" r:id="rId6"/>
+    <p:sldId id="261" r:id="rId7"/>
+    <p:sldId id="262" r:id="rId8"/>
+    <p:sldId id="263" r:id="rId9"/>
+    <p:sldId id="264" r:id="rId10"/>
   </p:sldIdLst>
-  <p:sldSz cy="5143500" cx="9144000"/>
+  <p:sldSz cx="9144000" cy="5143500" type="screen16x9"/>
   <p:notesSz cx="6858000" cy="9144000"/>
   <p:embeddedFontLst>
     <p:embeddedFont>
-      <p:font typeface="Century Gothic"/>
-      <p:regular r:id="rId15"/>
-      <p:bold r:id="rId16"/>
-      <p:italic r:id="rId17"/>
-      <p:boldItalic r:id="rId18"/>
+      <p:font typeface="Century Gothic" panose="020B0502020202020204" pitchFamily="34" charset="0"/>
+      <p:regular r:id="rId12"/>
+      <p:bold r:id="rId13"/>
+      <p:italic r:id="rId14"/>
+      <p:boldItalic r:id="rId15"/>
+    </p:embeddedFont>
+    <p:embeddedFont>
+      <p:font typeface="Calibri" panose="020F0502020204030204" pitchFamily="34" charset="0"/>
+      <p:regular r:id="rId16"/>
+      <p:bold r:id="rId17"/>
+      <p:italic r:id="rId18"/>
+      <p:boldItalic r:id="rId19"/>
     </p:embeddedFont>
   </p:embeddedFontLst>
   <p:defaultTextStyle>
-    <a:defPPr lvl="0" marR="0" rtl="0" algn="l">
+    <a:defPPr marR="0" lvl="0" algn="l" rtl="0">
       <a:lnSpc>
         <a:spcPct val="100000"/>
       </a:lnSpc>
@@ -41,7 +48,7 @@
         <a:spcPts val="0"/>
       </a:spcAft>
     </a:defPPr>
-    <a:lvl1pPr lvl="0" marR="0" rtl="0" algn="l">
+    <a:lvl1pPr marR="0" lvl="0" algn="l" rtl="0">
       <a:lnSpc>
         <a:spcPct val="100000"/>
       </a:lnSpc>
@@ -55,7 +62,7 @@
         <a:srgbClr val="000000"/>
       </a:buClr>
       <a:buFont typeface="Arial"/>
-      <a:defRPr b="0" i="0" sz="1400" u="none" cap="none" strike="noStrike">
+      <a:defRPr sz="1400" b="0" i="0" u="none" strike="noStrike" cap="none">
         <a:solidFill>
           <a:srgbClr val="000000"/>
         </a:solidFill>
@@ -65,7 +72,7 @@
         <a:sym typeface="Arial"/>
       </a:defRPr>
     </a:lvl1pPr>
-    <a:lvl2pPr lvl="1" marR="0" rtl="0" algn="l">
+    <a:lvl2pPr marR="0" lvl="1" algn="l" rtl="0">
       <a:lnSpc>
         <a:spcPct val="100000"/>
       </a:lnSpc>
@@ -79,7 +86,7 @@
         <a:srgbClr val="000000"/>
       </a:buClr>
       <a:buFont typeface="Arial"/>
-      <a:defRPr b="0" i="0" sz="1400" u="none" cap="none" strike="noStrike">
+      <a:defRPr sz="1400" b="0" i="0" u="none" strike="noStrike" cap="none">
         <a:solidFill>
           <a:srgbClr val="000000"/>
         </a:solidFill>
@@ -89,7 +96,7 @@
         <a:sym typeface="Arial"/>
       </a:defRPr>
     </a:lvl2pPr>
-    <a:lvl3pPr lvl="2" marR="0" rtl="0" algn="l">
+    <a:lvl3pPr marR="0" lvl="2" algn="l" rtl="0">
       <a:lnSpc>
         <a:spcPct val="100000"/>
       </a:lnSpc>
@@ -103,7 +110,7 @@
         <a:srgbClr val="000000"/>
       </a:buClr>
       <a:buFont typeface="Arial"/>
-      <a:defRPr b="0" i="0" sz="1400" u="none" cap="none" strike="noStrike">
+      <a:defRPr sz="1400" b="0" i="0" u="none" strike="noStrike" cap="none">
         <a:solidFill>
           <a:srgbClr val="000000"/>
         </a:solidFill>
@@ -113,7 +120,7 @@
         <a:sym typeface="Arial"/>
       </a:defRPr>
     </a:lvl3pPr>
-    <a:lvl4pPr lvl="3" marR="0" rtl="0" algn="l">
+    <a:lvl4pPr marR="0" lvl="3" algn="l" rtl="0">
       <a:lnSpc>
         <a:spcPct val="100000"/>
       </a:lnSpc>
@@ -127,7 +134,7 @@
         <a:srgbClr val="000000"/>
       </a:buClr>
       <a:buFont typeface="Arial"/>
-      <a:defRPr b="0" i="0" sz="1400" u="none" cap="none" strike="noStrike">
+      <a:defRPr sz="1400" b="0" i="0" u="none" strike="noStrike" cap="none">
         <a:solidFill>
           <a:srgbClr val="000000"/>
         </a:solidFill>
@@ -137,7 +144,7 @@
         <a:sym typeface="Arial"/>
       </a:defRPr>
     </a:lvl4pPr>
-    <a:lvl5pPr lvl="4" marR="0" rtl="0" algn="l">
+    <a:lvl5pPr marR="0" lvl="4" algn="l" rtl="0">
       <a:lnSpc>
         <a:spcPct val="100000"/>
       </a:lnSpc>
@@ -151,7 +158,7 @@
         <a:srgbClr val="000000"/>
       </a:buClr>
       <a:buFont typeface="Arial"/>
-      <a:defRPr b="0" i="0" sz="1400" u="none" cap="none" strike="noStrike">
+      <a:defRPr sz="1400" b="0" i="0" u="none" strike="noStrike" cap="none">
         <a:solidFill>
           <a:srgbClr val="000000"/>
         </a:solidFill>
@@ -161,7 +168,7 @@
         <a:sym typeface="Arial"/>
       </a:defRPr>
     </a:lvl5pPr>
-    <a:lvl6pPr lvl="5" marR="0" rtl="0" algn="l">
+    <a:lvl6pPr marR="0" lvl="5" algn="l" rtl="0">
       <a:lnSpc>
         <a:spcPct val="100000"/>
       </a:lnSpc>
@@ -175,7 +182,7 @@
         <a:srgbClr val="000000"/>
       </a:buClr>
       <a:buFont typeface="Arial"/>
-      <a:defRPr b="0" i="0" sz="1400" u="none" cap="none" strike="noStrike">
+      <a:defRPr sz="1400" b="0" i="0" u="none" strike="noStrike" cap="none">
         <a:solidFill>
           <a:srgbClr val="000000"/>
         </a:solidFill>
@@ -185,7 +192,7 @@
         <a:sym typeface="Arial"/>
       </a:defRPr>
     </a:lvl6pPr>
-    <a:lvl7pPr lvl="6" marR="0" rtl="0" algn="l">
+    <a:lvl7pPr marR="0" lvl="6" algn="l" rtl="0">
       <a:lnSpc>
         <a:spcPct val="100000"/>
       </a:lnSpc>
@@ -199,7 +206,7 @@
         <a:srgbClr val="000000"/>
       </a:buClr>
       <a:buFont typeface="Arial"/>
-      <a:defRPr b="0" i="0" sz="1400" u="none" cap="none" strike="noStrike">
+      <a:defRPr sz="1400" b="0" i="0" u="none" strike="noStrike" cap="none">
         <a:solidFill>
           <a:srgbClr val="000000"/>
         </a:solidFill>
@@ -209,7 +216,7 @@
         <a:sym typeface="Arial"/>
       </a:defRPr>
     </a:lvl7pPr>
-    <a:lvl8pPr lvl="7" marR="0" rtl="0" algn="l">
+    <a:lvl8pPr marR="0" lvl="7" algn="l" rtl="0">
       <a:lnSpc>
         <a:spcPct val="100000"/>
       </a:lnSpc>
@@ -223,7 +230,7 @@
         <a:srgbClr val="000000"/>
       </a:buClr>
       <a:buFont typeface="Arial"/>
-      <a:defRPr b="0" i="0" sz="1400" u="none" cap="none" strike="noStrike">
+      <a:defRPr sz="1400" b="0" i="0" u="none" strike="noStrike" cap="none">
         <a:solidFill>
           <a:srgbClr val="000000"/>
         </a:solidFill>
@@ -233,7 +240,7 @@
         <a:sym typeface="Arial"/>
       </a:defRPr>
     </a:lvl8pPr>
-    <a:lvl9pPr lvl="8" marR="0" rtl="0" algn="l">
+    <a:lvl9pPr marR="0" lvl="8" algn="l" rtl="0">
       <a:lnSpc>
         <a:spcPct val="100000"/>
       </a:lnSpc>
@@ -247,7 +254,7 @@
         <a:srgbClr val="000000"/>
       </a:buClr>
       <a:buFont typeface="Arial"/>
-      <a:defRPr b="0" i="0" sz="1400" u="none" cap="none" strike="noStrike">
+      <a:defRPr sz="1400" b="0" i="0" u="none" strike="noStrike" cap="none">
         <a:solidFill>
           <a:srgbClr val="000000"/>
         </a:solidFill>
@@ -260,7 +267,7 @@
   </p:defaultTextStyle>
   <p:extLst>
     <p:ext uri="{EFAFB233-063F-42B5-8137-9DF3F51BA10A}">
-      <p15:sldGuideLst>
+      <p15:sldGuideLst xmlns:p15="http://schemas.microsoft.com/office/powerpoint/2012/main">
         <p15:guide id="1" orient="horz" pos="1620">
           <p15:clr>
             <a:srgbClr val="000000"/>
@@ -274,25 +281,26 @@
       </p15:sldGuideLst>
     </p:ext>
     <p:ext uri="http://customooxmlschemas.google.com/">
-      <go:slidesCustomData xmlns:go="http://customooxmlschemas.google.com/" r:id="rId19" roundtripDataSignature="AMtx7mjzrHqGkABZbbgFHmyUnuGF761mxw=="/>
+      <go:slidesCustomData xmlns:go="http://customooxmlschemas.google.com/" xmlns:ahyp="http://schemas.microsoft.com/office/drawing/2018/hyperlinkcolor" xmlns:p15="http://schemas.microsoft.com/office/powerpoint/2012/main" xmlns:p14="http://schemas.microsoft.com/office/powerpoint/2010/main" xmlns:com="http://schemas.openxmlformats.org/drawingml/2006/compatibility" xmlns:pvml="urn:schemas-microsoft-com:office:powerpoint" xmlns:v="urn:schemas-microsoft-com:vml" xmlns:o="urn:schemas-microsoft-com:office:office" xmlns:dgm="http://schemas.openxmlformats.org/drawingml/2006/diagram" xmlns:c="http://schemas.openxmlformats.org/drawingml/2006/chart" xmlns:mv="urn:schemas-microsoft-com:mac:vml" xmlns:mc="http://schemas.openxmlformats.org/markup-compatibility/2006" xmlns="" r:id="rId20" roundtripDataSignature="AMtx7mjzrHqGkABZbbgFHmyUnuGF761mxw=="/>
     </p:ext>
   </p:extLst>
 </p:presentation>
 </file>
 
 <file path=ppt/notesMasters/notesMaster1.xml><?xml version="1.0" encoding="utf-8"?>
-<p:notesMaster xmlns:a="http://schemas.openxmlformats.org/drawingml/2006/main" xmlns:r="http://schemas.openxmlformats.org/officeDocument/2006/relationships" xmlns:mc="http://schemas.openxmlformats.org/markup-compatibility/2006" xmlns:mv="urn:schemas-microsoft-com:mac:vml" xmlns:p="http://schemas.openxmlformats.org/presentationml/2006/main" xmlns:c="http://schemas.openxmlformats.org/drawingml/2006/chart" xmlns:dgm="http://schemas.openxmlformats.org/drawingml/2006/diagram" xmlns:o="urn:schemas-microsoft-com:office:office" xmlns:v="urn:schemas-microsoft-com:vml" xmlns:pvml="urn:schemas-microsoft-com:office:powerpoint" xmlns:com="http://schemas.openxmlformats.org/drawingml/2006/compatibility" xmlns:p14="http://schemas.microsoft.com/office/powerpoint/2010/main" xmlns:p15="http://schemas.microsoft.com/office/powerpoint/2012/main" xmlns:ahyp="http://schemas.microsoft.com/office/drawing/2018/hyperlinkcolor">
+<p:notesMaster xmlns:a="http://schemas.openxmlformats.org/drawingml/2006/main" xmlns:r="http://schemas.openxmlformats.org/officeDocument/2006/relationships" xmlns:p="http://schemas.openxmlformats.org/presentationml/2006/main">
   <p:cSld>
     <p:bg>
       <p:bgPr>
         <a:solidFill>
           <a:schemeClr val="lt1"/>
         </a:solidFill>
+        <a:effectLst/>
       </p:bgPr>
     </p:bg>
     <p:spTree>
       <p:nvGrpSpPr>
-        <p:cNvPr id="2" name="Shape 2"/>
+        <p:cNvPr id="1" name="Shape 2"/>
         <p:cNvGrpSpPr/>
         <p:nvPr/>
       </p:nvGrpSpPr>
@@ -307,9 +315,11 @@
       <p:sp>
         <p:nvSpPr>
           <p:cNvPr id="3" name="Google Shape;3;n"/>
-          <p:cNvSpPr/>
+          <p:cNvSpPr>
+            <a:spLocks noGrp="1" noRot="1" noChangeAspect="1"/>
+          </p:cNvSpPr>
           <p:nvPr>
-            <p:ph idx="2" type="sldImg"/>
+            <p:ph type="sldImg" idx="2"/>
           </p:nvPr>
         </p:nvSpPr>
         <p:spPr>
@@ -318,9 +328,13 @@
             <a:ext cx="6096075" cy="3429000"/>
           </a:xfrm>
           <a:custGeom>
-            <a:rect b="b" l="l" r="r" t="t"/>
+            <a:avLst/>
+            <a:gdLst/>
+            <a:ahLst/>
+            <a:cxnLst/>
+            <a:rect l="l" t="t" r="r" b="b"/>
             <a:pathLst>
-              <a:path extrusionOk="0" h="120000" w="120000">
+              <a:path w="120000" h="120000" extrusionOk="0">
                 <a:moveTo>
                   <a:pt x="0" y="0"/>
                 </a:moveTo>
@@ -338,23 +352,25 @@
             </a:pathLst>
           </a:custGeom>
           <a:noFill/>
-          <a:ln cap="flat" cmpd="sng" w="9525">
+          <a:ln w="9525" cap="flat" cmpd="sng">
             <a:solidFill>
               <a:srgbClr val="000000"/>
             </a:solidFill>
             <a:prstDash val="solid"/>
             <a:round/>
-            <a:headEnd len="sm" w="sm" type="none"/>
-            <a:tailEnd len="sm" w="sm" type="none"/>
+            <a:headEnd type="none" w="sm" len="sm"/>
+            <a:tailEnd type="none" w="sm" len="sm"/>
           </a:ln>
         </p:spPr>
       </p:sp>
       <p:sp>
         <p:nvSpPr>
           <p:cNvPr id="4" name="Google Shape;4;n"/>
-          <p:cNvSpPr txBox="1"/>
+          <p:cNvSpPr txBox="1">
+            <a:spLocks noGrp="1"/>
+          </p:cNvSpPr>
           <p:nvPr>
-            <p:ph idx="1" type="body"/>
+            <p:ph type="body" idx="1"/>
           </p:nvPr>
         </p:nvSpPr>
         <p:spPr>
@@ -371,11 +387,11 @@
           </a:ln>
         </p:spPr>
         <p:txBody>
-          <a:bodyPr anchorCtr="0" anchor="t" bIns="91425" lIns="91425" spcFirstLastPara="1" rIns="91425" wrap="square" tIns="91425">
+          <a:bodyPr spcFirstLastPara="1" wrap="square" lIns="91425" tIns="91425" rIns="91425" bIns="91425" anchor="t" anchorCtr="0">
             <a:noAutofit/>
           </a:bodyPr>
           <a:lstStyle>
-            <a:lvl1pPr indent="-298450" lvl="0" marL="457200" marR="0" rtl="0" algn="l">
+            <a:lvl1pPr marL="457200" marR="0" lvl="0" indent="-298450" algn="l" rtl="0">
               <a:lnSpc>
                 <a:spcPct val="100000"/>
               </a:lnSpc>
@@ -391,7 +407,7 @@
               <a:buSzPts val="1100"/>
               <a:buFont typeface="Arial"/>
               <a:buChar char="●"/>
-              <a:defRPr b="0" i="0" sz="1100" u="none" cap="none" strike="noStrike">
+              <a:defRPr sz="1100" b="0" i="0" u="none" strike="noStrike" cap="none">
                 <a:solidFill>
                   <a:srgbClr val="000000"/>
                 </a:solidFill>
@@ -401,7 +417,7 @@
                 <a:sym typeface="Arial"/>
               </a:defRPr>
             </a:lvl1pPr>
-            <a:lvl2pPr indent="-298450" lvl="1" marL="914400" marR="0" rtl="0" algn="l">
+            <a:lvl2pPr marL="914400" marR="0" lvl="1" indent="-298450" algn="l" rtl="0">
               <a:lnSpc>
                 <a:spcPct val="100000"/>
               </a:lnSpc>
@@ -417,7 +433,7 @@
               <a:buSzPts val="1100"/>
               <a:buFont typeface="Arial"/>
               <a:buChar char="○"/>
-              <a:defRPr b="0" i="0" sz="1100" u="none" cap="none" strike="noStrike">
+              <a:defRPr sz="1100" b="0" i="0" u="none" strike="noStrike" cap="none">
                 <a:solidFill>
                   <a:srgbClr val="000000"/>
                 </a:solidFill>
@@ -427,7 +443,7 @@
                 <a:sym typeface="Arial"/>
               </a:defRPr>
             </a:lvl2pPr>
-            <a:lvl3pPr indent="-298450" lvl="2" marL="1371600" marR="0" rtl="0" algn="l">
+            <a:lvl3pPr marL="1371600" marR="0" lvl="2" indent="-298450" algn="l" rtl="0">
               <a:lnSpc>
                 <a:spcPct val="100000"/>
               </a:lnSpc>
@@ -443,7 +459,7 @@
               <a:buSzPts val="1100"/>
               <a:buFont typeface="Arial"/>
               <a:buChar char="■"/>
-              <a:defRPr b="0" i="0" sz="1100" u="none" cap="none" strike="noStrike">
+              <a:defRPr sz="1100" b="0" i="0" u="none" strike="noStrike" cap="none">
                 <a:solidFill>
                   <a:srgbClr val="000000"/>
                 </a:solidFill>
@@ -453,7 +469,7 @@
                 <a:sym typeface="Arial"/>
               </a:defRPr>
             </a:lvl3pPr>
-            <a:lvl4pPr indent="-298450" lvl="3" marL="1828800" marR="0" rtl="0" algn="l">
+            <a:lvl4pPr marL="1828800" marR="0" lvl="3" indent="-298450" algn="l" rtl="0">
               <a:lnSpc>
                 <a:spcPct val="100000"/>
               </a:lnSpc>
@@ -469,7 +485,7 @@
               <a:buSzPts val="1100"/>
               <a:buFont typeface="Arial"/>
               <a:buChar char="●"/>
-              <a:defRPr b="0" i="0" sz="1100" u="none" cap="none" strike="noStrike">
+              <a:defRPr sz="1100" b="0" i="0" u="none" strike="noStrike" cap="none">
                 <a:solidFill>
                   <a:srgbClr val="000000"/>
                 </a:solidFill>
@@ -479,7 +495,7 @@
                 <a:sym typeface="Arial"/>
               </a:defRPr>
             </a:lvl4pPr>
-            <a:lvl5pPr indent="-298450" lvl="4" marL="2286000" marR="0" rtl="0" algn="l">
+            <a:lvl5pPr marL="2286000" marR="0" lvl="4" indent="-298450" algn="l" rtl="0">
               <a:lnSpc>
                 <a:spcPct val="100000"/>
               </a:lnSpc>
@@ -495,7 +511,7 @@
               <a:buSzPts val="1100"/>
               <a:buFont typeface="Arial"/>
               <a:buChar char="○"/>
-              <a:defRPr b="0" i="0" sz="1100" u="none" cap="none" strike="noStrike">
+              <a:defRPr sz="1100" b="0" i="0" u="none" strike="noStrike" cap="none">
                 <a:solidFill>
                   <a:srgbClr val="000000"/>
                 </a:solidFill>
@@ -505,7 +521,7 @@
                 <a:sym typeface="Arial"/>
               </a:defRPr>
             </a:lvl5pPr>
-            <a:lvl6pPr indent="-298450" lvl="5" marL="2743200" marR="0" rtl="0" algn="l">
+            <a:lvl6pPr marL="2743200" marR="0" lvl="5" indent="-298450" algn="l" rtl="0">
               <a:lnSpc>
                 <a:spcPct val="100000"/>
               </a:lnSpc>
@@ -521,7 +537,7 @@
               <a:buSzPts val="1100"/>
               <a:buFont typeface="Arial"/>
               <a:buChar char="■"/>
-              <a:defRPr b="0" i="0" sz="1100" u="none" cap="none" strike="noStrike">
+              <a:defRPr sz="1100" b="0" i="0" u="none" strike="noStrike" cap="none">
                 <a:solidFill>
                   <a:srgbClr val="000000"/>
                 </a:solidFill>
@@ -531,7 +547,7 @@
                 <a:sym typeface="Arial"/>
               </a:defRPr>
             </a:lvl6pPr>
-            <a:lvl7pPr indent="-298450" lvl="6" marL="3200400" marR="0" rtl="0" algn="l">
+            <a:lvl7pPr marL="3200400" marR="0" lvl="6" indent="-298450" algn="l" rtl="0">
               <a:lnSpc>
                 <a:spcPct val="100000"/>
               </a:lnSpc>
@@ -547,7 +563,7 @@
               <a:buSzPts val="1100"/>
               <a:buFont typeface="Arial"/>
               <a:buChar char="●"/>
-              <a:defRPr b="0" i="0" sz="1100" u="none" cap="none" strike="noStrike">
+              <a:defRPr sz="1100" b="0" i="0" u="none" strike="noStrike" cap="none">
                 <a:solidFill>
                   <a:srgbClr val="000000"/>
                 </a:solidFill>
@@ -557,7 +573,7 @@
                 <a:sym typeface="Arial"/>
               </a:defRPr>
             </a:lvl7pPr>
-            <a:lvl8pPr indent="-298450" lvl="7" marL="3657600" marR="0" rtl="0" algn="l">
+            <a:lvl8pPr marL="3657600" marR="0" lvl="7" indent="-298450" algn="l" rtl="0">
               <a:lnSpc>
                 <a:spcPct val="100000"/>
               </a:lnSpc>
@@ -573,7 +589,7 @@
               <a:buSzPts val="1100"/>
               <a:buFont typeface="Arial"/>
               <a:buChar char="○"/>
-              <a:defRPr b="0" i="0" sz="1100" u="none" cap="none" strike="noStrike">
+              <a:defRPr sz="1100" b="0" i="0" u="none" strike="noStrike" cap="none">
                 <a:solidFill>
                   <a:srgbClr val="000000"/>
                 </a:solidFill>
@@ -583,7 +599,7 @@
                 <a:sym typeface="Arial"/>
               </a:defRPr>
             </a:lvl8pPr>
-            <a:lvl9pPr indent="-298450" lvl="8" marL="4114800" marR="0" rtl="0" algn="l">
+            <a:lvl9pPr marL="4114800" marR="0" lvl="8" indent="-298450" algn="l" rtl="0">
               <a:lnSpc>
                 <a:spcPct val="100000"/>
               </a:lnSpc>
@@ -599,7 +615,7 @@
               <a:buSzPts val="1100"/>
               <a:buFont typeface="Arial"/>
               <a:buChar char="■"/>
-              <a:defRPr b="0" i="0" sz="1100" u="none" cap="none" strike="noStrike">
+              <a:defRPr sz="1100" b="0" i="0" u="none" strike="noStrike" cap="none">
                 <a:solidFill>
                   <a:srgbClr val="000000"/>
                 </a:solidFill>
@@ -610,14 +626,16 @@
               </a:defRPr>
             </a:lvl9pPr>
           </a:lstStyle>
-          <a:p/>
+          <a:p>
+            <a:endParaRPr/>
+          </a:p>
         </p:txBody>
       </p:sp>
     </p:spTree>
   </p:cSld>
-  <p:clrMap accent1="accent1" accent2="accent2" accent3="accent3" accent4="accent4" accent5="accent5" accent6="accent6" bg1="lt1" bg2="dk2" tx1="dk1" tx2="lt2" folHlink="folHlink" hlink="hlink"/>
+  <p:clrMap bg1="lt1" tx1="dk1" bg2="dk2" tx2="lt2" accent1="accent1" accent2="accent2" accent3="accent3" accent4="accent4" accent5="accent5" accent6="accent6" hlink="hlink" folHlink="folHlink"/>
   <p:notesStyle>
-    <a:defPPr lvl="0" marR="0" rtl="0" algn="l">
+    <a:defPPr marR="0" lvl="0" algn="l" rtl="0">
       <a:lnSpc>
         <a:spcPct val="100000"/>
       </a:lnSpc>
@@ -628,7 +646,7 @@
         <a:spcPts val="0"/>
       </a:spcAft>
     </a:defPPr>
-    <a:lvl1pPr lvl="0" marR="0" rtl="0" algn="l">
+    <a:lvl1pPr marR="0" lvl="0" algn="l" rtl="0">
       <a:lnSpc>
         <a:spcPct val="100000"/>
       </a:lnSpc>
@@ -642,7 +660,7 @@
         <a:srgbClr val="000000"/>
       </a:buClr>
       <a:buFont typeface="Arial"/>
-      <a:defRPr b="0" i="0" sz="1400" u="none" cap="none" strike="noStrike">
+      <a:defRPr sz="1400" b="0" i="0" u="none" strike="noStrike" cap="none">
         <a:solidFill>
           <a:srgbClr val="000000"/>
         </a:solidFill>
@@ -652,7 +670,7 @@
         <a:sym typeface="Arial"/>
       </a:defRPr>
     </a:lvl1pPr>
-    <a:lvl2pPr lvl="1" marR="0" rtl="0" algn="l">
+    <a:lvl2pPr marR="0" lvl="1" algn="l" rtl="0">
       <a:lnSpc>
         <a:spcPct val="100000"/>
       </a:lnSpc>
@@ -666,7 +684,7 @@
         <a:srgbClr val="000000"/>
       </a:buClr>
       <a:buFont typeface="Arial"/>
-      <a:defRPr b="0" i="0" sz="1400" u="none" cap="none" strike="noStrike">
+      <a:defRPr sz="1400" b="0" i="0" u="none" strike="noStrike" cap="none">
         <a:solidFill>
           <a:srgbClr val="000000"/>
         </a:solidFill>
@@ -676,7 +694,7 @@
         <a:sym typeface="Arial"/>
       </a:defRPr>
     </a:lvl2pPr>
-    <a:lvl3pPr lvl="2" marR="0" rtl="0" algn="l">
+    <a:lvl3pPr marR="0" lvl="2" algn="l" rtl="0">
       <a:lnSpc>
         <a:spcPct val="100000"/>
       </a:lnSpc>
@@ -690,7 +708,7 @@
         <a:srgbClr val="000000"/>
       </a:buClr>
       <a:buFont typeface="Arial"/>
-      <a:defRPr b="0" i="0" sz="1400" u="none" cap="none" strike="noStrike">
+      <a:defRPr sz="1400" b="0" i="0" u="none" strike="noStrike" cap="none">
         <a:solidFill>
           <a:srgbClr val="000000"/>
         </a:solidFill>
@@ -700,7 +718,7 @@
         <a:sym typeface="Arial"/>
       </a:defRPr>
     </a:lvl3pPr>
-    <a:lvl4pPr lvl="3" marR="0" rtl="0" algn="l">
+    <a:lvl4pPr marR="0" lvl="3" algn="l" rtl="0">
       <a:lnSpc>
         <a:spcPct val="100000"/>
       </a:lnSpc>
@@ -714,7 +732,7 @@
         <a:srgbClr val="000000"/>
       </a:buClr>
       <a:buFont typeface="Arial"/>
-      <a:defRPr b="0" i="0" sz="1400" u="none" cap="none" strike="noStrike">
+      <a:defRPr sz="1400" b="0" i="0" u="none" strike="noStrike" cap="none">
         <a:solidFill>
           <a:srgbClr val="000000"/>
         </a:solidFill>
@@ -724,7 +742,7 @@
         <a:sym typeface="Arial"/>
       </a:defRPr>
     </a:lvl4pPr>
-    <a:lvl5pPr lvl="4" marR="0" rtl="0" algn="l">
+    <a:lvl5pPr marR="0" lvl="4" algn="l" rtl="0">
       <a:lnSpc>
         <a:spcPct val="100000"/>
       </a:lnSpc>
@@ -738,7 +756,7 @@
         <a:srgbClr val="000000"/>
       </a:buClr>
       <a:buFont typeface="Arial"/>
-      <a:defRPr b="0" i="0" sz="1400" u="none" cap="none" strike="noStrike">
+      <a:defRPr sz="1400" b="0" i="0" u="none" strike="noStrike" cap="none">
         <a:solidFill>
           <a:srgbClr val="000000"/>
         </a:solidFill>
@@ -748,7 +766,7 @@
         <a:sym typeface="Arial"/>
       </a:defRPr>
     </a:lvl5pPr>
-    <a:lvl6pPr lvl="5" marR="0" rtl="0" algn="l">
+    <a:lvl6pPr marR="0" lvl="5" algn="l" rtl="0">
       <a:lnSpc>
         <a:spcPct val="100000"/>
       </a:lnSpc>
@@ -762,7 +780,7 @@
         <a:srgbClr val="000000"/>
       </a:buClr>
       <a:buFont typeface="Arial"/>
-      <a:defRPr b="0" i="0" sz="1400" u="none" cap="none" strike="noStrike">
+      <a:defRPr sz="1400" b="0" i="0" u="none" strike="noStrike" cap="none">
         <a:solidFill>
           <a:srgbClr val="000000"/>
         </a:solidFill>
@@ -772,7 +790,7 @@
         <a:sym typeface="Arial"/>
       </a:defRPr>
     </a:lvl6pPr>
-    <a:lvl7pPr lvl="6" marR="0" rtl="0" algn="l">
+    <a:lvl7pPr marR="0" lvl="6" algn="l" rtl="0">
       <a:lnSpc>
         <a:spcPct val="100000"/>
       </a:lnSpc>
@@ -786,7 +804,7 @@
         <a:srgbClr val="000000"/>
       </a:buClr>
       <a:buFont typeface="Arial"/>
-      <a:defRPr b="0" i="0" sz="1400" u="none" cap="none" strike="noStrike">
+      <a:defRPr sz="1400" b="0" i="0" u="none" strike="noStrike" cap="none">
         <a:solidFill>
           <a:srgbClr val="000000"/>
         </a:solidFill>
@@ -796,7 +814,7 @@
         <a:sym typeface="Arial"/>
       </a:defRPr>
     </a:lvl7pPr>
-    <a:lvl8pPr lvl="7" marR="0" rtl="0" algn="l">
+    <a:lvl8pPr marR="0" lvl="7" algn="l" rtl="0">
       <a:lnSpc>
         <a:spcPct val="100000"/>
       </a:lnSpc>
@@ -810,7 +828,7 @@
         <a:srgbClr val="000000"/>
       </a:buClr>
       <a:buFont typeface="Arial"/>
-      <a:defRPr b="0" i="0" sz="1400" u="none" cap="none" strike="noStrike">
+      <a:defRPr sz="1400" b="0" i="0" u="none" strike="noStrike" cap="none">
         <a:solidFill>
           <a:srgbClr val="000000"/>
         </a:solidFill>
@@ -820,7 +838,7 @@
         <a:sym typeface="Arial"/>
       </a:defRPr>
     </a:lvl8pPr>
-    <a:lvl9pPr lvl="8" marR="0" rtl="0" algn="l">
+    <a:lvl9pPr marR="0" lvl="8" algn="l" rtl="0">
       <a:lnSpc>
         <a:spcPct val="100000"/>
       </a:lnSpc>
@@ -834,7 +852,7 @@
         <a:srgbClr val="000000"/>
       </a:buClr>
       <a:buFont typeface="Arial"/>
-      <a:defRPr b="0" i="0" sz="1400" u="none" cap="none" strike="noStrike">
+      <a:defRPr sz="1400" b="0" i="0" u="none" strike="noStrike" cap="none">
         <a:solidFill>
           <a:srgbClr val="000000"/>
         </a:solidFill>
@@ -849,11 +867,11 @@
 </file>
 
 <file path=ppt/notesSlides/notesSlide1.xml><?xml version="1.0" encoding="utf-8"?>
-<p:notes xmlns:a="http://schemas.openxmlformats.org/drawingml/2006/main" xmlns:r="http://schemas.openxmlformats.org/officeDocument/2006/relationships" xmlns:mc="http://schemas.openxmlformats.org/markup-compatibility/2006" xmlns:mv="urn:schemas-microsoft-com:mac:vml" xmlns:p="http://schemas.openxmlformats.org/presentationml/2006/main" xmlns:c="http://schemas.openxmlformats.org/drawingml/2006/chart" xmlns:dgm="http://schemas.openxmlformats.org/drawingml/2006/diagram" xmlns:o="urn:schemas-microsoft-com:office:office" xmlns:v="urn:schemas-microsoft-com:vml" xmlns:pvml="urn:schemas-microsoft-com:office:powerpoint" xmlns:com="http://schemas.openxmlformats.org/drawingml/2006/compatibility" xmlns:p14="http://schemas.microsoft.com/office/powerpoint/2010/main" xmlns:p15="http://schemas.microsoft.com/office/powerpoint/2012/main" xmlns:ahyp="http://schemas.microsoft.com/office/drawing/2018/hyperlinkcolor" showMasterPhAnim="0" showMasterSp="0">
+<p:notes xmlns:a="http://schemas.openxmlformats.org/drawingml/2006/main" xmlns:r="http://schemas.openxmlformats.org/officeDocument/2006/relationships" xmlns:p="http://schemas.openxmlformats.org/presentationml/2006/main" showMasterSp="0" showMasterPhAnim="0">
   <p:cSld>
     <p:spTree>
       <p:nvGrpSpPr>
-        <p:cNvPr id="31" name="Shape 31"/>
+        <p:cNvPr id="1" name="Shape 31"/>
         <p:cNvGrpSpPr/>
         <p:nvPr/>
       </p:nvGrpSpPr>
@@ -868,9 +886,11 @@
       <p:sp>
         <p:nvSpPr>
           <p:cNvPr id="32" name="Google Shape;32;p2:notes"/>
-          <p:cNvSpPr/>
+          <p:cNvSpPr>
+            <a:spLocks noGrp="1" noRot="1" noChangeAspect="1"/>
+          </p:cNvSpPr>
           <p:nvPr>
-            <p:ph idx="2" type="sldImg"/>
+            <p:ph type="sldImg" idx="2"/>
           </p:nvPr>
         </p:nvSpPr>
         <p:spPr>
@@ -879,9 +899,13 @@
             <a:ext cx="6096000" cy="3429000"/>
           </a:xfrm>
           <a:custGeom>
-            <a:rect b="b" l="l" r="r" t="t"/>
+            <a:avLst/>
+            <a:gdLst/>
+            <a:ahLst/>
+            <a:cxnLst/>
+            <a:rect l="l" t="t" r="r" b="b"/>
             <a:pathLst>
-              <a:path extrusionOk="0" h="120000" w="120000">
+              <a:path w="120000" h="120000" extrusionOk="0">
                 <a:moveTo>
                   <a:pt x="0" y="0"/>
                 </a:moveTo>
@@ -899,23 +923,25 @@
             </a:pathLst>
           </a:custGeom>
           <a:noFill/>
-          <a:ln cap="flat" cmpd="sng" w="9525">
+          <a:ln w="9525" cap="flat" cmpd="sng">
             <a:solidFill>
               <a:srgbClr val="000000"/>
             </a:solidFill>
             <a:prstDash val="solid"/>
             <a:round/>
-            <a:headEnd len="sm" w="sm" type="none"/>
-            <a:tailEnd len="sm" w="sm" type="none"/>
+            <a:headEnd type="none" w="sm" len="sm"/>
+            <a:tailEnd type="none" w="sm" len="sm"/>
           </a:ln>
         </p:spPr>
       </p:sp>
       <p:sp>
         <p:nvSpPr>
           <p:cNvPr id="33" name="Google Shape;33;p2:notes"/>
-          <p:cNvSpPr txBox="1"/>
+          <p:cNvSpPr txBox="1">
+            <a:spLocks noGrp="1"/>
+          </p:cNvSpPr>
           <p:nvPr>
-            <p:ph idx="1" type="body"/>
+            <p:ph type="body" idx="1"/>
           </p:nvPr>
         </p:nvSpPr>
         <p:spPr>
@@ -932,12 +958,12 @@
           </a:ln>
         </p:spPr>
         <p:txBody>
-          <a:bodyPr anchorCtr="0" anchor="t" bIns="91425" lIns="91425" spcFirstLastPara="1" rIns="91425" wrap="square" tIns="91425">
+          <a:bodyPr spcFirstLastPara="1" wrap="square" lIns="91425" tIns="91425" rIns="91425" bIns="91425" anchor="t" anchorCtr="0">
             <a:noAutofit/>
           </a:bodyPr>
           <a:lstStyle/>
           <a:p>
-            <a:pPr indent="0" lvl="0" marL="0" rtl="0" algn="l">
+            <a:pPr marL="0" lvl="0" indent="0" algn="l" rtl="0">
               <a:lnSpc>
                 <a:spcPct val="100000"/>
               </a:lnSpc>
@@ -954,9 +980,6 @@
               <a:buFont typeface="Arial"/>
               <a:buNone/>
             </a:pPr>
-            <a:r>
-              <a:t/>
-            </a:r>
             <a:endParaRPr/>
           </a:p>
         </p:txBody>
@@ -970,11 +993,11 @@
 </file>
 
 <file path=ppt/notesSlides/notesSlide2.xml><?xml version="1.0" encoding="utf-8"?>
-<p:notes xmlns:a="http://schemas.openxmlformats.org/drawingml/2006/main" xmlns:r="http://schemas.openxmlformats.org/officeDocument/2006/relationships" xmlns:mc="http://schemas.openxmlformats.org/markup-compatibility/2006" xmlns:mv="urn:schemas-microsoft-com:mac:vml" xmlns:p="http://schemas.openxmlformats.org/presentationml/2006/main" xmlns:c="http://schemas.openxmlformats.org/drawingml/2006/chart" xmlns:dgm="http://schemas.openxmlformats.org/drawingml/2006/diagram" xmlns:o="urn:schemas-microsoft-com:office:office" xmlns:v="urn:schemas-microsoft-com:vml" xmlns:pvml="urn:schemas-microsoft-com:office:powerpoint" xmlns:com="http://schemas.openxmlformats.org/drawingml/2006/compatibility" xmlns:p14="http://schemas.microsoft.com/office/powerpoint/2010/main" xmlns:p15="http://schemas.microsoft.com/office/powerpoint/2012/main" xmlns:ahyp="http://schemas.microsoft.com/office/drawing/2018/hyperlinkcolor" showMasterPhAnim="0" showMasterSp="0">
+<p:notes xmlns:a="http://schemas.openxmlformats.org/drawingml/2006/main" xmlns:r="http://schemas.openxmlformats.org/officeDocument/2006/relationships" xmlns:p="http://schemas.openxmlformats.org/presentationml/2006/main" showMasterSp="0" showMasterPhAnim="0">
   <p:cSld>
     <p:spTree>
       <p:nvGrpSpPr>
-        <p:cNvPr id="41" name="Shape 41"/>
+        <p:cNvPr id="1" name="Shape 41"/>
         <p:cNvGrpSpPr/>
         <p:nvPr/>
       </p:nvGrpSpPr>
@@ -989,9 +1012,11 @@
       <p:sp>
         <p:nvSpPr>
           <p:cNvPr id="42" name="Google Shape;42;p16:notes"/>
-          <p:cNvSpPr/>
+          <p:cNvSpPr>
+            <a:spLocks noGrp="1" noRot="1" noChangeAspect="1"/>
+          </p:cNvSpPr>
           <p:nvPr>
-            <p:ph idx="2" type="sldImg"/>
+            <p:ph type="sldImg" idx="2"/>
           </p:nvPr>
         </p:nvSpPr>
         <p:spPr>
@@ -1000,9 +1025,13 @@
             <a:ext cx="6096000" cy="3429000"/>
           </a:xfrm>
           <a:custGeom>
-            <a:rect b="b" l="l" r="r" t="t"/>
+            <a:avLst/>
+            <a:gdLst/>
+            <a:ahLst/>
+            <a:cxnLst/>
+            <a:rect l="l" t="t" r="r" b="b"/>
             <a:pathLst>
-              <a:path extrusionOk="0" h="120000" w="120000">
+              <a:path w="120000" h="120000" extrusionOk="0">
                 <a:moveTo>
                   <a:pt x="0" y="0"/>
                 </a:moveTo>
@@ -1020,23 +1049,25 @@
             </a:pathLst>
           </a:custGeom>
           <a:noFill/>
-          <a:ln cap="flat" cmpd="sng" w="9525">
+          <a:ln w="9525" cap="flat" cmpd="sng">
             <a:solidFill>
               <a:srgbClr val="000000"/>
             </a:solidFill>
             <a:prstDash val="solid"/>
             <a:round/>
-            <a:headEnd len="sm" w="sm" type="none"/>
-            <a:tailEnd len="sm" w="sm" type="none"/>
+            <a:headEnd type="none" w="sm" len="sm"/>
+            <a:tailEnd type="none" w="sm" len="sm"/>
           </a:ln>
         </p:spPr>
       </p:sp>
       <p:sp>
         <p:nvSpPr>
           <p:cNvPr id="43" name="Google Shape;43;p16:notes"/>
-          <p:cNvSpPr txBox="1"/>
+          <p:cNvSpPr txBox="1">
+            <a:spLocks noGrp="1"/>
+          </p:cNvSpPr>
           <p:nvPr>
-            <p:ph idx="1" type="body"/>
+            <p:ph type="body" idx="1"/>
           </p:nvPr>
         </p:nvSpPr>
         <p:spPr>
@@ -1053,12 +1084,12 @@
           </a:ln>
         </p:spPr>
         <p:txBody>
-          <a:bodyPr anchorCtr="0" anchor="t" bIns="91425" lIns="91425" spcFirstLastPara="1" rIns="91425" wrap="square" tIns="91425">
+          <a:bodyPr spcFirstLastPara="1" wrap="square" lIns="91425" tIns="91425" rIns="91425" bIns="91425" anchor="t" anchorCtr="0">
             <a:noAutofit/>
           </a:bodyPr>
           <a:lstStyle/>
           <a:p>
-            <a:pPr indent="0" lvl="0" marL="0" rtl="0" algn="l">
+            <a:pPr marL="0" lvl="0" indent="0" algn="l" rtl="0">
               <a:lnSpc>
                 <a:spcPct val="100000"/>
               </a:lnSpc>
@@ -1075,9 +1106,6 @@
               <a:buFont typeface="Arial"/>
               <a:buNone/>
             </a:pPr>
-            <a:r>
-              <a:t/>
-            </a:r>
             <a:endParaRPr/>
           </a:p>
         </p:txBody>
@@ -1091,11 +1119,11 @@
 </file>
 
 <file path=ppt/notesSlides/notesSlide3.xml><?xml version="1.0" encoding="utf-8"?>
-<p:notes xmlns:a="http://schemas.openxmlformats.org/drawingml/2006/main" xmlns:r="http://schemas.openxmlformats.org/officeDocument/2006/relationships" xmlns:mc="http://schemas.openxmlformats.org/markup-compatibility/2006" xmlns:mv="urn:schemas-microsoft-com:mac:vml" xmlns:p="http://schemas.openxmlformats.org/presentationml/2006/main" xmlns:c="http://schemas.openxmlformats.org/drawingml/2006/chart" xmlns:dgm="http://schemas.openxmlformats.org/drawingml/2006/diagram" xmlns:o="urn:schemas-microsoft-com:office:office" xmlns:v="urn:schemas-microsoft-com:vml" xmlns:pvml="urn:schemas-microsoft-com:office:powerpoint" xmlns:com="http://schemas.openxmlformats.org/drawingml/2006/compatibility" xmlns:p14="http://schemas.microsoft.com/office/powerpoint/2010/main" xmlns:p15="http://schemas.microsoft.com/office/powerpoint/2012/main" xmlns:ahyp="http://schemas.microsoft.com/office/drawing/2018/hyperlinkcolor" showMasterPhAnim="0" showMasterSp="0">
+<p:notes xmlns:a="http://schemas.openxmlformats.org/drawingml/2006/main" xmlns:r="http://schemas.openxmlformats.org/officeDocument/2006/relationships" xmlns:p="http://schemas.openxmlformats.org/presentationml/2006/main" showMasterSp="0" showMasterPhAnim="0">
   <p:cSld>
     <p:spTree>
       <p:nvGrpSpPr>
-        <p:cNvPr id="49" name="Shape 49"/>
+        <p:cNvPr id="1" name="Shape 49"/>
         <p:cNvGrpSpPr/>
         <p:nvPr/>
       </p:nvGrpSpPr>
@@ -1110,9 +1138,11 @@
       <p:sp>
         <p:nvSpPr>
           <p:cNvPr id="50" name="Google Shape;50;p17:notes"/>
-          <p:cNvSpPr/>
+          <p:cNvSpPr>
+            <a:spLocks noGrp="1" noRot="1" noChangeAspect="1"/>
+          </p:cNvSpPr>
           <p:nvPr>
-            <p:ph idx="2" type="sldImg"/>
+            <p:ph type="sldImg" idx="2"/>
           </p:nvPr>
         </p:nvSpPr>
         <p:spPr>
@@ -1121,9 +1151,13 @@
             <a:ext cx="6096000" cy="3429000"/>
           </a:xfrm>
           <a:custGeom>
-            <a:rect b="b" l="l" r="r" t="t"/>
+            <a:avLst/>
+            <a:gdLst/>
+            <a:ahLst/>
+            <a:cxnLst/>
+            <a:rect l="l" t="t" r="r" b="b"/>
             <a:pathLst>
-              <a:path extrusionOk="0" h="120000" w="120000">
+              <a:path w="120000" h="120000" extrusionOk="0">
                 <a:moveTo>
                   <a:pt x="0" y="0"/>
                 </a:moveTo>
@@ -1141,23 +1175,25 @@
             </a:pathLst>
           </a:custGeom>
           <a:noFill/>
-          <a:ln cap="flat" cmpd="sng" w="9525">
+          <a:ln w="9525" cap="flat" cmpd="sng">
             <a:solidFill>
               <a:srgbClr val="000000"/>
             </a:solidFill>
             <a:prstDash val="solid"/>
             <a:round/>
-            <a:headEnd len="sm" w="sm" type="none"/>
-            <a:tailEnd len="sm" w="sm" type="none"/>
+            <a:headEnd type="none" w="sm" len="sm"/>
+            <a:tailEnd type="none" w="sm" len="sm"/>
           </a:ln>
         </p:spPr>
       </p:sp>
       <p:sp>
         <p:nvSpPr>
           <p:cNvPr id="51" name="Google Shape;51;p17:notes"/>
-          <p:cNvSpPr txBox="1"/>
+          <p:cNvSpPr txBox="1">
+            <a:spLocks noGrp="1"/>
+          </p:cNvSpPr>
           <p:nvPr>
-            <p:ph idx="1" type="body"/>
+            <p:ph type="body" idx="1"/>
           </p:nvPr>
         </p:nvSpPr>
         <p:spPr>
@@ -1174,12 +1210,12 @@
           </a:ln>
         </p:spPr>
         <p:txBody>
-          <a:bodyPr anchorCtr="0" anchor="t" bIns="91425" lIns="91425" spcFirstLastPara="1" rIns="91425" wrap="square" tIns="91425">
+          <a:bodyPr spcFirstLastPara="1" wrap="square" lIns="91425" tIns="91425" rIns="91425" bIns="91425" anchor="t" anchorCtr="0">
             <a:noAutofit/>
           </a:bodyPr>
           <a:lstStyle/>
           <a:p>
-            <a:pPr indent="0" lvl="0" marL="0" rtl="0" algn="l">
+            <a:pPr marL="0" lvl="0" indent="0" algn="l" rtl="0">
               <a:lnSpc>
                 <a:spcPct val="100000"/>
               </a:lnSpc>
@@ -1196,9 +1232,6 @@
               <a:buFont typeface="Arial"/>
               <a:buNone/>
             </a:pPr>
-            <a:r>
-              <a:t/>
-            </a:r>
             <a:endParaRPr/>
           </a:p>
         </p:txBody>
@@ -1212,11 +1245,11 @@
 </file>
 
 <file path=ppt/notesSlides/notesSlide4.xml><?xml version="1.0" encoding="utf-8"?>
-<p:notes xmlns:a="http://schemas.openxmlformats.org/drawingml/2006/main" xmlns:r="http://schemas.openxmlformats.org/officeDocument/2006/relationships" xmlns:mc="http://schemas.openxmlformats.org/markup-compatibility/2006" xmlns:mv="urn:schemas-microsoft-com:mac:vml" xmlns:p="http://schemas.openxmlformats.org/presentationml/2006/main" xmlns:c="http://schemas.openxmlformats.org/drawingml/2006/chart" xmlns:dgm="http://schemas.openxmlformats.org/drawingml/2006/diagram" xmlns:o="urn:schemas-microsoft-com:office:office" xmlns:v="urn:schemas-microsoft-com:vml" xmlns:pvml="urn:schemas-microsoft-com:office:powerpoint" xmlns:com="http://schemas.openxmlformats.org/drawingml/2006/compatibility" xmlns:p14="http://schemas.microsoft.com/office/powerpoint/2010/main" xmlns:p15="http://schemas.microsoft.com/office/powerpoint/2012/main" xmlns:ahyp="http://schemas.microsoft.com/office/drawing/2018/hyperlinkcolor" showMasterPhAnim="0" showMasterSp="0">
+<p:notes xmlns:a="http://schemas.openxmlformats.org/drawingml/2006/main" xmlns:r="http://schemas.openxmlformats.org/officeDocument/2006/relationships" xmlns:p="http://schemas.openxmlformats.org/presentationml/2006/main" showMasterSp="0" showMasterPhAnim="0">
   <p:cSld>
     <p:spTree>
       <p:nvGrpSpPr>
-        <p:cNvPr id="62" name="Shape 62"/>
+        <p:cNvPr id="1" name="Shape 62"/>
         <p:cNvGrpSpPr/>
         <p:nvPr/>
       </p:nvGrpSpPr>
@@ -1231,9 +1264,11 @@
       <p:sp>
         <p:nvSpPr>
           <p:cNvPr id="63" name="Google Shape;63;p3:notes"/>
-          <p:cNvSpPr/>
+          <p:cNvSpPr>
+            <a:spLocks noGrp="1" noRot="1" noChangeAspect="1"/>
+          </p:cNvSpPr>
           <p:nvPr>
-            <p:ph idx="2" type="sldImg"/>
+            <p:ph type="sldImg" idx="2"/>
           </p:nvPr>
         </p:nvSpPr>
         <p:spPr>
@@ -1242,9 +1277,13 @@
             <a:ext cx="6096000" cy="3429000"/>
           </a:xfrm>
           <a:custGeom>
-            <a:rect b="b" l="l" r="r" t="t"/>
+            <a:avLst/>
+            <a:gdLst/>
+            <a:ahLst/>
+            <a:cxnLst/>
+            <a:rect l="l" t="t" r="r" b="b"/>
             <a:pathLst>
-              <a:path extrusionOk="0" h="120000" w="120000">
+              <a:path w="120000" h="120000" extrusionOk="0">
                 <a:moveTo>
                   <a:pt x="0" y="0"/>
                 </a:moveTo>
@@ -1262,23 +1301,25 @@
             </a:pathLst>
           </a:custGeom>
           <a:noFill/>
-          <a:ln cap="flat" cmpd="sng" w="9525">
+          <a:ln w="9525" cap="flat" cmpd="sng">
             <a:solidFill>
               <a:srgbClr val="000000"/>
             </a:solidFill>
             <a:prstDash val="solid"/>
             <a:round/>
-            <a:headEnd len="sm" w="sm" type="none"/>
-            <a:tailEnd len="sm" w="sm" type="none"/>
+            <a:headEnd type="none" w="sm" len="sm"/>
+            <a:tailEnd type="none" w="sm" len="sm"/>
           </a:ln>
         </p:spPr>
       </p:sp>
       <p:sp>
         <p:nvSpPr>
           <p:cNvPr id="64" name="Google Shape;64;p3:notes"/>
-          <p:cNvSpPr txBox="1"/>
+          <p:cNvSpPr txBox="1">
+            <a:spLocks noGrp="1"/>
+          </p:cNvSpPr>
           <p:nvPr>
-            <p:ph idx="1" type="body"/>
+            <p:ph type="body" idx="1"/>
           </p:nvPr>
         </p:nvSpPr>
         <p:spPr>
@@ -1295,12 +1336,12 @@
           </a:ln>
         </p:spPr>
         <p:txBody>
-          <a:bodyPr anchorCtr="0" anchor="t" bIns="91425" lIns="91425" spcFirstLastPara="1" rIns="91425" wrap="square" tIns="91425">
+          <a:bodyPr spcFirstLastPara="1" wrap="square" lIns="91425" tIns="91425" rIns="91425" bIns="91425" anchor="t" anchorCtr="0">
             <a:noAutofit/>
           </a:bodyPr>
           <a:lstStyle/>
           <a:p>
-            <a:pPr indent="0" lvl="0" marL="0" rtl="0" algn="l">
+            <a:pPr marL="0" lvl="0" indent="0" algn="l" rtl="0">
               <a:lnSpc>
                 <a:spcPct val="100000"/>
               </a:lnSpc>
@@ -1317,9 +1358,6 @@
               <a:buFont typeface="Arial"/>
               <a:buNone/>
             </a:pPr>
-            <a:r>
-              <a:t/>
-            </a:r>
             <a:endParaRPr/>
           </a:p>
         </p:txBody>
@@ -1333,11 +1371,11 @@
 </file>
 
 <file path=ppt/notesSlides/notesSlide5.xml><?xml version="1.0" encoding="utf-8"?>
-<p:notes xmlns:a="http://schemas.openxmlformats.org/drawingml/2006/main" xmlns:r="http://schemas.openxmlformats.org/officeDocument/2006/relationships" xmlns:mc="http://schemas.openxmlformats.org/markup-compatibility/2006" xmlns:mv="urn:schemas-microsoft-com:mac:vml" xmlns:p="http://schemas.openxmlformats.org/presentationml/2006/main" xmlns:c="http://schemas.openxmlformats.org/drawingml/2006/chart" xmlns:dgm="http://schemas.openxmlformats.org/drawingml/2006/diagram" xmlns:o="urn:schemas-microsoft-com:office:office" xmlns:v="urn:schemas-microsoft-com:vml" xmlns:pvml="urn:schemas-microsoft-com:office:powerpoint" xmlns:com="http://schemas.openxmlformats.org/drawingml/2006/compatibility" xmlns:p14="http://schemas.microsoft.com/office/powerpoint/2010/main" xmlns:p15="http://schemas.microsoft.com/office/powerpoint/2012/main" xmlns:ahyp="http://schemas.microsoft.com/office/drawing/2018/hyperlinkcolor" showMasterPhAnim="0" showMasterSp="0">
+<p:notes xmlns:a="http://schemas.openxmlformats.org/drawingml/2006/main" xmlns:r="http://schemas.openxmlformats.org/officeDocument/2006/relationships" xmlns:p="http://schemas.openxmlformats.org/presentationml/2006/main" showMasterSp="0" showMasterPhAnim="0">
   <p:cSld>
     <p:spTree>
       <p:nvGrpSpPr>
-        <p:cNvPr id="70" name="Shape 70"/>
+        <p:cNvPr id="1" name="Shape 70"/>
         <p:cNvGrpSpPr/>
         <p:nvPr/>
       </p:nvGrpSpPr>
@@ -1352,9 +1390,11 @@
       <p:sp>
         <p:nvSpPr>
           <p:cNvPr id="71" name="Google Shape;71;p4:notes"/>
-          <p:cNvSpPr/>
+          <p:cNvSpPr>
+            <a:spLocks noGrp="1" noRot="1" noChangeAspect="1"/>
+          </p:cNvSpPr>
           <p:nvPr>
-            <p:ph idx="2" type="sldImg"/>
+            <p:ph type="sldImg" idx="2"/>
           </p:nvPr>
         </p:nvSpPr>
         <p:spPr>
@@ -1363,9 +1403,13 @@
             <a:ext cx="6096000" cy="3429000"/>
           </a:xfrm>
           <a:custGeom>
-            <a:rect b="b" l="l" r="r" t="t"/>
+            <a:avLst/>
+            <a:gdLst/>
+            <a:ahLst/>
+            <a:cxnLst/>
+            <a:rect l="l" t="t" r="r" b="b"/>
             <a:pathLst>
-              <a:path extrusionOk="0" h="120000" w="120000">
+              <a:path w="120000" h="120000" extrusionOk="0">
                 <a:moveTo>
                   <a:pt x="0" y="0"/>
                 </a:moveTo>
@@ -1383,23 +1427,25 @@
             </a:pathLst>
           </a:custGeom>
           <a:noFill/>
-          <a:ln cap="flat" cmpd="sng" w="9525">
+          <a:ln w="9525" cap="flat" cmpd="sng">
             <a:solidFill>
               <a:srgbClr val="000000"/>
             </a:solidFill>
             <a:prstDash val="solid"/>
             <a:round/>
-            <a:headEnd len="sm" w="sm" type="none"/>
-            <a:tailEnd len="sm" w="sm" type="none"/>
+            <a:headEnd type="none" w="sm" len="sm"/>
+            <a:tailEnd type="none" w="sm" len="sm"/>
           </a:ln>
         </p:spPr>
       </p:sp>
       <p:sp>
         <p:nvSpPr>
           <p:cNvPr id="72" name="Google Shape;72;p4:notes"/>
-          <p:cNvSpPr txBox="1"/>
+          <p:cNvSpPr txBox="1">
+            <a:spLocks noGrp="1"/>
+          </p:cNvSpPr>
           <p:nvPr>
-            <p:ph idx="1" type="body"/>
+            <p:ph type="body" idx="1"/>
           </p:nvPr>
         </p:nvSpPr>
         <p:spPr>
@@ -1416,12 +1462,12 @@
           </a:ln>
         </p:spPr>
         <p:txBody>
-          <a:bodyPr anchorCtr="0" anchor="t" bIns="91425" lIns="91425" spcFirstLastPara="1" rIns="91425" wrap="square" tIns="91425">
+          <a:bodyPr spcFirstLastPara="1" wrap="square" lIns="91425" tIns="91425" rIns="91425" bIns="91425" anchor="t" anchorCtr="0">
             <a:noAutofit/>
           </a:bodyPr>
           <a:lstStyle/>
           <a:p>
-            <a:pPr indent="0" lvl="0" marL="0" rtl="0" algn="l">
+            <a:pPr marL="0" lvl="0" indent="0" algn="l" rtl="0">
               <a:lnSpc>
                 <a:spcPct val="100000"/>
               </a:lnSpc>
@@ -1438,9 +1484,6 @@
               <a:buFont typeface="Arial"/>
               <a:buNone/>
             </a:pPr>
-            <a:r>
-              <a:t/>
-            </a:r>
             <a:endParaRPr/>
           </a:p>
         </p:txBody>
@@ -1454,11 +1497,11 @@
 </file>
 
 <file path=ppt/notesSlides/notesSlide6.xml><?xml version="1.0" encoding="utf-8"?>
-<p:notes xmlns:a="http://schemas.openxmlformats.org/drawingml/2006/main" xmlns:r="http://schemas.openxmlformats.org/officeDocument/2006/relationships" xmlns:mc="http://schemas.openxmlformats.org/markup-compatibility/2006" xmlns:mv="urn:schemas-microsoft-com:mac:vml" xmlns:p="http://schemas.openxmlformats.org/presentationml/2006/main" xmlns:c="http://schemas.openxmlformats.org/drawingml/2006/chart" xmlns:dgm="http://schemas.openxmlformats.org/drawingml/2006/diagram" xmlns:o="urn:schemas-microsoft-com:office:office" xmlns:v="urn:schemas-microsoft-com:vml" xmlns:pvml="urn:schemas-microsoft-com:office:powerpoint" xmlns:com="http://schemas.openxmlformats.org/drawingml/2006/compatibility" xmlns:p14="http://schemas.microsoft.com/office/powerpoint/2010/main" xmlns:p15="http://schemas.microsoft.com/office/powerpoint/2012/main" xmlns:ahyp="http://schemas.microsoft.com/office/drawing/2018/hyperlinkcolor" showMasterPhAnim="0" showMasterSp="0">
+<p:notes xmlns:a="http://schemas.openxmlformats.org/drawingml/2006/main" xmlns:r="http://schemas.openxmlformats.org/officeDocument/2006/relationships" xmlns:p="http://schemas.openxmlformats.org/presentationml/2006/main" showMasterSp="0" showMasterPhAnim="0">
   <p:cSld>
     <p:spTree>
       <p:nvGrpSpPr>
-        <p:cNvPr id="78" name="Shape 78"/>
+        <p:cNvPr id="1" name="Shape 78"/>
         <p:cNvGrpSpPr/>
         <p:nvPr/>
       </p:nvGrpSpPr>
@@ -1473,9 +1516,11 @@
       <p:sp>
         <p:nvSpPr>
           <p:cNvPr id="79" name="Google Shape;79;gb816951194_0_7:notes"/>
-          <p:cNvSpPr/>
+          <p:cNvSpPr>
+            <a:spLocks noGrp="1" noRot="1" noChangeAspect="1"/>
+          </p:cNvSpPr>
           <p:nvPr>
-            <p:ph idx="2" type="sldImg"/>
+            <p:ph type="sldImg" idx="2"/>
           </p:nvPr>
         </p:nvSpPr>
         <p:spPr>
@@ -1484,9 +1529,13 @@
             <a:ext cx="6096000" cy="3429000"/>
           </a:xfrm>
           <a:custGeom>
-            <a:rect b="b" l="l" r="r" t="t"/>
+            <a:avLst/>
+            <a:gdLst/>
+            <a:ahLst/>
+            <a:cxnLst/>
+            <a:rect l="l" t="t" r="r" b="b"/>
             <a:pathLst>
-              <a:path extrusionOk="0" h="120000" w="120000">
+              <a:path w="120000" h="120000" extrusionOk="0">
                 <a:moveTo>
                   <a:pt x="0" y="0"/>
                 </a:moveTo>
@@ -1504,23 +1553,25 @@
             </a:pathLst>
           </a:custGeom>
           <a:noFill/>
-          <a:ln cap="flat" cmpd="sng" w="9525">
+          <a:ln w="9525" cap="flat" cmpd="sng">
             <a:solidFill>
               <a:srgbClr val="000000"/>
             </a:solidFill>
             <a:prstDash val="solid"/>
             <a:round/>
-            <a:headEnd len="sm" w="sm" type="none"/>
-            <a:tailEnd len="sm" w="sm" type="none"/>
+            <a:headEnd type="none" w="sm" len="sm"/>
+            <a:tailEnd type="none" w="sm" len="sm"/>
           </a:ln>
         </p:spPr>
       </p:sp>
       <p:sp>
         <p:nvSpPr>
           <p:cNvPr id="80" name="Google Shape;80;gb816951194_0_7:notes"/>
-          <p:cNvSpPr txBox="1"/>
+          <p:cNvSpPr txBox="1">
+            <a:spLocks noGrp="1"/>
+          </p:cNvSpPr>
           <p:nvPr>
-            <p:ph idx="1" type="body"/>
+            <p:ph type="body" idx="1"/>
           </p:nvPr>
         </p:nvSpPr>
         <p:spPr>
@@ -1537,12 +1588,12 @@
           </a:ln>
         </p:spPr>
         <p:txBody>
-          <a:bodyPr anchorCtr="0" anchor="t" bIns="91425" lIns="91425" spcFirstLastPara="1" rIns="91425" wrap="square" tIns="91425">
+          <a:bodyPr spcFirstLastPara="1" wrap="square" lIns="91425" tIns="91425" rIns="91425" bIns="91425" anchor="t" anchorCtr="0">
             <a:noAutofit/>
           </a:bodyPr>
           <a:lstStyle/>
           <a:p>
-            <a:pPr indent="0" lvl="0" marL="0" rtl="0" algn="l">
+            <a:pPr marL="0" lvl="0" indent="0" algn="l" rtl="0">
               <a:lnSpc>
                 <a:spcPct val="100000"/>
               </a:lnSpc>
@@ -1559,9 +1610,6 @@
               <a:buFont typeface="Arial"/>
               <a:buNone/>
             </a:pPr>
-            <a:r>
-              <a:t/>
-            </a:r>
             <a:endParaRPr/>
           </a:p>
         </p:txBody>
@@ -1575,11 +1623,11 @@
 </file>
 
 <file path=ppt/notesSlides/notesSlide7.xml><?xml version="1.0" encoding="utf-8"?>
-<p:notes xmlns:a="http://schemas.openxmlformats.org/drawingml/2006/main" xmlns:r="http://schemas.openxmlformats.org/officeDocument/2006/relationships" xmlns:mc="http://schemas.openxmlformats.org/markup-compatibility/2006" xmlns:mv="urn:schemas-microsoft-com:mac:vml" xmlns:p="http://schemas.openxmlformats.org/presentationml/2006/main" xmlns:c="http://schemas.openxmlformats.org/drawingml/2006/chart" xmlns:dgm="http://schemas.openxmlformats.org/drawingml/2006/diagram" xmlns:o="urn:schemas-microsoft-com:office:office" xmlns:v="urn:schemas-microsoft-com:vml" xmlns:pvml="urn:schemas-microsoft-com:office:powerpoint" xmlns:com="http://schemas.openxmlformats.org/drawingml/2006/compatibility" xmlns:p14="http://schemas.microsoft.com/office/powerpoint/2010/main" xmlns:p15="http://schemas.microsoft.com/office/powerpoint/2012/main" xmlns:ahyp="http://schemas.microsoft.com/office/drawing/2018/hyperlinkcolor" showMasterPhAnim="0" showMasterSp="0">
+<p:notes xmlns:a="http://schemas.openxmlformats.org/drawingml/2006/main" xmlns:r="http://schemas.openxmlformats.org/officeDocument/2006/relationships" xmlns:p="http://schemas.openxmlformats.org/presentationml/2006/main" showMasterSp="0" showMasterPhAnim="0">
   <p:cSld>
     <p:spTree>
       <p:nvGrpSpPr>
-        <p:cNvPr id="91" name="Shape 91"/>
+        <p:cNvPr id="1" name="Shape 91"/>
         <p:cNvGrpSpPr/>
         <p:nvPr/>
       </p:nvGrpSpPr>
@@ -1594,9 +1642,11 @@
       <p:sp>
         <p:nvSpPr>
           <p:cNvPr id="92" name="Google Shape;92;gb816951194_0_19:notes"/>
-          <p:cNvSpPr/>
+          <p:cNvSpPr>
+            <a:spLocks noGrp="1" noRot="1" noChangeAspect="1"/>
+          </p:cNvSpPr>
           <p:nvPr>
-            <p:ph idx="2" type="sldImg"/>
+            <p:ph type="sldImg" idx="2"/>
           </p:nvPr>
         </p:nvSpPr>
         <p:spPr>
@@ -1605,9 +1655,13 @@
             <a:ext cx="6096000" cy="3429000"/>
           </a:xfrm>
           <a:custGeom>
-            <a:rect b="b" l="l" r="r" t="t"/>
+            <a:avLst/>
+            <a:gdLst/>
+            <a:ahLst/>
+            <a:cxnLst/>
+            <a:rect l="l" t="t" r="r" b="b"/>
             <a:pathLst>
-              <a:path extrusionOk="0" h="120000" w="120000">
+              <a:path w="120000" h="120000" extrusionOk="0">
                 <a:moveTo>
                   <a:pt x="0" y="0"/>
                 </a:moveTo>
@@ -1625,23 +1679,25 @@
             </a:pathLst>
           </a:custGeom>
           <a:noFill/>
-          <a:ln cap="flat" cmpd="sng" w="9525">
+          <a:ln w="9525" cap="flat" cmpd="sng">
             <a:solidFill>
               <a:srgbClr val="000000"/>
             </a:solidFill>
             <a:prstDash val="solid"/>
             <a:round/>
-            <a:headEnd len="sm" w="sm" type="none"/>
-            <a:tailEnd len="sm" w="sm" type="none"/>
+            <a:headEnd type="none" w="sm" len="sm"/>
+            <a:tailEnd type="none" w="sm" len="sm"/>
           </a:ln>
         </p:spPr>
       </p:sp>
       <p:sp>
         <p:nvSpPr>
           <p:cNvPr id="93" name="Google Shape;93;gb816951194_0_19:notes"/>
-          <p:cNvSpPr txBox="1"/>
+          <p:cNvSpPr txBox="1">
+            <a:spLocks noGrp="1"/>
+          </p:cNvSpPr>
           <p:nvPr>
-            <p:ph idx="1" type="body"/>
+            <p:ph type="body" idx="1"/>
           </p:nvPr>
         </p:nvSpPr>
         <p:spPr>
@@ -1658,12 +1714,12 @@
           </a:ln>
         </p:spPr>
         <p:txBody>
-          <a:bodyPr anchorCtr="0" anchor="t" bIns="91425" lIns="91425" spcFirstLastPara="1" rIns="91425" wrap="square" tIns="91425">
+          <a:bodyPr spcFirstLastPara="1" wrap="square" lIns="91425" tIns="91425" rIns="91425" bIns="91425" anchor="t" anchorCtr="0">
             <a:noAutofit/>
           </a:bodyPr>
           <a:lstStyle/>
           <a:p>
-            <a:pPr indent="0" lvl="0" marL="0" rtl="0" algn="l">
+            <a:pPr marL="0" lvl="0" indent="0" algn="l" rtl="0">
               <a:lnSpc>
                 <a:spcPct val="100000"/>
               </a:lnSpc>
@@ -1680,9 +1736,6 @@
               <a:buFont typeface="Arial"/>
               <a:buNone/>
             </a:pPr>
-            <a:r>
-              <a:t/>
-            </a:r>
             <a:endParaRPr/>
           </a:p>
         </p:txBody>
@@ -1696,11 +1749,11 @@
 </file>
 
 <file path=ppt/notesSlides/notesSlide8.xml><?xml version="1.0" encoding="utf-8"?>
-<p:notes xmlns:a="http://schemas.openxmlformats.org/drawingml/2006/main" xmlns:r="http://schemas.openxmlformats.org/officeDocument/2006/relationships" xmlns:mc="http://schemas.openxmlformats.org/markup-compatibility/2006" xmlns:mv="urn:schemas-microsoft-com:mac:vml" xmlns:p="http://schemas.openxmlformats.org/presentationml/2006/main" xmlns:c="http://schemas.openxmlformats.org/drawingml/2006/chart" xmlns:dgm="http://schemas.openxmlformats.org/drawingml/2006/diagram" xmlns:o="urn:schemas-microsoft-com:office:office" xmlns:v="urn:schemas-microsoft-com:vml" xmlns:pvml="urn:schemas-microsoft-com:office:powerpoint" xmlns:com="http://schemas.openxmlformats.org/drawingml/2006/compatibility" xmlns:p14="http://schemas.microsoft.com/office/powerpoint/2010/main" xmlns:p15="http://schemas.microsoft.com/office/powerpoint/2012/main" xmlns:ahyp="http://schemas.microsoft.com/office/drawing/2018/hyperlinkcolor" showMasterPhAnim="0" showMasterSp="0">
+<p:notes xmlns:a="http://schemas.openxmlformats.org/drawingml/2006/main" xmlns:r="http://schemas.openxmlformats.org/officeDocument/2006/relationships" xmlns:p="http://schemas.openxmlformats.org/presentationml/2006/main" showMasterSp="0" showMasterPhAnim="0">
   <p:cSld>
     <p:spTree>
       <p:nvGrpSpPr>
-        <p:cNvPr id="104" name="Shape 104"/>
+        <p:cNvPr id="1" name="Shape 104"/>
         <p:cNvGrpSpPr/>
         <p:nvPr/>
       </p:nvGrpSpPr>
@@ -1715,9 +1768,11 @@
       <p:sp>
         <p:nvSpPr>
           <p:cNvPr id="105" name="Google Shape;105;gb816951194_0_31:notes"/>
-          <p:cNvSpPr/>
+          <p:cNvSpPr>
+            <a:spLocks noGrp="1" noRot="1" noChangeAspect="1"/>
+          </p:cNvSpPr>
           <p:nvPr>
-            <p:ph idx="2" type="sldImg"/>
+            <p:ph type="sldImg" idx="2"/>
           </p:nvPr>
         </p:nvSpPr>
         <p:spPr>
@@ -1726,9 +1781,13 @@
             <a:ext cx="6096000" cy="3429000"/>
           </a:xfrm>
           <a:custGeom>
-            <a:rect b="b" l="l" r="r" t="t"/>
+            <a:avLst/>
+            <a:gdLst/>
+            <a:ahLst/>
+            <a:cxnLst/>
+            <a:rect l="l" t="t" r="r" b="b"/>
             <a:pathLst>
-              <a:path extrusionOk="0" h="120000" w="120000">
+              <a:path w="120000" h="120000" extrusionOk="0">
                 <a:moveTo>
                   <a:pt x="0" y="0"/>
                 </a:moveTo>
@@ -1746,23 +1805,25 @@
             </a:pathLst>
           </a:custGeom>
           <a:noFill/>
-          <a:ln cap="flat" cmpd="sng" w="9525">
+          <a:ln w="9525" cap="flat" cmpd="sng">
             <a:solidFill>
               <a:srgbClr val="000000"/>
             </a:solidFill>
             <a:prstDash val="solid"/>
             <a:round/>
-            <a:headEnd len="sm" w="sm" type="none"/>
-            <a:tailEnd len="sm" w="sm" type="none"/>
+            <a:headEnd type="none" w="sm" len="sm"/>
+            <a:tailEnd type="none" w="sm" len="sm"/>
           </a:ln>
         </p:spPr>
       </p:sp>
       <p:sp>
         <p:nvSpPr>
           <p:cNvPr id="106" name="Google Shape;106;gb816951194_0_31:notes"/>
-          <p:cNvSpPr txBox="1"/>
+          <p:cNvSpPr txBox="1">
+            <a:spLocks noGrp="1"/>
+          </p:cNvSpPr>
           <p:nvPr>
-            <p:ph idx="1" type="body"/>
+            <p:ph type="body" idx="1"/>
           </p:nvPr>
         </p:nvSpPr>
         <p:spPr>
@@ -1779,12 +1840,12 @@
           </a:ln>
         </p:spPr>
         <p:txBody>
-          <a:bodyPr anchorCtr="0" anchor="t" bIns="91425" lIns="91425" spcFirstLastPara="1" rIns="91425" wrap="square" tIns="91425">
+          <a:bodyPr spcFirstLastPara="1" wrap="square" lIns="91425" tIns="91425" rIns="91425" bIns="91425" anchor="t" anchorCtr="0">
             <a:noAutofit/>
           </a:bodyPr>
           <a:lstStyle/>
           <a:p>
-            <a:pPr indent="0" lvl="0" marL="0" rtl="0" algn="l">
+            <a:pPr marL="0" lvl="0" indent="0" algn="l" rtl="0">
               <a:lnSpc>
                 <a:spcPct val="100000"/>
               </a:lnSpc>
@@ -1801,9 +1862,6 @@
               <a:buFont typeface="Arial"/>
               <a:buNone/>
             </a:pPr>
-            <a:r>
-              <a:t/>
-            </a:r>
             <a:endParaRPr/>
           </a:p>
         </p:txBody>
@@ -1817,11 +1875,11 @@
 </file>
 
 <file path=ppt/notesSlides/notesSlide9.xml><?xml version="1.0" encoding="utf-8"?>
-<p:notes xmlns:a="http://schemas.openxmlformats.org/drawingml/2006/main" xmlns:r="http://schemas.openxmlformats.org/officeDocument/2006/relationships" xmlns:mc="http://schemas.openxmlformats.org/markup-compatibility/2006" xmlns:mv="urn:schemas-microsoft-com:mac:vml" xmlns:p="http://schemas.openxmlformats.org/presentationml/2006/main" xmlns:c="http://schemas.openxmlformats.org/drawingml/2006/chart" xmlns:dgm="http://schemas.openxmlformats.org/drawingml/2006/diagram" xmlns:o="urn:schemas-microsoft-com:office:office" xmlns:v="urn:schemas-microsoft-com:vml" xmlns:pvml="urn:schemas-microsoft-com:office:powerpoint" xmlns:com="http://schemas.openxmlformats.org/drawingml/2006/compatibility" xmlns:p14="http://schemas.microsoft.com/office/powerpoint/2010/main" xmlns:p15="http://schemas.microsoft.com/office/powerpoint/2012/main" xmlns:ahyp="http://schemas.microsoft.com/office/drawing/2018/hyperlinkcolor" showMasterPhAnim="0" showMasterSp="0">
+<p:notes xmlns:a="http://schemas.openxmlformats.org/drawingml/2006/main" xmlns:r="http://schemas.openxmlformats.org/officeDocument/2006/relationships" xmlns:p="http://schemas.openxmlformats.org/presentationml/2006/main" showMasterSp="0" showMasterPhAnim="0">
   <p:cSld>
     <p:spTree>
       <p:nvGrpSpPr>
-        <p:cNvPr id="112" name="Shape 112"/>
+        <p:cNvPr id="1" name="Shape 112"/>
         <p:cNvGrpSpPr/>
         <p:nvPr/>
       </p:nvGrpSpPr>
@@ -1836,9 +1894,11 @@
       <p:sp>
         <p:nvSpPr>
           <p:cNvPr id="113" name="Google Shape;113;p43:notes"/>
-          <p:cNvSpPr/>
+          <p:cNvSpPr>
+            <a:spLocks noGrp="1" noRot="1" noChangeAspect="1"/>
+          </p:cNvSpPr>
           <p:nvPr>
-            <p:ph idx="2" type="sldImg"/>
+            <p:ph type="sldImg" idx="2"/>
           </p:nvPr>
         </p:nvSpPr>
         <p:spPr>
@@ -1847,9 +1907,13 @@
             <a:ext cx="6096000" cy="3429000"/>
           </a:xfrm>
           <a:custGeom>
-            <a:rect b="b" l="l" r="r" t="t"/>
+            <a:avLst/>
+            <a:gdLst/>
+            <a:ahLst/>
+            <a:cxnLst/>
+            <a:rect l="l" t="t" r="r" b="b"/>
             <a:pathLst>
-              <a:path extrusionOk="0" h="120000" w="120000">
+              <a:path w="120000" h="120000" extrusionOk="0">
                 <a:moveTo>
                   <a:pt x="0" y="0"/>
                 </a:moveTo>
@@ -1867,23 +1931,25 @@
             </a:pathLst>
           </a:custGeom>
           <a:noFill/>
-          <a:ln cap="flat" cmpd="sng" w="9525">
+          <a:ln w="9525" cap="flat" cmpd="sng">
             <a:solidFill>
               <a:srgbClr val="000000"/>
             </a:solidFill>
             <a:prstDash val="solid"/>
             <a:round/>
-            <a:headEnd len="sm" w="sm" type="none"/>
-            <a:tailEnd len="sm" w="sm" type="none"/>
+            <a:headEnd type="none" w="sm" len="sm"/>
+            <a:tailEnd type="none" w="sm" len="sm"/>
           </a:ln>
         </p:spPr>
       </p:sp>
       <p:sp>
         <p:nvSpPr>
           <p:cNvPr id="114" name="Google Shape;114;p43:notes"/>
-          <p:cNvSpPr txBox="1"/>
+          <p:cNvSpPr txBox="1">
+            <a:spLocks noGrp="1"/>
+          </p:cNvSpPr>
           <p:nvPr>
-            <p:ph idx="1" type="body"/>
+            <p:ph type="body" idx="1"/>
           </p:nvPr>
         </p:nvSpPr>
         <p:spPr>
@@ -1900,12 +1966,12 @@
           </a:ln>
         </p:spPr>
         <p:txBody>
-          <a:bodyPr anchorCtr="0" anchor="t" bIns="91425" lIns="91425" spcFirstLastPara="1" rIns="91425" wrap="square" tIns="91425">
+          <a:bodyPr spcFirstLastPara="1" wrap="square" lIns="91425" tIns="91425" rIns="91425" bIns="91425" anchor="t" anchorCtr="0">
             <a:noAutofit/>
           </a:bodyPr>
           <a:lstStyle/>
           <a:p>
-            <a:pPr indent="0" lvl="0" marL="0" rtl="0" algn="l">
+            <a:pPr marL="0" lvl="0" indent="0" algn="l" rtl="0">
               <a:lnSpc>
                 <a:spcPct val="100000"/>
               </a:lnSpc>
@@ -1922,9 +1988,6 @@
               <a:buFont typeface="Arial"/>
               <a:buNone/>
             </a:pPr>
-            <a:r>
-              <a:t/>
-            </a:r>
             <a:endParaRPr/>
           </a:p>
         </p:txBody>
@@ -1938,11 +2001,11 @@
 </file>
 
 <file path=ppt/slideLayouts/slideLayout1.xml><?xml version="1.0" encoding="utf-8"?>
-<p:sldLayout xmlns:a="http://schemas.openxmlformats.org/drawingml/2006/main" xmlns:r="http://schemas.openxmlformats.org/officeDocument/2006/relationships" xmlns:mc="http://schemas.openxmlformats.org/markup-compatibility/2006" xmlns:mv="urn:schemas-microsoft-com:mac:vml" xmlns:p="http://schemas.openxmlformats.org/presentationml/2006/main" xmlns:c="http://schemas.openxmlformats.org/drawingml/2006/chart" xmlns:dgm="http://schemas.openxmlformats.org/drawingml/2006/diagram" xmlns:o="urn:schemas-microsoft-com:office:office" xmlns:v="urn:schemas-microsoft-com:vml" xmlns:pvml="urn:schemas-microsoft-com:office:powerpoint" xmlns:com="http://schemas.openxmlformats.org/drawingml/2006/compatibility" xmlns:p14="http://schemas.microsoft.com/office/powerpoint/2010/main" xmlns:p15="http://schemas.microsoft.com/office/powerpoint/2012/main" xmlns:ahyp="http://schemas.microsoft.com/office/drawing/2018/hyperlinkcolor" matchingName="Title slide" type="title">
+<p:sldLayout xmlns:a="http://schemas.openxmlformats.org/drawingml/2006/main" xmlns:r="http://schemas.openxmlformats.org/officeDocument/2006/relationships" xmlns:p="http://schemas.openxmlformats.org/presentationml/2006/main" matchingName="Title slide" type="title">
   <p:cSld name="TITLE">
     <p:spTree>
       <p:nvGrpSpPr>
-        <p:cNvPr id="9" name="Shape 9"/>
+        <p:cNvPr id="1" name="Shape 9"/>
         <p:cNvGrpSpPr/>
         <p:nvPr/>
       </p:nvGrpSpPr>
@@ -1957,7 +2020,9 @@
       <p:sp>
         <p:nvSpPr>
           <p:cNvPr id="10" name="Google Shape;10;p25"/>
-          <p:cNvSpPr txBox="1"/>
+          <p:cNvSpPr txBox="1">
+            <a:spLocks noGrp="1"/>
+          </p:cNvSpPr>
           <p:nvPr>
             <p:ph type="ctrTitle"/>
           </p:nvPr>
@@ -1976,7 +2041,7 @@
           </a:ln>
         </p:spPr>
         <p:txBody>
-          <a:bodyPr anchorCtr="0" anchor="b" bIns="91425" lIns="91425" spcFirstLastPara="1" rIns="91425" wrap="square" tIns="91425">
+          <a:bodyPr spcFirstLastPara="1" wrap="square" lIns="91425" tIns="91425" rIns="91425" bIns="91425" anchor="b" anchorCtr="0">
             <a:noAutofit/>
           </a:bodyPr>
           <a:lstStyle>
@@ -2107,15 +2172,19 @@
               <a:defRPr sz="5200"/>
             </a:lvl9pPr>
           </a:lstStyle>
-          <a:p/>
+          <a:p>
+            <a:endParaRPr/>
+          </a:p>
         </p:txBody>
       </p:sp>
       <p:sp>
         <p:nvSpPr>
           <p:cNvPr id="11" name="Google Shape;11;p25"/>
-          <p:cNvSpPr txBox="1"/>
+          <p:cNvSpPr txBox="1">
+            <a:spLocks noGrp="1"/>
+          </p:cNvSpPr>
           <p:nvPr>
-            <p:ph idx="1" type="subTitle"/>
+            <p:ph type="subTitle" idx="1"/>
           </p:nvPr>
         </p:nvSpPr>
         <p:spPr>
@@ -2132,7 +2201,7 @@
           </a:ln>
         </p:spPr>
         <p:txBody>
-          <a:bodyPr anchorCtr="0" anchor="t" bIns="91425" lIns="91425" spcFirstLastPara="1" rIns="91425" wrap="square" tIns="91425">
+          <a:bodyPr spcFirstLastPara="1" wrap="square" lIns="91425" tIns="91425" rIns="91425" bIns="91425" anchor="t" anchorCtr="0">
             <a:noAutofit/>
           </a:bodyPr>
           <a:lstStyle>
@@ -2263,15 +2332,19 @@
               <a:defRPr sz="2800"/>
             </a:lvl9pPr>
           </a:lstStyle>
-          <a:p/>
+          <a:p>
+            <a:endParaRPr/>
+          </a:p>
         </p:txBody>
       </p:sp>
       <p:sp>
         <p:nvSpPr>
           <p:cNvPr id="12" name="Google Shape;12;p25"/>
-          <p:cNvSpPr txBox="1"/>
+          <p:cNvSpPr txBox="1">
+            <a:spLocks noGrp="1"/>
+          </p:cNvSpPr>
           <p:nvPr>
-            <p:ph idx="12" type="sldNum"/>
+            <p:ph type="sldNum" idx="12"/>
           </p:nvPr>
         </p:nvSpPr>
         <p:spPr>
@@ -2288,11 +2361,11 @@
           </a:ln>
         </p:spPr>
         <p:txBody>
-          <a:bodyPr anchorCtr="0" anchor="ctr" bIns="91425" lIns="91425" spcFirstLastPara="1" rIns="91425" wrap="square" tIns="91425">
+          <a:bodyPr spcFirstLastPara="1" wrap="square" lIns="91425" tIns="91425" rIns="91425" bIns="91425" anchor="ctr" anchorCtr="0">
             <a:noAutofit/>
           </a:bodyPr>
           <a:lstStyle>
-            <a:lvl1pPr indent="0" lvl="0" marL="0" marR="0" algn="r">
+            <a:lvl1pPr marL="0" marR="0" lvl="0" indent="0" algn="r">
               <a:lnSpc>
                 <a:spcPct val="100000"/>
               </a:lnSpc>
@@ -2308,7 +2381,7 @@
               <a:buSzPts val="1000"/>
               <a:buFont typeface="Arial"/>
               <a:buNone/>
-              <a:defRPr b="0" i="0" sz="1000" u="none" cap="none" strike="noStrike">
+              <a:defRPr sz="1000" b="0" i="0" u="none" strike="noStrike" cap="none">
                 <a:solidFill>
                   <a:schemeClr val="dk2"/>
                 </a:solidFill>
@@ -2318,7 +2391,7 @@
                 <a:sym typeface="Arial"/>
               </a:defRPr>
             </a:lvl1pPr>
-            <a:lvl2pPr indent="0" lvl="1" marL="0" marR="0" algn="r">
+            <a:lvl2pPr marL="0" marR="0" lvl="1" indent="0" algn="r">
               <a:lnSpc>
                 <a:spcPct val="100000"/>
               </a:lnSpc>
@@ -2334,7 +2407,7 @@
               <a:buSzPts val="1000"/>
               <a:buFont typeface="Arial"/>
               <a:buNone/>
-              <a:defRPr b="0" i="0" sz="1000" u="none" cap="none" strike="noStrike">
+              <a:defRPr sz="1000" b="0" i="0" u="none" strike="noStrike" cap="none">
                 <a:solidFill>
                   <a:schemeClr val="dk2"/>
                 </a:solidFill>
@@ -2344,7 +2417,7 @@
                 <a:sym typeface="Arial"/>
               </a:defRPr>
             </a:lvl2pPr>
-            <a:lvl3pPr indent="0" lvl="2" marL="0" marR="0" algn="r">
+            <a:lvl3pPr marL="0" marR="0" lvl="2" indent="0" algn="r">
               <a:lnSpc>
                 <a:spcPct val="100000"/>
               </a:lnSpc>
@@ -2360,7 +2433,7 @@
               <a:buSzPts val="1000"/>
               <a:buFont typeface="Arial"/>
               <a:buNone/>
-              <a:defRPr b="0" i="0" sz="1000" u="none" cap="none" strike="noStrike">
+              <a:defRPr sz="1000" b="0" i="0" u="none" strike="noStrike" cap="none">
                 <a:solidFill>
                   <a:schemeClr val="dk2"/>
                 </a:solidFill>
@@ -2370,7 +2443,7 @@
                 <a:sym typeface="Arial"/>
               </a:defRPr>
             </a:lvl3pPr>
-            <a:lvl4pPr indent="0" lvl="3" marL="0" marR="0" algn="r">
+            <a:lvl4pPr marL="0" marR="0" lvl="3" indent="0" algn="r">
               <a:lnSpc>
                 <a:spcPct val="100000"/>
               </a:lnSpc>
@@ -2386,7 +2459,7 @@
               <a:buSzPts val="1000"/>
               <a:buFont typeface="Arial"/>
               <a:buNone/>
-              <a:defRPr b="0" i="0" sz="1000" u="none" cap="none" strike="noStrike">
+              <a:defRPr sz="1000" b="0" i="0" u="none" strike="noStrike" cap="none">
                 <a:solidFill>
                   <a:schemeClr val="dk2"/>
                 </a:solidFill>
@@ -2396,7 +2469,7 @@
                 <a:sym typeface="Arial"/>
               </a:defRPr>
             </a:lvl4pPr>
-            <a:lvl5pPr indent="0" lvl="4" marL="0" marR="0" algn="r">
+            <a:lvl5pPr marL="0" marR="0" lvl="4" indent="0" algn="r">
               <a:lnSpc>
                 <a:spcPct val="100000"/>
               </a:lnSpc>
@@ -2412,7 +2485,7 @@
               <a:buSzPts val="1000"/>
               <a:buFont typeface="Arial"/>
               <a:buNone/>
-              <a:defRPr b="0" i="0" sz="1000" u="none" cap="none" strike="noStrike">
+              <a:defRPr sz="1000" b="0" i="0" u="none" strike="noStrike" cap="none">
                 <a:solidFill>
                   <a:schemeClr val="dk2"/>
                 </a:solidFill>
@@ -2422,7 +2495,7 @@
                 <a:sym typeface="Arial"/>
               </a:defRPr>
             </a:lvl5pPr>
-            <a:lvl6pPr indent="0" lvl="5" marL="0" marR="0" algn="r">
+            <a:lvl6pPr marL="0" marR="0" lvl="5" indent="0" algn="r">
               <a:lnSpc>
                 <a:spcPct val="100000"/>
               </a:lnSpc>
@@ -2438,7 +2511,7 @@
               <a:buSzPts val="1000"/>
               <a:buFont typeface="Arial"/>
               <a:buNone/>
-              <a:defRPr b="0" i="0" sz="1000" u="none" cap="none" strike="noStrike">
+              <a:defRPr sz="1000" b="0" i="0" u="none" strike="noStrike" cap="none">
                 <a:solidFill>
                   <a:schemeClr val="dk2"/>
                 </a:solidFill>
@@ -2448,7 +2521,7 @@
                 <a:sym typeface="Arial"/>
               </a:defRPr>
             </a:lvl6pPr>
-            <a:lvl7pPr indent="0" lvl="6" marL="0" marR="0" algn="r">
+            <a:lvl7pPr marL="0" marR="0" lvl="6" indent="0" algn="r">
               <a:lnSpc>
                 <a:spcPct val="100000"/>
               </a:lnSpc>
@@ -2464,7 +2537,7 @@
               <a:buSzPts val="1000"/>
               <a:buFont typeface="Arial"/>
               <a:buNone/>
-              <a:defRPr b="0" i="0" sz="1000" u="none" cap="none" strike="noStrike">
+              <a:defRPr sz="1000" b="0" i="0" u="none" strike="noStrike" cap="none">
                 <a:solidFill>
                   <a:schemeClr val="dk2"/>
                 </a:solidFill>
@@ -2474,7 +2547,7 @@
                 <a:sym typeface="Arial"/>
               </a:defRPr>
             </a:lvl7pPr>
-            <a:lvl8pPr indent="0" lvl="7" marL="0" marR="0" algn="r">
+            <a:lvl8pPr marL="0" marR="0" lvl="7" indent="0" algn="r">
               <a:lnSpc>
                 <a:spcPct val="100000"/>
               </a:lnSpc>
@@ -2490,7 +2563,7 @@
               <a:buSzPts val="1000"/>
               <a:buFont typeface="Arial"/>
               <a:buNone/>
-              <a:defRPr b="0" i="0" sz="1000" u="none" cap="none" strike="noStrike">
+              <a:defRPr sz="1000" b="0" i="0" u="none" strike="noStrike" cap="none">
                 <a:solidFill>
                   <a:schemeClr val="dk2"/>
                 </a:solidFill>
@@ -2500,7 +2573,7 @@
                 <a:sym typeface="Arial"/>
               </a:defRPr>
             </a:lvl8pPr>
-            <a:lvl9pPr indent="0" lvl="8" marL="0" marR="0" algn="r">
+            <a:lvl9pPr marL="0" marR="0" lvl="8" indent="0" algn="r">
               <a:lnSpc>
                 <a:spcPct val="100000"/>
               </a:lnSpc>
@@ -2516,7 +2589,7 @@
               <a:buSzPts val="1000"/>
               <a:buFont typeface="Arial"/>
               <a:buNone/>
-              <a:defRPr b="0" i="0" sz="1000" u="none" cap="none" strike="noStrike">
+              <a:defRPr sz="1000" b="0" i="0" u="none" strike="noStrike" cap="none">
                 <a:solidFill>
                   <a:schemeClr val="dk2"/>
                 </a:solidFill>
@@ -2528,7 +2601,7 @@
             </a:lvl9pPr>
           </a:lstStyle>
           <a:p>
-            <a:pPr indent="0" lvl="0" marL="0" rtl="0" algn="r">
+            <a:pPr marL="0" lvl="0" indent="0" algn="r" rtl="0">
               <a:spcBef>
                 <a:spcPts val="0"/>
               </a:spcBef>
@@ -2539,7 +2612,7 @@
             </a:pPr>
             <a:fld id="{00000000-1234-1234-1234-123412341234}" type="slidenum">
               <a:rPr lang="en-US"/>
-              <a:t>‹#›</a:t>
+              <a:t>‹nº›</a:t>
             </a:fld>
             <a:endParaRPr/>
           </a:p>
@@ -2554,11 +2627,11 @@
 </file>
 
 <file path=ppt/slideLayouts/slideLayout2.xml><?xml version="1.0" encoding="utf-8"?>
-<p:sldLayout xmlns:a="http://schemas.openxmlformats.org/drawingml/2006/main" xmlns:r="http://schemas.openxmlformats.org/officeDocument/2006/relationships" xmlns:mc="http://schemas.openxmlformats.org/markup-compatibility/2006" xmlns:mv="urn:schemas-microsoft-com:mac:vml" xmlns:p="http://schemas.openxmlformats.org/presentationml/2006/main" xmlns:c="http://schemas.openxmlformats.org/drawingml/2006/chart" xmlns:dgm="http://schemas.openxmlformats.org/drawingml/2006/diagram" xmlns:o="urn:schemas-microsoft-com:office:office" xmlns:v="urn:schemas-microsoft-com:vml" xmlns:pvml="urn:schemas-microsoft-com:office:powerpoint" xmlns:com="http://schemas.openxmlformats.org/drawingml/2006/compatibility" xmlns:p14="http://schemas.microsoft.com/office/powerpoint/2010/main" xmlns:p15="http://schemas.microsoft.com/office/powerpoint/2012/main" xmlns:ahyp="http://schemas.microsoft.com/office/drawing/2018/hyperlinkcolor" matchingName="Main point">
+<p:sldLayout xmlns:a="http://schemas.openxmlformats.org/drawingml/2006/main" xmlns:r="http://schemas.openxmlformats.org/officeDocument/2006/relationships" xmlns:p="http://schemas.openxmlformats.org/presentationml/2006/main" matchingName="Main point">
   <p:cSld name="MAIN_POINT">
     <p:spTree>
       <p:nvGrpSpPr>
-        <p:cNvPr id="13" name="Shape 13"/>
+        <p:cNvPr id="1" name="Shape 13"/>
         <p:cNvGrpSpPr/>
         <p:nvPr/>
       </p:nvGrpSpPr>
@@ -2573,7 +2646,9 @@
       <p:sp>
         <p:nvSpPr>
           <p:cNvPr id="14" name="Google Shape;14;p28"/>
-          <p:cNvSpPr txBox="1"/>
+          <p:cNvSpPr txBox="1">
+            <a:spLocks noGrp="1"/>
+          </p:cNvSpPr>
           <p:nvPr>
             <p:ph type="title"/>
           </p:nvPr>
@@ -2592,7 +2667,7 @@
           </a:ln>
         </p:spPr>
         <p:txBody>
-          <a:bodyPr anchorCtr="0" anchor="ctr" bIns="91425" lIns="91425" spcFirstLastPara="1" rIns="91425" wrap="square" tIns="91425">
+          <a:bodyPr spcFirstLastPara="1" wrap="square" lIns="91425" tIns="91425" rIns="91425" bIns="91425" anchor="ctr" anchorCtr="0">
             <a:noAutofit/>
           </a:bodyPr>
           <a:lstStyle>
@@ -2723,15 +2798,19 @@
               <a:defRPr sz="4800"/>
             </a:lvl9pPr>
           </a:lstStyle>
-          <a:p/>
+          <a:p>
+            <a:endParaRPr/>
+          </a:p>
         </p:txBody>
       </p:sp>
       <p:sp>
         <p:nvSpPr>
           <p:cNvPr id="15" name="Google Shape;15;p28"/>
-          <p:cNvSpPr txBox="1"/>
+          <p:cNvSpPr txBox="1">
+            <a:spLocks noGrp="1"/>
+          </p:cNvSpPr>
           <p:nvPr>
-            <p:ph idx="12" type="sldNum"/>
+            <p:ph type="sldNum" idx="12"/>
           </p:nvPr>
         </p:nvSpPr>
         <p:spPr>
@@ -2748,11 +2827,11 @@
           </a:ln>
         </p:spPr>
         <p:txBody>
-          <a:bodyPr anchorCtr="0" anchor="ctr" bIns="91425" lIns="91425" spcFirstLastPara="1" rIns="91425" wrap="square" tIns="91425">
+          <a:bodyPr spcFirstLastPara="1" wrap="square" lIns="91425" tIns="91425" rIns="91425" bIns="91425" anchor="ctr" anchorCtr="0">
             <a:noAutofit/>
           </a:bodyPr>
           <a:lstStyle>
-            <a:lvl1pPr indent="0" lvl="0" marL="0" marR="0" algn="r">
+            <a:lvl1pPr marL="0" marR="0" lvl="0" indent="0" algn="r">
               <a:lnSpc>
                 <a:spcPct val="100000"/>
               </a:lnSpc>
@@ -2768,7 +2847,7 @@
               <a:buSzPts val="1000"/>
               <a:buFont typeface="Arial"/>
               <a:buNone/>
-              <a:defRPr b="0" i="0" sz="1000" u="none" cap="none" strike="noStrike">
+              <a:defRPr sz="1000" b="0" i="0" u="none" strike="noStrike" cap="none">
                 <a:solidFill>
                   <a:schemeClr val="dk2"/>
                 </a:solidFill>
@@ -2778,7 +2857,7 @@
                 <a:sym typeface="Arial"/>
               </a:defRPr>
             </a:lvl1pPr>
-            <a:lvl2pPr indent="0" lvl="1" marL="0" marR="0" algn="r">
+            <a:lvl2pPr marL="0" marR="0" lvl="1" indent="0" algn="r">
               <a:lnSpc>
                 <a:spcPct val="100000"/>
               </a:lnSpc>
@@ -2794,7 +2873,7 @@
               <a:buSzPts val="1000"/>
               <a:buFont typeface="Arial"/>
               <a:buNone/>
-              <a:defRPr b="0" i="0" sz="1000" u="none" cap="none" strike="noStrike">
+              <a:defRPr sz="1000" b="0" i="0" u="none" strike="noStrike" cap="none">
                 <a:solidFill>
                   <a:schemeClr val="dk2"/>
                 </a:solidFill>
@@ -2804,7 +2883,7 @@
                 <a:sym typeface="Arial"/>
               </a:defRPr>
             </a:lvl2pPr>
-            <a:lvl3pPr indent="0" lvl="2" marL="0" marR="0" algn="r">
+            <a:lvl3pPr marL="0" marR="0" lvl="2" indent="0" algn="r">
               <a:lnSpc>
                 <a:spcPct val="100000"/>
               </a:lnSpc>
@@ -2820,7 +2899,7 @@
               <a:buSzPts val="1000"/>
               <a:buFont typeface="Arial"/>
               <a:buNone/>
-              <a:defRPr b="0" i="0" sz="1000" u="none" cap="none" strike="noStrike">
+              <a:defRPr sz="1000" b="0" i="0" u="none" strike="noStrike" cap="none">
                 <a:solidFill>
                   <a:schemeClr val="dk2"/>
                 </a:solidFill>
@@ -2830,7 +2909,7 @@
                 <a:sym typeface="Arial"/>
               </a:defRPr>
             </a:lvl3pPr>
-            <a:lvl4pPr indent="0" lvl="3" marL="0" marR="0" algn="r">
+            <a:lvl4pPr marL="0" marR="0" lvl="3" indent="0" algn="r">
               <a:lnSpc>
                 <a:spcPct val="100000"/>
               </a:lnSpc>
@@ -2846,7 +2925,7 @@
               <a:buSzPts val="1000"/>
               <a:buFont typeface="Arial"/>
               <a:buNone/>
-              <a:defRPr b="0" i="0" sz="1000" u="none" cap="none" strike="noStrike">
+              <a:defRPr sz="1000" b="0" i="0" u="none" strike="noStrike" cap="none">
                 <a:solidFill>
                   <a:schemeClr val="dk2"/>
                 </a:solidFill>
@@ -2856,7 +2935,7 @@
                 <a:sym typeface="Arial"/>
               </a:defRPr>
             </a:lvl4pPr>
-            <a:lvl5pPr indent="0" lvl="4" marL="0" marR="0" algn="r">
+            <a:lvl5pPr marL="0" marR="0" lvl="4" indent="0" algn="r">
               <a:lnSpc>
                 <a:spcPct val="100000"/>
               </a:lnSpc>
@@ -2872,7 +2951,7 @@
               <a:buSzPts val="1000"/>
               <a:buFont typeface="Arial"/>
               <a:buNone/>
-              <a:defRPr b="0" i="0" sz="1000" u="none" cap="none" strike="noStrike">
+              <a:defRPr sz="1000" b="0" i="0" u="none" strike="noStrike" cap="none">
                 <a:solidFill>
                   <a:schemeClr val="dk2"/>
                 </a:solidFill>
@@ -2882,7 +2961,7 @@
                 <a:sym typeface="Arial"/>
               </a:defRPr>
             </a:lvl5pPr>
-            <a:lvl6pPr indent="0" lvl="5" marL="0" marR="0" algn="r">
+            <a:lvl6pPr marL="0" marR="0" lvl="5" indent="0" algn="r">
               <a:lnSpc>
                 <a:spcPct val="100000"/>
               </a:lnSpc>
@@ -2898,7 +2977,7 @@
               <a:buSzPts val="1000"/>
               <a:buFont typeface="Arial"/>
               <a:buNone/>
-              <a:defRPr b="0" i="0" sz="1000" u="none" cap="none" strike="noStrike">
+              <a:defRPr sz="1000" b="0" i="0" u="none" strike="noStrike" cap="none">
                 <a:solidFill>
                   <a:schemeClr val="dk2"/>
                 </a:solidFill>
@@ -2908,7 +2987,7 @@
                 <a:sym typeface="Arial"/>
               </a:defRPr>
             </a:lvl6pPr>
-            <a:lvl7pPr indent="0" lvl="6" marL="0" marR="0" algn="r">
+            <a:lvl7pPr marL="0" marR="0" lvl="6" indent="0" algn="r">
               <a:lnSpc>
                 <a:spcPct val="100000"/>
               </a:lnSpc>
@@ -2924,7 +3003,7 @@
               <a:buSzPts val="1000"/>
               <a:buFont typeface="Arial"/>
               <a:buNone/>
-              <a:defRPr b="0" i="0" sz="1000" u="none" cap="none" strike="noStrike">
+              <a:defRPr sz="1000" b="0" i="0" u="none" strike="noStrike" cap="none">
                 <a:solidFill>
                   <a:schemeClr val="dk2"/>
                 </a:solidFill>
@@ -2934,7 +3013,7 @@
                 <a:sym typeface="Arial"/>
               </a:defRPr>
             </a:lvl7pPr>
-            <a:lvl8pPr indent="0" lvl="7" marL="0" marR="0" algn="r">
+            <a:lvl8pPr marL="0" marR="0" lvl="7" indent="0" algn="r">
               <a:lnSpc>
                 <a:spcPct val="100000"/>
               </a:lnSpc>
@@ -2950,7 +3029,7 @@
               <a:buSzPts val="1000"/>
               <a:buFont typeface="Arial"/>
               <a:buNone/>
-              <a:defRPr b="0" i="0" sz="1000" u="none" cap="none" strike="noStrike">
+              <a:defRPr sz="1000" b="0" i="0" u="none" strike="noStrike" cap="none">
                 <a:solidFill>
                   <a:schemeClr val="dk2"/>
                 </a:solidFill>
@@ -2960,7 +3039,7 @@
                 <a:sym typeface="Arial"/>
               </a:defRPr>
             </a:lvl8pPr>
-            <a:lvl9pPr indent="0" lvl="8" marL="0" marR="0" algn="r">
+            <a:lvl9pPr marL="0" marR="0" lvl="8" indent="0" algn="r">
               <a:lnSpc>
                 <a:spcPct val="100000"/>
               </a:lnSpc>
@@ -2976,7 +3055,7 @@
               <a:buSzPts val="1000"/>
               <a:buFont typeface="Arial"/>
               <a:buNone/>
-              <a:defRPr b="0" i="0" sz="1000" u="none" cap="none" strike="noStrike">
+              <a:defRPr sz="1000" b="0" i="0" u="none" strike="noStrike" cap="none">
                 <a:solidFill>
                   <a:schemeClr val="dk2"/>
                 </a:solidFill>
@@ -2988,7 +3067,7 @@
             </a:lvl9pPr>
           </a:lstStyle>
           <a:p>
-            <a:pPr indent="0" lvl="0" marL="0" rtl="0" algn="r">
+            <a:pPr marL="0" lvl="0" indent="0" algn="r" rtl="0">
               <a:spcBef>
                 <a:spcPts val="0"/>
               </a:spcBef>
@@ -2999,7 +3078,7 @@
             </a:pPr>
             <a:fld id="{00000000-1234-1234-1234-123412341234}" type="slidenum">
               <a:rPr lang="en-US"/>
-              <a:t>‹#›</a:t>
+              <a:t>‹nº›</a:t>
             </a:fld>
             <a:endParaRPr/>
           </a:p>
@@ -3014,11 +3093,11 @@
 </file>
 
 <file path=ppt/slideLayouts/slideLayout3.xml><?xml version="1.0" encoding="utf-8"?>
-<p:sldLayout xmlns:a="http://schemas.openxmlformats.org/drawingml/2006/main" xmlns:r="http://schemas.openxmlformats.org/officeDocument/2006/relationships" xmlns:mc="http://schemas.openxmlformats.org/markup-compatibility/2006" xmlns:mv="urn:schemas-microsoft-com:mac:vml" xmlns:p="http://schemas.openxmlformats.org/presentationml/2006/main" xmlns:c="http://schemas.openxmlformats.org/drawingml/2006/chart" xmlns:dgm="http://schemas.openxmlformats.org/drawingml/2006/diagram" xmlns:o="urn:schemas-microsoft-com:office:office" xmlns:v="urn:schemas-microsoft-com:vml" xmlns:pvml="urn:schemas-microsoft-com:office:powerpoint" xmlns:com="http://schemas.openxmlformats.org/drawingml/2006/compatibility" xmlns:p14="http://schemas.microsoft.com/office/powerpoint/2010/main" xmlns:p15="http://schemas.microsoft.com/office/powerpoint/2012/main" xmlns:ahyp="http://schemas.microsoft.com/office/drawing/2018/hyperlinkcolor" matchingName="Section title and description">
+<p:sldLayout xmlns:a="http://schemas.openxmlformats.org/drawingml/2006/main" xmlns:r="http://schemas.openxmlformats.org/officeDocument/2006/relationships" xmlns:p="http://schemas.openxmlformats.org/presentationml/2006/main" matchingName="Section title and description">
   <p:cSld name="SECTION_TITLE_AND_DESCRIPTION">
     <p:spTree>
       <p:nvGrpSpPr>
-        <p:cNvPr id="16" name="Shape 16"/>
+        <p:cNvPr id="1" name="Shape 16"/>
         <p:cNvGrpSpPr/>
         <p:nvPr/>
       </p:nvGrpSpPr>
@@ -3052,12 +3131,12 @@
           </a:ln>
         </p:spPr>
         <p:txBody>
-          <a:bodyPr anchorCtr="0" anchor="ctr" bIns="91425" lIns="91425" spcFirstLastPara="1" rIns="91425" wrap="square" tIns="91425">
+          <a:bodyPr spcFirstLastPara="1" wrap="square" lIns="91425" tIns="91425" rIns="91425" bIns="91425" anchor="ctr" anchorCtr="0">
             <a:noAutofit/>
           </a:bodyPr>
           <a:lstStyle/>
           <a:p>
-            <a:pPr indent="0" lvl="0" marL="0" marR="0" rtl="0" algn="l">
+            <a:pPr marL="0" marR="0" lvl="0" indent="0" algn="l" rtl="0">
               <a:lnSpc>
                 <a:spcPct val="100000"/>
               </a:lnSpc>
@@ -3074,10 +3153,7 @@
               <a:buFont typeface="Arial"/>
               <a:buNone/>
             </a:pPr>
-            <a:r>
-              <a:t/>
-            </a:r>
-            <a:endParaRPr b="0" i="0" sz="1400" u="none" cap="none" strike="noStrike">
+            <a:endParaRPr sz="1400" b="0" i="0" u="none" strike="noStrike" cap="none">
               <a:solidFill>
                 <a:srgbClr val="000000"/>
               </a:solidFill>
@@ -3092,7 +3168,9 @@
       <p:sp>
         <p:nvSpPr>
           <p:cNvPr id="18" name="Google Shape;18;p29"/>
-          <p:cNvSpPr txBox="1"/>
+          <p:cNvSpPr txBox="1">
+            <a:spLocks noGrp="1"/>
+          </p:cNvSpPr>
           <p:nvPr>
             <p:ph type="title"/>
           </p:nvPr>
@@ -3111,7 +3189,7 @@
           </a:ln>
         </p:spPr>
         <p:txBody>
-          <a:bodyPr anchorCtr="0" anchor="b" bIns="91425" lIns="91425" spcFirstLastPara="1" rIns="91425" wrap="square" tIns="91425">
+          <a:bodyPr spcFirstLastPara="1" wrap="square" lIns="91425" tIns="91425" rIns="91425" bIns="91425" anchor="b" anchorCtr="0">
             <a:noAutofit/>
           </a:bodyPr>
           <a:lstStyle>
@@ -3242,15 +3320,19 @@
               <a:defRPr sz="4200"/>
             </a:lvl9pPr>
           </a:lstStyle>
-          <a:p/>
+          <a:p>
+            <a:endParaRPr/>
+          </a:p>
         </p:txBody>
       </p:sp>
       <p:sp>
         <p:nvSpPr>
           <p:cNvPr id="19" name="Google Shape;19;p29"/>
-          <p:cNvSpPr txBox="1"/>
+          <p:cNvSpPr txBox="1">
+            <a:spLocks noGrp="1"/>
+          </p:cNvSpPr>
           <p:nvPr>
-            <p:ph idx="1" type="subTitle"/>
+            <p:ph type="subTitle" idx="1"/>
           </p:nvPr>
         </p:nvSpPr>
         <p:spPr>
@@ -3267,7 +3349,7 @@
           </a:ln>
         </p:spPr>
         <p:txBody>
-          <a:bodyPr anchorCtr="0" anchor="t" bIns="91425" lIns="91425" spcFirstLastPara="1" rIns="91425" wrap="square" tIns="91425">
+          <a:bodyPr spcFirstLastPara="1" wrap="square" lIns="91425" tIns="91425" rIns="91425" bIns="91425" anchor="t" anchorCtr="0">
             <a:noAutofit/>
           </a:bodyPr>
           <a:lstStyle>
@@ -3398,15 +3480,19 @@
               <a:defRPr sz="2100"/>
             </a:lvl9pPr>
           </a:lstStyle>
-          <a:p/>
+          <a:p>
+            <a:endParaRPr/>
+          </a:p>
         </p:txBody>
       </p:sp>
       <p:sp>
         <p:nvSpPr>
           <p:cNvPr id="20" name="Google Shape;20;p29"/>
-          <p:cNvSpPr txBox="1"/>
+          <p:cNvSpPr txBox="1">
+            <a:spLocks noGrp="1"/>
+          </p:cNvSpPr>
           <p:nvPr>
-            <p:ph idx="2" type="body"/>
+            <p:ph type="body" idx="2"/>
           </p:nvPr>
         </p:nvSpPr>
         <p:spPr>
@@ -3423,11 +3509,11 @@
           </a:ln>
         </p:spPr>
         <p:txBody>
-          <a:bodyPr anchorCtr="0" anchor="ctr" bIns="91425" lIns="91425" spcFirstLastPara="1" rIns="91425" wrap="square" tIns="91425">
+          <a:bodyPr spcFirstLastPara="1" wrap="square" lIns="91425" tIns="91425" rIns="91425" bIns="91425" anchor="ctr" anchorCtr="0">
             <a:noAutofit/>
           </a:bodyPr>
           <a:lstStyle>
-            <a:lvl1pPr indent="-342900" lvl="0" marL="457200" algn="l">
+            <a:lvl1pPr marL="457200" lvl="0" indent="-342900" algn="l">
               <a:lnSpc>
                 <a:spcPct val="115000"/>
               </a:lnSpc>
@@ -3441,7 +3527,7 @@
               <a:buChar char="●"/>
               <a:defRPr/>
             </a:lvl1pPr>
-            <a:lvl2pPr indent="-317500" lvl="1" marL="914400" algn="l">
+            <a:lvl2pPr marL="914400" lvl="1" indent="-317500" algn="l">
               <a:lnSpc>
                 <a:spcPct val="115000"/>
               </a:lnSpc>
@@ -3455,7 +3541,7 @@
               <a:buChar char="○"/>
               <a:defRPr/>
             </a:lvl2pPr>
-            <a:lvl3pPr indent="-317500" lvl="2" marL="1371600" algn="l">
+            <a:lvl3pPr marL="1371600" lvl="2" indent="-317500" algn="l">
               <a:lnSpc>
                 <a:spcPct val="115000"/>
               </a:lnSpc>
@@ -3469,7 +3555,7 @@
               <a:buChar char="■"/>
               <a:defRPr/>
             </a:lvl3pPr>
-            <a:lvl4pPr indent="-317500" lvl="3" marL="1828800" algn="l">
+            <a:lvl4pPr marL="1828800" lvl="3" indent="-317500" algn="l">
               <a:lnSpc>
                 <a:spcPct val="115000"/>
               </a:lnSpc>
@@ -3483,7 +3569,7 @@
               <a:buChar char="●"/>
               <a:defRPr/>
             </a:lvl4pPr>
-            <a:lvl5pPr indent="-317500" lvl="4" marL="2286000" algn="l">
+            <a:lvl5pPr marL="2286000" lvl="4" indent="-317500" algn="l">
               <a:lnSpc>
                 <a:spcPct val="115000"/>
               </a:lnSpc>
@@ -3497,7 +3583,7 @@
               <a:buChar char="○"/>
               <a:defRPr/>
             </a:lvl5pPr>
-            <a:lvl6pPr indent="-317500" lvl="5" marL="2743200" algn="l">
+            <a:lvl6pPr marL="2743200" lvl="5" indent="-317500" algn="l">
               <a:lnSpc>
                 <a:spcPct val="115000"/>
               </a:lnSpc>
@@ -3511,7 +3597,7 @@
               <a:buChar char="■"/>
               <a:defRPr/>
             </a:lvl6pPr>
-            <a:lvl7pPr indent="-317500" lvl="6" marL="3200400" algn="l">
+            <a:lvl7pPr marL="3200400" lvl="6" indent="-317500" algn="l">
               <a:lnSpc>
                 <a:spcPct val="115000"/>
               </a:lnSpc>
@@ -3525,7 +3611,7 @@
               <a:buChar char="●"/>
               <a:defRPr/>
             </a:lvl7pPr>
-            <a:lvl8pPr indent="-317500" lvl="7" marL="3657600" algn="l">
+            <a:lvl8pPr marL="3657600" lvl="7" indent="-317500" algn="l">
               <a:lnSpc>
                 <a:spcPct val="115000"/>
               </a:lnSpc>
@@ -3539,7 +3625,7 @@
               <a:buChar char="○"/>
               <a:defRPr/>
             </a:lvl8pPr>
-            <a:lvl9pPr indent="-317500" lvl="8" marL="4114800" algn="l">
+            <a:lvl9pPr marL="4114800" lvl="8" indent="-317500" algn="l">
               <a:lnSpc>
                 <a:spcPct val="115000"/>
               </a:lnSpc>
@@ -3554,15 +3640,19 @@
               <a:defRPr/>
             </a:lvl9pPr>
           </a:lstStyle>
-          <a:p/>
+          <a:p>
+            <a:endParaRPr/>
+          </a:p>
         </p:txBody>
       </p:sp>
       <p:sp>
         <p:nvSpPr>
           <p:cNvPr id="21" name="Google Shape;21;p29"/>
-          <p:cNvSpPr txBox="1"/>
+          <p:cNvSpPr txBox="1">
+            <a:spLocks noGrp="1"/>
+          </p:cNvSpPr>
           <p:nvPr>
-            <p:ph idx="12" type="sldNum"/>
+            <p:ph type="sldNum" idx="12"/>
           </p:nvPr>
         </p:nvSpPr>
         <p:spPr>
@@ -3579,11 +3669,11 @@
           </a:ln>
         </p:spPr>
         <p:txBody>
-          <a:bodyPr anchorCtr="0" anchor="ctr" bIns="91425" lIns="91425" spcFirstLastPara="1" rIns="91425" wrap="square" tIns="91425">
+          <a:bodyPr spcFirstLastPara="1" wrap="square" lIns="91425" tIns="91425" rIns="91425" bIns="91425" anchor="ctr" anchorCtr="0">
             <a:noAutofit/>
           </a:bodyPr>
           <a:lstStyle>
-            <a:lvl1pPr indent="0" lvl="0" marL="0" marR="0" algn="r">
+            <a:lvl1pPr marL="0" marR="0" lvl="0" indent="0" algn="r">
               <a:lnSpc>
                 <a:spcPct val="100000"/>
               </a:lnSpc>
@@ -3599,7 +3689,7 @@
               <a:buSzPts val="1000"/>
               <a:buFont typeface="Arial"/>
               <a:buNone/>
-              <a:defRPr b="0" i="0" sz="1000" u="none" cap="none" strike="noStrike">
+              <a:defRPr sz="1000" b="0" i="0" u="none" strike="noStrike" cap="none">
                 <a:solidFill>
                   <a:schemeClr val="dk2"/>
                 </a:solidFill>
@@ -3609,7 +3699,7 @@
                 <a:sym typeface="Arial"/>
               </a:defRPr>
             </a:lvl1pPr>
-            <a:lvl2pPr indent="0" lvl="1" marL="0" marR="0" algn="r">
+            <a:lvl2pPr marL="0" marR="0" lvl="1" indent="0" algn="r">
               <a:lnSpc>
                 <a:spcPct val="100000"/>
               </a:lnSpc>
@@ -3625,7 +3715,7 @@
               <a:buSzPts val="1000"/>
               <a:buFont typeface="Arial"/>
               <a:buNone/>
-              <a:defRPr b="0" i="0" sz="1000" u="none" cap="none" strike="noStrike">
+              <a:defRPr sz="1000" b="0" i="0" u="none" strike="noStrike" cap="none">
                 <a:solidFill>
                   <a:schemeClr val="dk2"/>
                 </a:solidFill>
@@ -3635,7 +3725,7 @@
                 <a:sym typeface="Arial"/>
               </a:defRPr>
             </a:lvl2pPr>
-            <a:lvl3pPr indent="0" lvl="2" marL="0" marR="0" algn="r">
+            <a:lvl3pPr marL="0" marR="0" lvl="2" indent="0" algn="r">
               <a:lnSpc>
                 <a:spcPct val="100000"/>
               </a:lnSpc>
@@ -3651,7 +3741,7 @@
               <a:buSzPts val="1000"/>
               <a:buFont typeface="Arial"/>
               <a:buNone/>
-              <a:defRPr b="0" i="0" sz="1000" u="none" cap="none" strike="noStrike">
+              <a:defRPr sz="1000" b="0" i="0" u="none" strike="noStrike" cap="none">
                 <a:solidFill>
                   <a:schemeClr val="dk2"/>
                 </a:solidFill>
@@ -3661,7 +3751,7 @@
                 <a:sym typeface="Arial"/>
               </a:defRPr>
             </a:lvl3pPr>
-            <a:lvl4pPr indent="0" lvl="3" marL="0" marR="0" algn="r">
+            <a:lvl4pPr marL="0" marR="0" lvl="3" indent="0" algn="r">
               <a:lnSpc>
                 <a:spcPct val="100000"/>
               </a:lnSpc>
@@ -3677,7 +3767,7 @@
               <a:buSzPts val="1000"/>
               <a:buFont typeface="Arial"/>
               <a:buNone/>
-              <a:defRPr b="0" i="0" sz="1000" u="none" cap="none" strike="noStrike">
+              <a:defRPr sz="1000" b="0" i="0" u="none" strike="noStrike" cap="none">
                 <a:solidFill>
                   <a:schemeClr val="dk2"/>
                 </a:solidFill>
@@ -3687,7 +3777,7 @@
                 <a:sym typeface="Arial"/>
               </a:defRPr>
             </a:lvl4pPr>
-            <a:lvl5pPr indent="0" lvl="4" marL="0" marR="0" algn="r">
+            <a:lvl5pPr marL="0" marR="0" lvl="4" indent="0" algn="r">
               <a:lnSpc>
                 <a:spcPct val="100000"/>
               </a:lnSpc>
@@ -3703,7 +3793,7 @@
               <a:buSzPts val="1000"/>
               <a:buFont typeface="Arial"/>
               <a:buNone/>
-              <a:defRPr b="0" i="0" sz="1000" u="none" cap="none" strike="noStrike">
+              <a:defRPr sz="1000" b="0" i="0" u="none" strike="noStrike" cap="none">
                 <a:solidFill>
                   <a:schemeClr val="dk2"/>
                 </a:solidFill>
@@ -3713,7 +3803,7 @@
                 <a:sym typeface="Arial"/>
               </a:defRPr>
             </a:lvl5pPr>
-            <a:lvl6pPr indent="0" lvl="5" marL="0" marR="0" algn="r">
+            <a:lvl6pPr marL="0" marR="0" lvl="5" indent="0" algn="r">
               <a:lnSpc>
                 <a:spcPct val="100000"/>
               </a:lnSpc>
@@ -3729,7 +3819,7 @@
               <a:buSzPts val="1000"/>
               <a:buFont typeface="Arial"/>
               <a:buNone/>
-              <a:defRPr b="0" i="0" sz="1000" u="none" cap="none" strike="noStrike">
+              <a:defRPr sz="1000" b="0" i="0" u="none" strike="noStrike" cap="none">
                 <a:solidFill>
                   <a:schemeClr val="dk2"/>
                 </a:solidFill>
@@ -3739,7 +3829,7 @@
                 <a:sym typeface="Arial"/>
               </a:defRPr>
             </a:lvl6pPr>
-            <a:lvl7pPr indent="0" lvl="6" marL="0" marR="0" algn="r">
+            <a:lvl7pPr marL="0" marR="0" lvl="6" indent="0" algn="r">
               <a:lnSpc>
                 <a:spcPct val="100000"/>
               </a:lnSpc>
@@ -3755,7 +3845,7 @@
               <a:buSzPts val="1000"/>
               <a:buFont typeface="Arial"/>
               <a:buNone/>
-              <a:defRPr b="0" i="0" sz="1000" u="none" cap="none" strike="noStrike">
+              <a:defRPr sz="1000" b="0" i="0" u="none" strike="noStrike" cap="none">
                 <a:solidFill>
                   <a:schemeClr val="dk2"/>
                 </a:solidFill>
@@ -3765,7 +3855,7 @@
                 <a:sym typeface="Arial"/>
               </a:defRPr>
             </a:lvl7pPr>
-            <a:lvl8pPr indent="0" lvl="7" marL="0" marR="0" algn="r">
+            <a:lvl8pPr marL="0" marR="0" lvl="7" indent="0" algn="r">
               <a:lnSpc>
                 <a:spcPct val="100000"/>
               </a:lnSpc>
@@ -3781,7 +3871,7 @@
               <a:buSzPts val="1000"/>
               <a:buFont typeface="Arial"/>
               <a:buNone/>
-              <a:defRPr b="0" i="0" sz="1000" u="none" cap="none" strike="noStrike">
+              <a:defRPr sz="1000" b="0" i="0" u="none" strike="noStrike" cap="none">
                 <a:solidFill>
                   <a:schemeClr val="dk2"/>
                 </a:solidFill>
@@ -3791,7 +3881,7 @@
                 <a:sym typeface="Arial"/>
               </a:defRPr>
             </a:lvl8pPr>
-            <a:lvl9pPr indent="0" lvl="8" marL="0" marR="0" algn="r">
+            <a:lvl9pPr marL="0" marR="0" lvl="8" indent="0" algn="r">
               <a:lnSpc>
                 <a:spcPct val="100000"/>
               </a:lnSpc>
@@ -3807,7 +3897,7 @@
               <a:buSzPts val="1000"/>
               <a:buFont typeface="Arial"/>
               <a:buNone/>
-              <a:defRPr b="0" i="0" sz="1000" u="none" cap="none" strike="noStrike">
+              <a:defRPr sz="1000" b="0" i="0" u="none" strike="noStrike" cap="none">
                 <a:solidFill>
                   <a:schemeClr val="dk2"/>
                 </a:solidFill>
@@ -3819,7 +3909,7 @@
             </a:lvl9pPr>
           </a:lstStyle>
           <a:p>
-            <a:pPr indent="0" lvl="0" marL="0" rtl="0" algn="r">
+            <a:pPr marL="0" lvl="0" indent="0" algn="r" rtl="0">
               <a:spcBef>
                 <a:spcPts val="0"/>
               </a:spcBef>
@@ -3830,7 +3920,7 @@
             </a:pPr>
             <a:fld id="{00000000-1234-1234-1234-123412341234}" type="slidenum">
               <a:rPr lang="en-US"/>
-              <a:t>‹#›</a:t>
+              <a:t>‹nº›</a:t>
             </a:fld>
             <a:endParaRPr/>
           </a:p>
@@ -3845,11 +3935,11 @@
 </file>
 
 <file path=ppt/slideLayouts/slideLayout4.xml><?xml version="1.0" encoding="utf-8"?>
-<p:sldLayout xmlns:a="http://schemas.openxmlformats.org/drawingml/2006/main" xmlns:r="http://schemas.openxmlformats.org/officeDocument/2006/relationships" xmlns:mc="http://schemas.openxmlformats.org/markup-compatibility/2006" xmlns:mv="urn:schemas-microsoft-com:mac:vml" xmlns:p="http://schemas.openxmlformats.org/presentationml/2006/main" xmlns:c="http://schemas.openxmlformats.org/drawingml/2006/chart" xmlns:dgm="http://schemas.openxmlformats.org/drawingml/2006/diagram" xmlns:o="urn:schemas-microsoft-com:office:office" xmlns:v="urn:schemas-microsoft-com:vml" xmlns:pvml="urn:schemas-microsoft-com:office:powerpoint" xmlns:com="http://schemas.openxmlformats.org/drawingml/2006/compatibility" xmlns:p14="http://schemas.microsoft.com/office/powerpoint/2010/main" xmlns:p15="http://schemas.microsoft.com/office/powerpoint/2012/main" xmlns:ahyp="http://schemas.microsoft.com/office/drawing/2018/hyperlinkcolor" matchingName="Caption">
+<p:sldLayout xmlns:a="http://schemas.openxmlformats.org/drawingml/2006/main" xmlns:r="http://schemas.openxmlformats.org/officeDocument/2006/relationships" xmlns:p="http://schemas.openxmlformats.org/presentationml/2006/main" matchingName="Caption">
   <p:cSld name="CAPTION_ONLY">
     <p:spTree>
       <p:nvGrpSpPr>
-        <p:cNvPr id="22" name="Shape 22"/>
+        <p:cNvPr id="1" name="Shape 22"/>
         <p:cNvGrpSpPr/>
         <p:nvPr/>
       </p:nvGrpSpPr>
@@ -3864,9 +3954,11 @@
       <p:sp>
         <p:nvSpPr>
           <p:cNvPr id="23" name="Google Shape;23;p30"/>
-          <p:cNvSpPr txBox="1"/>
+          <p:cNvSpPr txBox="1">
+            <a:spLocks noGrp="1"/>
+          </p:cNvSpPr>
           <p:nvPr>
-            <p:ph idx="1" type="body"/>
+            <p:ph type="body" idx="1"/>
           </p:nvPr>
         </p:nvSpPr>
         <p:spPr>
@@ -3883,11 +3975,11 @@
           </a:ln>
         </p:spPr>
         <p:txBody>
-          <a:bodyPr anchorCtr="0" anchor="ctr" bIns="91425" lIns="91425" spcFirstLastPara="1" rIns="91425" wrap="square" tIns="91425">
+          <a:bodyPr spcFirstLastPara="1" wrap="square" lIns="91425" tIns="91425" rIns="91425" bIns="91425" anchor="ctr" anchorCtr="0">
             <a:noAutofit/>
           </a:bodyPr>
           <a:lstStyle>
-            <a:lvl1pPr indent="-228600" lvl="0" marL="457200" algn="l">
+            <a:lvl1pPr marL="457200" lvl="0" indent="-228600" algn="l">
               <a:lnSpc>
                 <a:spcPct val="100000"/>
               </a:lnSpc>
@@ -3902,15 +3994,19 @@
               <a:defRPr/>
             </a:lvl1pPr>
           </a:lstStyle>
-          <a:p/>
+          <a:p>
+            <a:endParaRPr/>
+          </a:p>
         </p:txBody>
       </p:sp>
       <p:sp>
         <p:nvSpPr>
           <p:cNvPr id="24" name="Google Shape;24;p30"/>
-          <p:cNvSpPr txBox="1"/>
+          <p:cNvSpPr txBox="1">
+            <a:spLocks noGrp="1"/>
+          </p:cNvSpPr>
           <p:nvPr>
-            <p:ph idx="12" type="sldNum"/>
+            <p:ph type="sldNum" idx="12"/>
           </p:nvPr>
         </p:nvSpPr>
         <p:spPr>
@@ -3927,11 +4023,11 @@
           </a:ln>
         </p:spPr>
         <p:txBody>
-          <a:bodyPr anchorCtr="0" anchor="ctr" bIns="91425" lIns="91425" spcFirstLastPara="1" rIns="91425" wrap="square" tIns="91425">
+          <a:bodyPr spcFirstLastPara="1" wrap="square" lIns="91425" tIns="91425" rIns="91425" bIns="91425" anchor="ctr" anchorCtr="0">
             <a:noAutofit/>
           </a:bodyPr>
           <a:lstStyle>
-            <a:lvl1pPr indent="0" lvl="0" marL="0" marR="0" algn="r">
+            <a:lvl1pPr marL="0" marR="0" lvl="0" indent="0" algn="r">
               <a:lnSpc>
                 <a:spcPct val="100000"/>
               </a:lnSpc>
@@ -3947,7 +4043,7 @@
               <a:buSzPts val="1000"/>
               <a:buFont typeface="Arial"/>
               <a:buNone/>
-              <a:defRPr b="0" i="0" sz="1000" u="none" cap="none" strike="noStrike">
+              <a:defRPr sz="1000" b="0" i="0" u="none" strike="noStrike" cap="none">
                 <a:solidFill>
                   <a:schemeClr val="dk2"/>
                 </a:solidFill>
@@ -3957,7 +4053,7 @@
                 <a:sym typeface="Arial"/>
               </a:defRPr>
             </a:lvl1pPr>
-            <a:lvl2pPr indent="0" lvl="1" marL="0" marR="0" algn="r">
+            <a:lvl2pPr marL="0" marR="0" lvl="1" indent="0" algn="r">
               <a:lnSpc>
                 <a:spcPct val="100000"/>
               </a:lnSpc>
@@ -3973,7 +4069,7 @@
               <a:buSzPts val="1000"/>
               <a:buFont typeface="Arial"/>
               <a:buNone/>
-              <a:defRPr b="0" i="0" sz="1000" u="none" cap="none" strike="noStrike">
+              <a:defRPr sz="1000" b="0" i="0" u="none" strike="noStrike" cap="none">
                 <a:solidFill>
                   <a:schemeClr val="dk2"/>
                 </a:solidFill>
@@ -3983,7 +4079,7 @@
                 <a:sym typeface="Arial"/>
               </a:defRPr>
             </a:lvl2pPr>
-            <a:lvl3pPr indent="0" lvl="2" marL="0" marR="0" algn="r">
+            <a:lvl3pPr marL="0" marR="0" lvl="2" indent="0" algn="r">
               <a:lnSpc>
                 <a:spcPct val="100000"/>
               </a:lnSpc>
@@ -3999,7 +4095,7 @@
               <a:buSzPts val="1000"/>
               <a:buFont typeface="Arial"/>
               <a:buNone/>
-              <a:defRPr b="0" i="0" sz="1000" u="none" cap="none" strike="noStrike">
+              <a:defRPr sz="1000" b="0" i="0" u="none" strike="noStrike" cap="none">
                 <a:solidFill>
                   <a:schemeClr val="dk2"/>
                 </a:solidFill>
@@ -4009,7 +4105,7 @@
                 <a:sym typeface="Arial"/>
               </a:defRPr>
             </a:lvl3pPr>
-            <a:lvl4pPr indent="0" lvl="3" marL="0" marR="0" algn="r">
+            <a:lvl4pPr marL="0" marR="0" lvl="3" indent="0" algn="r">
               <a:lnSpc>
                 <a:spcPct val="100000"/>
               </a:lnSpc>
@@ -4025,7 +4121,7 @@
               <a:buSzPts val="1000"/>
               <a:buFont typeface="Arial"/>
               <a:buNone/>
-              <a:defRPr b="0" i="0" sz="1000" u="none" cap="none" strike="noStrike">
+              <a:defRPr sz="1000" b="0" i="0" u="none" strike="noStrike" cap="none">
                 <a:solidFill>
                   <a:schemeClr val="dk2"/>
                 </a:solidFill>
@@ -4035,7 +4131,7 @@
                 <a:sym typeface="Arial"/>
               </a:defRPr>
             </a:lvl4pPr>
-            <a:lvl5pPr indent="0" lvl="4" marL="0" marR="0" algn="r">
+            <a:lvl5pPr marL="0" marR="0" lvl="4" indent="0" algn="r">
               <a:lnSpc>
                 <a:spcPct val="100000"/>
               </a:lnSpc>
@@ -4051,7 +4147,7 @@
               <a:buSzPts val="1000"/>
               <a:buFont typeface="Arial"/>
               <a:buNone/>
-              <a:defRPr b="0" i="0" sz="1000" u="none" cap="none" strike="noStrike">
+              <a:defRPr sz="1000" b="0" i="0" u="none" strike="noStrike" cap="none">
                 <a:solidFill>
                   <a:schemeClr val="dk2"/>
                 </a:solidFill>
@@ -4061,7 +4157,7 @@
                 <a:sym typeface="Arial"/>
               </a:defRPr>
             </a:lvl5pPr>
-            <a:lvl6pPr indent="0" lvl="5" marL="0" marR="0" algn="r">
+            <a:lvl6pPr marL="0" marR="0" lvl="5" indent="0" algn="r">
               <a:lnSpc>
                 <a:spcPct val="100000"/>
               </a:lnSpc>
@@ -4077,7 +4173,7 @@
               <a:buSzPts val="1000"/>
               <a:buFont typeface="Arial"/>
               <a:buNone/>
-              <a:defRPr b="0" i="0" sz="1000" u="none" cap="none" strike="noStrike">
+              <a:defRPr sz="1000" b="0" i="0" u="none" strike="noStrike" cap="none">
                 <a:solidFill>
                   <a:schemeClr val="dk2"/>
                 </a:solidFill>
@@ -4087,7 +4183,7 @@
                 <a:sym typeface="Arial"/>
               </a:defRPr>
             </a:lvl6pPr>
-            <a:lvl7pPr indent="0" lvl="6" marL="0" marR="0" algn="r">
+            <a:lvl7pPr marL="0" marR="0" lvl="6" indent="0" algn="r">
               <a:lnSpc>
                 <a:spcPct val="100000"/>
               </a:lnSpc>
@@ -4103,7 +4199,7 @@
               <a:buSzPts val="1000"/>
               <a:buFont typeface="Arial"/>
               <a:buNone/>
-              <a:defRPr b="0" i="0" sz="1000" u="none" cap="none" strike="noStrike">
+              <a:defRPr sz="1000" b="0" i="0" u="none" strike="noStrike" cap="none">
                 <a:solidFill>
                   <a:schemeClr val="dk2"/>
                 </a:solidFill>
@@ -4113,7 +4209,7 @@
                 <a:sym typeface="Arial"/>
               </a:defRPr>
             </a:lvl7pPr>
-            <a:lvl8pPr indent="0" lvl="7" marL="0" marR="0" algn="r">
+            <a:lvl8pPr marL="0" marR="0" lvl="7" indent="0" algn="r">
               <a:lnSpc>
                 <a:spcPct val="100000"/>
               </a:lnSpc>
@@ -4129,7 +4225,7 @@
               <a:buSzPts val="1000"/>
               <a:buFont typeface="Arial"/>
               <a:buNone/>
-              <a:defRPr b="0" i="0" sz="1000" u="none" cap="none" strike="noStrike">
+              <a:defRPr sz="1000" b="0" i="0" u="none" strike="noStrike" cap="none">
                 <a:solidFill>
                   <a:schemeClr val="dk2"/>
                 </a:solidFill>
@@ -4139,7 +4235,7 @@
                 <a:sym typeface="Arial"/>
               </a:defRPr>
             </a:lvl8pPr>
-            <a:lvl9pPr indent="0" lvl="8" marL="0" marR="0" algn="r">
+            <a:lvl9pPr marL="0" marR="0" lvl="8" indent="0" algn="r">
               <a:lnSpc>
                 <a:spcPct val="100000"/>
               </a:lnSpc>
@@ -4155,7 +4251,7 @@
               <a:buSzPts val="1000"/>
               <a:buFont typeface="Arial"/>
               <a:buNone/>
-              <a:defRPr b="0" i="0" sz="1000" u="none" cap="none" strike="noStrike">
+              <a:defRPr sz="1000" b="0" i="0" u="none" strike="noStrike" cap="none">
                 <a:solidFill>
                   <a:schemeClr val="dk2"/>
                 </a:solidFill>
@@ -4167,7 +4263,7 @@
             </a:lvl9pPr>
           </a:lstStyle>
           <a:p>
-            <a:pPr indent="0" lvl="0" marL="0" rtl="0" algn="r">
+            <a:pPr marL="0" lvl="0" indent="0" algn="r" rtl="0">
               <a:spcBef>
                 <a:spcPts val="0"/>
               </a:spcBef>
@@ -4178,7 +4274,7 @@
             </a:pPr>
             <a:fld id="{00000000-1234-1234-1234-123412341234}" type="slidenum">
               <a:rPr lang="en-US"/>
-              <a:t>‹#›</a:t>
+              <a:t>‹nº›</a:t>
             </a:fld>
             <a:endParaRPr/>
           </a:p>
@@ -4193,11 +4289,11 @@
 </file>
 
 <file path=ppt/slideLayouts/slideLayout5.xml><?xml version="1.0" encoding="utf-8"?>
-<p:sldLayout xmlns:a="http://schemas.openxmlformats.org/drawingml/2006/main" xmlns:r="http://schemas.openxmlformats.org/officeDocument/2006/relationships" xmlns:mc="http://schemas.openxmlformats.org/markup-compatibility/2006" xmlns:mv="urn:schemas-microsoft-com:mac:vml" xmlns:p="http://schemas.openxmlformats.org/presentationml/2006/main" xmlns:c="http://schemas.openxmlformats.org/drawingml/2006/chart" xmlns:dgm="http://schemas.openxmlformats.org/drawingml/2006/diagram" xmlns:o="urn:schemas-microsoft-com:office:office" xmlns:v="urn:schemas-microsoft-com:vml" xmlns:pvml="urn:schemas-microsoft-com:office:powerpoint" xmlns:com="http://schemas.openxmlformats.org/drawingml/2006/compatibility" xmlns:p14="http://schemas.microsoft.com/office/powerpoint/2010/main" xmlns:p15="http://schemas.microsoft.com/office/powerpoint/2012/main" xmlns:ahyp="http://schemas.microsoft.com/office/drawing/2018/hyperlinkcolor" matchingName="Big number">
+<p:sldLayout xmlns:a="http://schemas.openxmlformats.org/drawingml/2006/main" xmlns:r="http://schemas.openxmlformats.org/officeDocument/2006/relationships" xmlns:p="http://schemas.openxmlformats.org/presentationml/2006/main" matchingName="Big number">
   <p:cSld name="BIG_NUMBER">
     <p:spTree>
       <p:nvGrpSpPr>
-        <p:cNvPr id="25" name="Shape 25"/>
+        <p:cNvPr id="1" name="Shape 25"/>
         <p:cNvGrpSpPr/>
         <p:nvPr/>
       </p:nvGrpSpPr>
@@ -4212,9 +4308,11 @@
       <p:sp>
         <p:nvSpPr>
           <p:cNvPr id="26" name="Google Shape;26;p31"/>
-          <p:cNvSpPr txBox="1"/>
+          <p:cNvSpPr txBox="1">
+            <a:spLocks noGrp="1"/>
+          </p:cNvSpPr>
           <p:nvPr>
-            <p:ph hasCustomPrompt="1" type="title"/>
+            <p:ph type="title" hasCustomPrompt="1"/>
           </p:nvPr>
         </p:nvSpPr>
         <p:spPr>
@@ -4231,7 +4329,7 @@
           </a:ln>
         </p:spPr>
         <p:txBody>
-          <a:bodyPr anchorCtr="0" anchor="b" bIns="91425" lIns="91425" spcFirstLastPara="1" rIns="91425" wrap="square" tIns="91425">
+          <a:bodyPr spcFirstLastPara="1" wrap="square" lIns="91425" tIns="91425" rIns="91425" bIns="91425" anchor="b" anchorCtr="0">
             <a:noAutofit/>
           </a:bodyPr>
           <a:lstStyle>
@@ -4372,9 +4470,11 @@
       <p:sp>
         <p:nvSpPr>
           <p:cNvPr id="27" name="Google Shape;27;p31"/>
-          <p:cNvSpPr txBox="1"/>
+          <p:cNvSpPr txBox="1">
+            <a:spLocks noGrp="1"/>
+          </p:cNvSpPr>
           <p:nvPr>
-            <p:ph idx="1" type="body"/>
+            <p:ph type="body" idx="1"/>
           </p:nvPr>
         </p:nvSpPr>
         <p:spPr>
@@ -4391,11 +4491,11 @@
           </a:ln>
         </p:spPr>
         <p:txBody>
-          <a:bodyPr anchorCtr="0" anchor="t" bIns="91425" lIns="91425" spcFirstLastPara="1" rIns="91425" wrap="square" tIns="91425">
+          <a:bodyPr spcFirstLastPara="1" wrap="square" lIns="91425" tIns="91425" rIns="91425" bIns="91425" anchor="t" anchorCtr="0">
             <a:noAutofit/>
           </a:bodyPr>
           <a:lstStyle>
-            <a:lvl1pPr indent="-342900" lvl="0" marL="457200" algn="ctr">
+            <a:lvl1pPr marL="457200" lvl="0" indent="-342900" algn="ctr">
               <a:lnSpc>
                 <a:spcPct val="115000"/>
               </a:lnSpc>
@@ -4409,7 +4509,7 @@
               <a:buChar char="●"/>
               <a:defRPr/>
             </a:lvl1pPr>
-            <a:lvl2pPr indent="-317500" lvl="1" marL="914400" algn="ctr">
+            <a:lvl2pPr marL="914400" lvl="1" indent="-317500" algn="ctr">
               <a:lnSpc>
                 <a:spcPct val="115000"/>
               </a:lnSpc>
@@ -4423,7 +4523,7 @@
               <a:buChar char="○"/>
               <a:defRPr/>
             </a:lvl2pPr>
-            <a:lvl3pPr indent="-317500" lvl="2" marL="1371600" algn="ctr">
+            <a:lvl3pPr marL="1371600" lvl="2" indent="-317500" algn="ctr">
               <a:lnSpc>
                 <a:spcPct val="115000"/>
               </a:lnSpc>
@@ -4437,7 +4537,7 @@
               <a:buChar char="■"/>
               <a:defRPr/>
             </a:lvl3pPr>
-            <a:lvl4pPr indent="-317500" lvl="3" marL="1828800" algn="ctr">
+            <a:lvl4pPr marL="1828800" lvl="3" indent="-317500" algn="ctr">
               <a:lnSpc>
                 <a:spcPct val="115000"/>
               </a:lnSpc>
@@ -4451,7 +4551,7 @@
               <a:buChar char="●"/>
               <a:defRPr/>
             </a:lvl4pPr>
-            <a:lvl5pPr indent="-317500" lvl="4" marL="2286000" algn="ctr">
+            <a:lvl5pPr marL="2286000" lvl="4" indent="-317500" algn="ctr">
               <a:lnSpc>
                 <a:spcPct val="115000"/>
               </a:lnSpc>
@@ -4465,7 +4565,7 @@
               <a:buChar char="○"/>
               <a:defRPr/>
             </a:lvl5pPr>
-            <a:lvl6pPr indent="-317500" lvl="5" marL="2743200" algn="ctr">
+            <a:lvl6pPr marL="2743200" lvl="5" indent="-317500" algn="ctr">
               <a:lnSpc>
                 <a:spcPct val="115000"/>
               </a:lnSpc>
@@ -4479,7 +4579,7 @@
               <a:buChar char="■"/>
               <a:defRPr/>
             </a:lvl6pPr>
-            <a:lvl7pPr indent="-317500" lvl="6" marL="3200400" algn="ctr">
+            <a:lvl7pPr marL="3200400" lvl="6" indent="-317500" algn="ctr">
               <a:lnSpc>
                 <a:spcPct val="115000"/>
               </a:lnSpc>
@@ -4493,7 +4593,7 @@
               <a:buChar char="●"/>
               <a:defRPr/>
             </a:lvl7pPr>
-            <a:lvl8pPr indent="-317500" lvl="7" marL="3657600" algn="ctr">
+            <a:lvl8pPr marL="3657600" lvl="7" indent="-317500" algn="ctr">
               <a:lnSpc>
                 <a:spcPct val="115000"/>
               </a:lnSpc>
@@ -4507,7 +4607,7 @@
               <a:buChar char="○"/>
               <a:defRPr/>
             </a:lvl8pPr>
-            <a:lvl9pPr indent="-317500" lvl="8" marL="4114800" algn="ctr">
+            <a:lvl9pPr marL="4114800" lvl="8" indent="-317500" algn="ctr">
               <a:lnSpc>
                 <a:spcPct val="115000"/>
               </a:lnSpc>
@@ -4522,15 +4622,19 @@
               <a:defRPr/>
             </a:lvl9pPr>
           </a:lstStyle>
-          <a:p/>
+          <a:p>
+            <a:endParaRPr/>
+          </a:p>
         </p:txBody>
       </p:sp>
       <p:sp>
         <p:nvSpPr>
           <p:cNvPr id="28" name="Google Shape;28;p31"/>
-          <p:cNvSpPr txBox="1"/>
+          <p:cNvSpPr txBox="1">
+            <a:spLocks noGrp="1"/>
+          </p:cNvSpPr>
           <p:nvPr>
-            <p:ph idx="12" type="sldNum"/>
+            <p:ph type="sldNum" idx="12"/>
           </p:nvPr>
         </p:nvSpPr>
         <p:spPr>
@@ -4547,11 +4651,11 @@
           </a:ln>
         </p:spPr>
         <p:txBody>
-          <a:bodyPr anchorCtr="0" anchor="ctr" bIns="91425" lIns="91425" spcFirstLastPara="1" rIns="91425" wrap="square" tIns="91425">
+          <a:bodyPr spcFirstLastPara="1" wrap="square" lIns="91425" tIns="91425" rIns="91425" bIns="91425" anchor="ctr" anchorCtr="0">
             <a:noAutofit/>
           </a:bodyPr>
           <a:lstStyle>
-            <a:lvl1pPr indent="0" lvl="0" marL="0" marR="0" algn="r">
+            <a:lvl1pPr marL="0" marR="0" lvl="0" indent="0" algn="r">
               <a:lnSpc>
                 <a:spcPct val="100000"/>
               </a:lnSpc>
@@ -4567,7 +4671,7 @@
               <a:buSzPts val="1000"/>
               <a:buFont typeface="Arial"/>
               <a:buNone/>
-              <a:defRPr b="0" i="0" sz="1000" u="none" cap="none" strike="noStrike">
+              <a:defRPr sz="1000" b="0" i="0" u="none" strike="noStrike" cap="none">
                 <a:solidFill>
                   <a:schemeClr val="dk2"/>
                 </a:solidFill>
@@ -4577,7 +4681,7 @@
                 <a:sym typeface="Arial"/>
               </a:defRPr>
             </a:lvl1pPr>
-            <a:lvl2pPr indent="0" lvl="1" marL="0" marR="0" algn="r">
+            <a:lvl2pPr marL="0" marR="0" lvl="1" indent="0" algn="r">
               <a:lnSpc>
                 <a:spcPct val="100000"/>
               </a:lnSpc>
@@ -4593,7 +4697,7 @@
               <a:buSzPts val="1000"/>
               <a:buFont typeface="Arial"/>
               <a:buNone/>
-              <a:defRPr b="0" i="0" sz="1000" u="none" cap="none" strike="noStrike">
+              <a:defRPr sz="1000" b="0" i="0" u="none" strike="noStrike" cap="none">
                 <a:solidFill>
                   <a:schemeClr val="dk2"/>
                 </a:solidFill>
@@ -4603,7 +4707,7 @@
                 <a:sym typeface="Arial"/>
               </a:defRPr>
             </a:lvl2pPr>
-            <a:lvl3pPr indent="0" lvl="2" marL="0" marR="0" algn="r">
+            <a:lvl3pPr marL="0" marR="0" lvl="2" indent="0" algn="r">
               <a:lnSpc>
                 <a:spcPct val="100000"/>
               </a:lnSpc>
@@ -4619,7 +4723,7 @@
               <a:buSzPts val="1000"/>
               <a:buFont typeface="Arial"/>
               <a:buNone/>
-              <a:defRPr b="0" i="0" sz="1000" u="none" cap="none" strike="noStrike">
+              <a:defRPr sz="1000" b="0" i="0" u="none" strike="noStrike" cap="none">
                 <a:solidFill>
                   <a:schemeClr val="dk2"/>
                 </a:solidFill>
@@ -4629,7 +4733,7 @@
                 <a:sym typeface="Arial"/>
               </a:defRPr>
             </a:lvl3pPr>
-            <a:lvl4pPr indent="0" lvl="3" marL="0" marR="0" algn="r">
+            <a:lvl4pPr marL="0" marR="0" lvl="3" indent="0" algn="r">
               <a:lnSpc>
                 <a:spcPct val="100000"/>
               </a:lnSpc>
@@ -4645,7 +4749,7 @@
               <a:buSzPts val="1000"/>
               <a:buFont typeface="Arial"/>
               <a:buNone/>
-              <a:defRPr b="0" i="0" sz="1000" u="none" cap="none" strike="noStrike">
+              <a:defRPr sz="1000" b="0" i="0" u="none" strike="noStrike" cap="none">
                 <a:solidFill>
                   <a:schemeClr val="dk2"/>
                 </a:solidFill>
@@ -4655,7 +4759,7 @@
                 <a:sym typeface="Arial"/>
               </a:defRPr>
             </a:lvl4pPr>
-            <a:lvl5pPr indent="0" lvl="4" marL="0" marR="0" algn="r">
+            <a:lvl5pPr marL="0" marR="0" lvl="4" indent="0" algn="r">
               <a:lnSpc>
                 <a:spcPct val="100000"/>
               </a:lnSpc>
@@ -4671,7 +4775,7 @@
               <a:buSzPts val="1000"/>
               <a:buFont typeface="Arial"/>
               <a:buNone/>
-              <a:defRPr b="0" i="0" sz="1000" u="none" cap="none" strike="noStrike">
+              <a:defRPr sz="1000" b="0" i="0" u="none" strike="noStrike" cap="none">
                 <a:solidFill>
                   <a:schemeClr val="dk2"/>
                 </a:solidFill>
@@ -4681,7 +4785,7 @@
                 <a:sym typeface="Arial"/>
               </a:defRPr>
             </a:lvl5pPr>
-            <a:lvl6pPr indent="0" lvl="5" marL="0" marR="0" algn="r">
+            <a:lvl6pPr marL="0" marR="0" lvl="5" indent="0" algn="r">
               <a:lnSpc>
                 <a:spcPct val="100000"/>
               </a:lnSpc>
@@ -4697,7 +4801,7 @@
               <a:buSzPts val="1000"/>
               <a:buFont typeface="Arial"/>
               <a:buNone/>
-              <a:defRPr b="0" i="0" sz="1000" u="none" cap="none" strike="noStrike">
+              <a:defRPr sz="1000" b="0" i="0" u="none" strike="noStrike" cap="none">
                 <a:solidFill>
                   <a:schemeClr val="dk2"/>
                 </a:solidFill>
@@ -4707,7 +4811,7 @@
                 <a:sym typeface="Arial"/>
               </a:defRPr>
             </a:lvl6pPr>
-            <a:lvl7pPr indent="0" lvl="6" marL="0" marR="0" algn="r">
+            <a:lvl7pPr marL="0" marR="0" lvl="6" indent="0" algn="r">
               <a:lnSpc>
                 <a:spcPct val="100000"/>
               </a:lnSpc>
@@ -4723,7 +4827,7 @@
               <a:buSzPts val="1000"/>
               <a:buFont typeface="Arial"/>
               <a:buNone/>
-              <a:defRPr b="0" i="0" sz="1000" u="none" cap="none" strike="noStrike">
+              <a:defRPr sz="1000" b="0" i="0" u="none" strike="noStrike" cap="none">
                 <a:solidFill>
                   <a:schemeClr val="dk2"/>
                 </a:solidFill>
@@ -4733,7 +4837,7 @@
                 <a:sym typeface="Arial"/>
               </a:defRPr>
             </a:lvl7pPr>
-            <a:lvl8pPr indent="0" lvl="7" marL="0" marR="0" algn="r">
+            <a:lvl8pPr marL="0" marR="0" lvl="7" indent="0" algn="r">
               <a:lnSpc>
                 <a:spcPct val="100000"/>
               </a:lnSpc>
@@ -4749,7 +4853,7 @@
               <a:buSzPts val="1000"/>
               <a:buFont typeface="Arial"/>
               <a:buNone/>
-              <a:defRPr b="0" i="0" sz="1000" u="none" cap="none" strike="noStrike">
+              <a:defRPr sz="1000" b="0" i="0" u="none" strike="noStrike" cap="none">
                 <a:solidFill>
                   <a:schemeClr val="dk2"/>
                 </a:solidFill>
@@ -4759,7 +4863,7 @@
                 <a:sym typeface="Arial"/>
               </a:defRPr>
             </a:lvl8pPr>
-            <a:lvl9pPr indent="0" lvl="8" marL="0" marR="0" algn="r">
+            <a:lvl9pPr marL="0" marR="0" lvl="8" indent="0" algn="r">
               <a:lnSpc>
                 <a:spcPct val="100000"/>
               </a:lnSpc>
@@ -4775,7 +4879,7 @@
               <a:buSzPts val="1000"/>
               <a:buFont typeface="Arial"/>
               <a:buNone/>
-              <a:defRPr b="0" i="0" sz="1000" u="none" cap="none" strike="noStrike">
+              <a:defRPr sz="1000" b="0" i="0" u="none" strike="noStrike" cap="none">
                 <a:solidFill>
                   <a:schemeClr val="dk2"/>
                 </a:solidFill>
@@ -4787,7 +4891,7 @@
             </a:lvl9pPr>
           </a:lstStyle>
           <a:p>
-            <a:pPr indent="0" lvl="0" marL="0" rtl="0" algn="r">
+            <a:pPr marL="0" lvl="0" indent="0" algn="r" rtl="0">
               <a:spcBef>
                 <a:spcPts val="0"/>
               </a:spcBef>
@@ -4798,7 +4902,7 @@
             </a:pPr>
             <a:fld id="{00000000-1234-1234-1234-123412341234}" type="slidenum">
               <a:rPr lang="en-US"/>
-              <a:t>‹#›</a:t>
+              <a:t>‹nº›</a:t>
             </a:fld>
             <a:endParaRPr/>
           </a:p>
@@ -4813,11 +4917,11 @@
 </file>
 
 <file path=ppt/slideLayouts/slideLayout6.xml><?xml version="1.0" encoding="utf-8"?>
-<p:sldLayout xmlns:a="http://schemas.openxmlformats.org/drawingml/2006/main" xmlns:r="http://schemas.openxmlformats.org/officeDocument/2006/relationships" xmlns:mc="http://schemas.openxmlformats.org/markup-compatibility/2006" xmlns:mv="urn:schemas-microsoft-com:mac:vml" xmlns:p="http://schemas.openxmlformats.org/presentationml/2006/main" xmlns:c="http://schemas.openxmlformats.org/drawingml/2006/chart" xmlns:dgm="http://schemas.openxmlformats.org/drawingml/2006/diagram" xmlns:o="urn:schemas-microsoft-com:office:office" xmlns:v="urn:schemas-microsoft-com:vml" xmlns:pvml="urn:schemas-microsoft-com:office:powerpoint" xmlns:com="http://schemas.openxmlformats.org/drawingml/2006/compatibility" xmlns:p14="http://schemas.microsoft.com/office/powerpoint/2010/main" xmlns:p15="http://schemas.microsoft.com/office/powerpoint/2012/main" xmlns:ahyp="http://schemas.microsoft.com/office/drawing/2018/hyperlinkcolor" matchingName="Blank" type="blank">
+<p:sldLayout xmlns:a="http://schemas.openxmlformats.org/drawingml/2006/main" xmlns:r="http://schemas.openxmlformats.org/officeDocument/2006/relationships" xmlns:p="http://schemas.openxmlformats.org/presentationml/2006/main" matchingName="Blank" type="blank">
   <p:cSld name="BLANK">
     <p:spTree>
       <p:nvGrpSpPr>
-        <p:cNvPr id="29" name="Shape 29"/>
+        <p:cNvPr id="1" name="Shape 29"/>
         <p:cNvGrpSpPr/>
         <p:nvPr/>
       </p:nvGrpSpPr>
@@ -4832,9 +4936,11 @@
       <p:sp>
         <p:nvSpPr>
           <p:cNvPr id="30" name="Google Shape;30;p32"/>
-          <p:cNvSpPr txBox="1"/>
+          <p:cNvSpPr txBox="1">
+            <a:spLocks noGrp="1"/>
+          </p:cNvSpPr>
           <p:nvPr>
-            <p:ph idx="12" type="sldNum"/>
+            <p:ph type="sldNum" idx="12"/>
           </p:nvPr>
         </p:nvSpPr>
         <p:spPr>
@@ -4851,11 +4957,11 @@
           </a:ln>
         </p:spPr>
         <p:txBody>
-          <a:bodyPr anchorCtr="0" anchor="ctr" bIns="91425" lIns="91425" spcFirstLastPara="1" rIns="91425" wrap="square" tIns="91425">
+          <a:bodyPr spcFirstLastPara="1" wrap="square" lIns="91425" tIns="91425" rIns="91425" bIns="91425" anchor="ctr" anchorCtr="0">
             <a:noAutofit/>
           </a:bodyPr>
           <a:lstStyle>
-            <a:lvl1pPr indent="0" lvl="0" marL="0" marR="0" algn="r">
+            <a:lvl1pPr marL="0" marR="0" lvl="0" indent="0" algn="r">
               <a:lnSpc>
                 <a:spcPct val="100000"/>
               </a:lnSpc>
@@ -4871,7 +4977,7 @@
               <a:buSzPts val="1000"/>
               <a:buFont typeface="Arial"/>
               <a:buNone/>
-              <a:defRPr b="0" i="0" sz="1000" u="none" cap="none" strike="noStrike">
+              <a:defRPr sz="1000" b="0" i="0" u="none" strike="noStrike" cap="none">
                 <a:solidFill>
                   <a:schemeClr val="dk2"/>
                 </a:solidFill>
@@ -4881,7 +4987,7 @@
                 <a:sym typeface="Arial"/>
               </a:defRPr>
             </a:lvl1pPr>
-            <a:lvl2pPr indent="0" lvl="1" marL="0" marR="0" algn="r">
+            <a:lvl2pPr marL="0" marR="0" lvl="1" indent="0" algn="r">
               <a:lnSpc>
                 <a:spcPct val="100000"/>
               </a:lnSpc>
@@ -4897,7 +5003,7 @@
               <a:buSzPts val="1000"/>
               <a:buFont typeface="Arial"/>
               <a:buNone/>
-              <a:defRPr b="0" i="0" sz="1000" u="none" cap="none" strike="noStrike">
+              <a:defRPr sz="1000" b="0" i="0" u="none" strike="noStrike" cap="none">
                 <a:solidFill>
                   <a:schemeClr val="dk2"/>
                 </a:solidFill>
@@ -4907,7 +5013,7 @@
                 <a:sym typeface="Arial"/>
               </a:defRPr>
             </a:lvl2pPr>
-            <a:lvl3pPr indent="0" lvl="2" marL="0" marR="0" algn="r">
+            <a:lvl3pPr marL="0" marR="0" lvl="2" indent="0" algn="r">
               <a:lnSpc>
                 <a:spcPct val="100000"/>
               </a:lnSpc>
@@ -4923,7 +5029,7 @@
               <a:buSzPts val="1000"/>
               <a:buFont typeface="Arial"/>
               <a:buNone/>
-              <a:defRPr b="0" i="0" sz="1000" u="none" cap="none" strike="noStrike">
+              <a:defRPr sz="1000" b="0" i="0" u="none" strike="noStrike" cap="none">
                 <a:solidFill>
                   <a:schemeClr val="dk2"/>
                 </a:solidFill>
@@ -4933,7 +5039,7 @@
                 <a:sym typeface="Arial"/>
               </a:defRPr>
             </a:lvl3pPr>
-            <a:lvl4pPr indent="0" lvl="3" marL="0" marR="0" algn="r">
+            <a:lvl4pPr marL="0" marR="0" lvl="3" indent="0" algn="r">
               <a:lnSpc>
                 <a:spcPct val="100000"/>
               </a:lnSpc>
@@ -4949,7 +5055,7 @@
               <a:buSzPts val="1000"/>
               <a:buFont typeface="Arial"/>
               <a:buNone/>
-              <a:defRPr b="0" i="0" sz="1000" u="none" cap="none" strike="noStrike">
+              <a:defRPr sz="1000" b="0" i="0" u="none" strike="noStrike" cap="none">
                 <a:solidFill>
                   <a:schemeClr val="dk2"/>
                 </a:solidFill>
@@ -4959,7 +5065,7 @@
                 <a:sym typeface="Arial"/>
               </a:defRPr>
             </a:lvl4pPr>
-            <a:lvl5pPr indent="0" lvl="4" marL="0" marR="0" algn="r">
+            <a:lvl5pPr marL="0" marR="0" lvl="4" indent="0" algn="r">
               <a:lnSpc>
                 <a:spcPct val="100000"/>
               </a:lnSpc>
@@ -4975,7 +5081,7 @@
               <a:buSzPts val="1000"/>
               <a:buFont typeface="Arial"/>
               <a:buNone/>
-              <a:defRPr b="0" i="0" sz="1000" u="none" cap="none" strike="noStrike">
+              <a:defRPr sz="1000" b="0" i="0" u="none" strike="noStrike" cap="none">
                 <a:solidFill>
                   <a:schemeClr val="dk2"/>
                 </a:solidFill>
@@ -4985,7 +5091,7 @@
                 <a:sym typeface="Arial"/>
               </a:defRPr>
             </a:lvl5pPr>
-            <a:lvl6pPr indent="0" lvl="5" marL="0" marR="0" algn="r">
+            <a:lvl6pPr marL="0" marR="0" lvl="5" indent="0" algn="r">
               <a:lnSpc>
                 <a:spcPct val="100000"/>
               </a:lnSpc>
@@ -5001,7 +5107,7 @@
               <a:buSzPts val="1000"/>
               <a:buFont typeface="Arial"/>
               <a:buNone/>
-              <a:defRPr b="0" i="0" sz="1000" u="none" cap="none" strike="noStrike">
+              <a:defRPr sz="1000" b="0" i="0" u="none" strike="noStrike" cap="none">
                 <a:solidFill>
                   <a:schemeClr val="dk2"/>
                 </a:solidFill>
@@ -5011,7 +5117,7 @@
                 <a:sym typeface="Arial"/>
               </a:defRPr>
             </a:lvl6pPr>
-            <a:lvl7pPr indent="0" lvl="6" marL="0" marR="0" algn="r">
+            <a:lvl7pPr marL="0" marR="0" lvl="6" indent="0" algn="r">
               <a:lnSpc>
                 <a:spcPct val="100000"/>
               </a:lnSpc>
@@ -5027,7 +5133,7 @@
               <a:buSzPts val="1000"/>
               <a:buFont typeface="Arial"/>
               <a:buNone/>
-              <a:defRPr b="0" i="0" sz="1000" u="none" cap="none" strike="noStrike">
+              <a:defRPr sz="1000" b="0" i="0" u="none" strike="noStrike" cap="none">
                 <a:solidFill>
                   <a:schemeClr val="dk2"/>
                 </a:solidFill>
@@ -5037,7 +5143,7 @@
                 <a:sym typeface="Arial"/>
               </a:defRPr>
             </a:lvl7pPr>
-            <a:lvl8pPr indent="0" lvl="7" marL="0" marR="0" algn="r">
+            <a:lvl8pPr marL="0" marR="0" lvl="7" indent="0" algn="r">
               <a:lnSpc>
                 <a:spcPct val="100000"/>
               </a:lnSpc>
@@ -5053,7 +5159,7 @@
               <a:buSzPts val="1000"/>
               <a:buFont typeface="Arial"/>
               <a:buNone/>
-              <a:defRPr b="0" i="0" sz="1000" u="none" cap="none" strike="noStrike">
+              <a:defRPr sz="1000" b="0" i="0" u="none" strike="noStrike" cap="none">
                 <a:solidFill>
                   <a:schemeClr val="dk2"/>
                 </a:solidFill>
@@ -5063,7 +5169,7 @@
                 <a:sym typeface="Arial"/>
               </a:defRPr>
             </a:lvl8pPr>
-            <a:lvl9pPr indent="0" lvl="8" marL="0" marR="0" algn="r">
+            <a:lvl9pPr marL="0" marR="0" lvl="8" indent="0" algn="r">
               <a:lnSpc>
                 <a:spcPct val="100000"/>
               </a:lnSpc>
@@ -5079,7 +5185,7 @@
               <a:buSzPts val="1000"/>
               <a:buFont typeface="Arial"/>
               <a:buNone/>
-              <a:defRPr b="0" i="0" sz="1000" u="none" cap="none" strike="noStrike">
+              <a:defRPr sz="1000" b="0" i="0" u="none" strike="noStrike" cap="none">
                 <a:solidFill>
                   <a:schemeClr val="dk2"/>
                 </a:solidFill>
@@ -5091,7 +5197,7 @@
             </a:lvl9pPr>
           </a:lstStyle>
           <a:p>
-            <a:pPr indent="0" lvl="0" marL="0" rtl="0" algn="r">
+            <a:pPr marL="0" lvl="0" indent="0" algn="r" rtl="0">
               <a:spcBef>
                 <a:spcPts val="0"/>
               </a:spcBef>
@@ -5102,7 +5208,7 @@
             </a:pPr>
             <a:fld id="{00000000-1234-1234-1234-123412341234}" type="slidenum">
               <a:rPr lang="en-US"/>
-              <a:t>‹#›</a:t>
+              <a:t>‹nº›</a:t>
             </a:fld>
             <a:endParaRPr/>
           </a:p>
@@ -5117,18 +5223,19 @@
 </file>
 
 <file path=ppt/slideMasters/slideMaster1.xml><?xml version="1.0" encoding="utf-8"?>
-<p:sldMaster xmlns:a="http://schemas.openxmlformats.org/drawingml/2006/main" xmlns:r="http://schemas.openxmlformats.org/officeDocument/2006/relationships" xmlns:mc="http://schemas.openxmlformats.org/markup-compatibility/2006" xmlns:mv="urn:schemas-microsoft-com:mac:vml" xmlns:p="http://schemas.openxmlformats.org/presentationml/2006/main" xmlns:c="http://schemas.openxmlformats.org/drawingml/2006/chart" xmlns:dgm="http://schemas.openxmlformats.org/drawingml/2006/diagram" xmlns:o="urn:schemas-microsoft-com:office:office" xmlns:v="urn:schemas-microsoft-com:vml" xmlns:pvml="urn:schemas-microsoft-com:office:powerpoint" xmlns:com="http://schemas.openxmlformats.org/drawingml/2006/compatibility" xmlns:p14="http://schemas.microsoft.com/office/powerpoint/2010/main" xmlns:p15="http://schemas.microsoft.com/office/powerpoint/2012/main" xmlns:ahyp="http://schemas.microsoft.com/office/drawing/2018/hyperlinkcolor">
+<p:sldMaster xmlns:a="http://schemas.openxmlformats.org/drawingml/2006/main" xmlns:r="http://schemas.openxmlformats.org/officeDocument/2006/relationships" xmlns:p="http://schemas.openxmlformats.org/presentationml/2006/main">
   <p:cSld name="simple-light-2">
     <p:bg>
       <p:bgPr>
         <a:solidFill>
           <a:schemeClr val="lt1"/>
         </a:solidFill>
+        <a:effectLst/>
       </p:bgPr>
     </p:bg>
     <p:spTree>
       <p:nvGrpSpPr>
-        <p:cNvPr id="5" name="Shape 5"/>
+        <p:cNvPr id="1" name="Shape 5"/>
         <p:cNvGrpSpPr/>
         <p:nvPr/>
       </p:nvGrpSpPr>
@@ -5143,7 +5250,9 @@
       <p:sp>
         <p:nvSpPr>
           <p:cNvPr id="6" name="Google Shape;6;p24"/>
-          <p:cNvSpPr txBox="1"/>
+          <p:cNvSpPr txBox="1">
+            <a:spLocks noGrp="1"/>
+          </p:cNvSpPr>
           <p:nvPr>
             <p:ph type="title"/>
           </p:nvPr>
@@ -5162,11 +5271,11 @@
           </a:ln>
         </p:spPr>
         <p:txBody>
-          <a:bodyPr anchorCtr="0" anchor="t" bIns="91425" lIns="91425" spcFirstLastPara="1" rIns="91425" wrap="square" tIns="91425">
+          <a:bodyPr spcFirstLastPara="1" wrap="square" lIns="91425" tIns="91425" rIns="91425" bIns="91425" anchor="t" anchorCtr="0">
             <a:noAutofit/>
           </a:bodyPr>
           <a:lstStyle>
-            <a:lvl1pPr lvl="0" marR="0" rtl="0" algn="l">
+            <a:lvl1pPr marR="0" lvl="0" algn="l" rtl="0">
               <a:lnSpc>
                 <a:spcPct val="100000"/>
               </a:lnSpc>
@@ -5182,7 +5291,7 @@
               <a:buSzPts val="2800"/>
               <a:buFont typeface="Arial"/>
               <a:buNone/>
-              <a:defRPr b="0" i="0" sz="2800" u="none" cap="none" strike="noStrike">
+              <a:defRPr sz="2800" b="0" i="0" u="none" strike="noStrike" cap="none">
                 <a:solidFill>
                   <a:schemeClr val="dk1"/>
                 </a:solidFill>
@@ -5192,7 +5301,7 @@
                 <a:sym typeface="Arial"/>
               </a:defRPr>
             </a:lvl1pPr>
-            <a:lvl2pPr lvl="1" marR="0" rtl="0" algn="l">
+            <a:lvl2pPr marR="0" lvl="1" algn="l" rtl="0">
               <a:lnSpc>
                 <a:spcPct val="100000"/>
               </a:lnSpc>
@@ -5208,7 +5317,7 @@
               <a:buSzPts val="2800"/>
               <a:buFont typeface="Arial"/>
               <a:buNone/>
-              <a:defRPr b="0" i="0" sz="2800" u="none" cap="none" strike="noStrike">
+              <a:defRPr sz="2800" b="0" i="0" u="none" strike="noStrike" cap="none">
                 <a:solidFill>
                   <a:schemeClr val="dk1"/>
                 </a:solidFill>
@@ -5218,7 +5327,7 @@
                 <a:sym typeface="Arial"/>
               </a:defRPr>
             </a:lvl2pPr>
-            <a:lvl3pPr lvl="2" marR="0" rtl="0" algn="l">
+            <a:lvl3pPr marR="0" lvl="2" algn="l" rtl="0">
               <a:lnSpc>
                 <a:spcPct val="100000"/>
               </a:lnSpc>
@@ -5234,7 +5343,7 @@
               <a:buSzPts val="2800"/>
               <a:buFont typeface="Arial"/>
               <a:buNone/>
-              <a:defRPr b="0" i="0" sz="2800" u="none" cap="none" strike="noStrike">
+              <a:defRPr sz="2800" b="0" i="0" u="none" strike="noStrike" cap="none">
                 <a:solidFill>
                   <a:schemeClr val="dk1"/>
                 </a:solidFill>
@@ -5244,7 +5353,7 @@
                 <a:sym typeface="Arial"/>
               </a:defRPr>
             </a:lvl3pPr>
-            <a:lvl4pPr lvl="3" marR="0" rtl="0" algn="l">
+            <a:lvl4pPr marR="0" lvl="3" algn="l" rtl="0">
               <a:lnSpc>
                 <a:spcPct val="100000"/>
               </a:lnSpc>
@@ -5260,7 +5369,7 @@
               <a:buSzPts val="2800"/>
               <a:buFont typeface="Arial"/>
               <a:buNone/>
-              <a:defRPr b="0" i="0" sz="2800" u="none" cap="none" strike="noStrike">
+              <a:defRPr sz="2800" b="0" i="0" u="none" strike="noStrike" cap="none">
                 <a:solidFill>
                   <a:schemeClr val="dk1"/>
                 </a:solidFill>
@@ -5270,7 +5379,7 @@
                 <a:sym typeface="Arial"/>
               </a:defRPr>
             </a:lvl4pPr>
-            <a:lvl5pPr lvl="4" marR="0" rtl="0" algn="l">
+            <a:lvl5pPr marR="0" lvl="4" algn="l" rtl="0">
               <a:lnSpc>
                 <a:spcPct val="100000"/>
               </a:lnSpc>
@@ -5286,7 +5395,7 @@
               <a:buSzPts val="2800"/>
               <a:buFont typeface="Arial"/>
               <a:buNone/>
-              <a:defRPr b="0" i="0" sz="2800" u="none" cap="none" strike="noStrike">
+              <a:defRPr sz="2800" b="0" i="0" u="none" strike="noStrike" cap="none">
                 <a:solidFill>
                   <a:schemeClr val="dk1"/>
                 </a:solidFill>
@@ -5296,7 +5405,7 @@
                 <a:sym typeface="Arial"/>
               </a:defRPr>
             </a:lvl5pPr>
-            <a:lvl6pPr lvl="5" marR="0" rtl="0" algn="l">
+            <a:lvl6pPr marR="0" lvl="5" algn="l" rtl="0">
               <a:lnSpc>
                 <a:spcPct val="100000"/>
               </a:lnSpc>
@@ -5312,7 +5421,7 @@
               <a:buSzPts val="2800"/>
               <a:buFont typeface="Arial"/>
               <a:buNone/>
-              <a:defRPr b="0" i="0" sz="2800" u="none" cap="none" strike="noStrike">
+              <a:defRPr sz="2800" b="0" i="0" u="none" strike="noStrike" cap="none">
                 <a:solidFill>
                   <a:schemeClr val="dk1"/>
                 </a:solidFill>
@@ -5322,7 +5431,7 @@
                 <a:sym typeface="Arial"/>
               </a:defRPr>
             </a:lvl6pPr>
-            <a:lvl7pPr lvl="6" marR="0" rtl="0" algn="l">
+            <a:lvl7pPr marR="0" lvl="6" algn="l" rtl="0">
               <a:lnSpc>
                 <a:spcPct val="100000"/>
               </a:lnSpc>
@@ -5338,7 +5447,7 @@
               <a:buSzPts val="2800"/>
               <a:buFont typeface="Arial"/>
               <a:buNone/>
-              <a:defRPr b="0" i="0" sz="2800" u="none" cap="none" strike="noStrike">
+              <a:defRPr sz="2800" b="0" i="0" u="none" strike="noStrike" cap="none">
                 <a:solidFill>
                   <a:schemeClr val="dk1"/>
                 </a:solidFill>
@@ -5348,7 +5457,7 @@
                 <a:sym typeface="Arial"/>
               </a:defRPr>
             </a:lvl7pPr>
-            <a:lvl8pPr lvl="7" marR="0" rtl="0" algn="l">
+            <a:lvl8pPr marR="0" lvl="7" algn="l" rtl="0">
               <a:lnSpc>
                 <a:spcPct val="100000"/>
               </a:lnSpc>
@@ -5364,7 +5473,7 @@
               <a:buSzPts val="2800"/>
               <a:buFont typeface="Arial"/>
               <a:buNone/>
-              <a:defRPr b="0" i="0" sz="2800" u="none" cap="none" strike="noStrike">
+              <a:defRPr sz="2800" b="0" i="0" u="none" strike="noStrike" cap="none">
                 <a:solidFill>
                   <a:schemeClr val="dk1"/>
                 </a:solidFill>
@@ -5374,7 +5483,7 @@
                 <a:sym typeface="Arial"/>
               </a:defRPr>
             </a:lvl8pPr>
-            <a:lvl9pPr lvl="8" marR="0" rtl="0" algn="l">
+            <a:lvl9pPr marR="0" lvl="8" algn="l" rtl="0">
               <a:lnSpc>
                 <a:spcPct val="100000"/>
               </a:lnSpc>
@@ -5390,7 +5499,7 @@
               <a:buSzPts val="2800"/>
               <a:buFont typeface="Arial"/>
               <a:buNone/>
-              <a:defRPr b="0" i="0" sz="2800" u="none" cap="none" strike="noStrike">
+              <a:defRPr sz="2800" b="0" i="0" u="none" strike="noStrike" cap="none">
                 <a:solidFill>
                   <a:schemeClr val="dk1"/>
                 </a:solidFill>
@@ -5401,15 +5510,19 @@
               </a:defRPr>
             </a:lvl9pPr>
           </a:lstStyle>
-          <a:p/>
+          <a:p>
+            <a:endParaRPr/>
+          </a:p>
         </p:txBody>
       </p:sp>
       <p:sp>
         <p:nvSpPr>
           <p:cNvPr id="7" name="Google Shape;7;p24"/>
-          <p:cNvSpPr txBox="1"/>
+          <p:cNvSpPr txBox="1">
+            <a:spLocks noGrp="1"/>
+          </p:cNvSpPr>
           <p:nvPr>
-            <p:ph idx="1" type="body"/>
+            <p:ph type="body" idx="1"/>
           </p:nvPr>
         </p:nvSpPr>
         <p:spPr>
@@ -5426,11 +5539,11 @@
           </a:ln>
         </p:spPr>
         <p:txBody>
-          <a:bodyPr anchorCtr="0" anchor="t" bIns="91425" lIns="91425" spcFirstLastPara="1" rIns="91425" wrap="square" tIns="91425">
+          <a:bodyPr spcFirstLastPara="1" wrap="square" lIns="91425" tIns="91425" rIns="91425" bIns="91425" anchor="t" anchorCtr="0">
             <a:noAutofit/>
           </a:bodyPr>
           <a:lstStyle>
-            <a:lvl1pPr indent="-342900" lvl="0" marL="457200" marR="0" rtl="0" algn="l">
+            <a:lvl1pPr marL="457200" marR="0" lvl="0" indent="-342900" algn="l" rtl="0">
               <a:lnSpc>
                 <a:spcPct val="115000"/>
               </a:lnSpc>
@@ -5446,7 +5559,7 @@
               <a:buSzPts val="1800"/>
               <a:buFont typeface="Arial"/>
               <a:buChar char="●"/>
-              <a:defRPr b="0" i="0" sz="1800" u="none" cap="none" strike="noStrike">
+              <a:defRPr sz="1800" b="0" i="0" u="none" strike="noStrike" cap="none">
                 <a:solidFill>
                   <a:schemeClr val="dk2"/>
                 </a:solidFill>
@@ -5456,7 +5569,7 @@
                 <a:sym typeface="Arial"/>
               </a:defRPr>
             </a:lvl1pPr>
-            <a:lvl2pPr indent="-317500" lvl="1" marL="914400" marR="0" rtl="0" algn="l">
+            <a:lvl2pPr marL="914400" marR="0" lvl="1" indent="-317500" algn="l" rtl="0">
               <a:lnSpc>
                 <a:spcPct val="115000"/>
               </a:lnSpc>
@@ -5472,7 +5585,7 @@
               <a:buSzPts val="1400"/>
               <a:buFont typeface="Arial"/>
               <a:buChar char="○"/>
-              <a:defRPr b="0" i="0" sz="1400" u="none" cap="none" strike="noStrike">
+              <a:defRPr sz="1400" b="0" i="0" u="none" strike="noStrike" cap="none">
                 <a:solidFill>
                   <a:schemeClr val="dk2"/>
                 </a:solidFill>
@@ -5482,7 +5595,7 @@
                 <a:sym typeface="Arial"/>
               </a:defRPr>
             </a:lvl2pPr>
-            <a:lvl3pPr indent="-317500" lvl="2" marL="1371600" marR="0" rtl="0" algn="l">
+            <a:lvl3pPr marL="1371600" marR="0" lvl="2" indent="-317500" algn="l" rtl="0">
               <a:lnSpc>
                 <a:spcPct val="115000"/>
               </a:lnSpc>
@@ -5498,7 +5611,7 @@
               <a:buSzPts val="1400"/>
               <a:buFont typeface="Arial"/>
               <a:buChar char="■"/>
-              <a:defRPr b="0" i="0" sz="1400" u="none" cap="none" strike="noStrike">
+              <a:defRPr sz="1400" b="0" i="0" u="none" strike="noStrike" cap="none">
                 <a:solidFill>
                   <a:schemeClr val="dk2"/>
                 </a:solidFill>
@@ -5508,7 +5621,7 @@
                 <a:sym typeface="Arial"/>
               </a:defRPr>
             </a:lvl3pPr>
-            <a:lvl4pPr indent="-317500" lvl="3" marL="1828800" marR="0" rtl="0" algn="l">
+            <a:lvl4pPr marL="1828800" marR="0" lvl="3" indent="-317500" algn="l" rtl="0">
               <a:lnSpc>
                 <a:spcPct val="115000"/>
               </a:lnSpc>
@@ -5524,7 +5637,7 @@
               <a:buSzPts val="1400"/>
               <a:buFont typeface="Arial"/>
               <a:buChar char="●"/>
-              <a:defRPr b="0" i="0" sz="1400" u="none" cap="none" strike="noStrike">
+              <a:defRPr sz="1400" b="0" i="0" u="none" strike="noStrike" cap="none">
                 <a:solidFill>
                   <a:schemeClr val="dk2"/>
                 </a:solidFill>
@@ -5534,7 +5647,7 @@
                 <a:sym typeface="Arial"/>
               </a:defRPr>
             </a:lvl4pPr>
-            <a:lvl5pPr indent="-317500" lvl="4" marL="2286000" marR="0" rtl="0" algn="l">
+            <a:lvl5pPr marL="2286000" marR="0" lvl="4" indent="-317500" algn="l" rtl="0">
               <a:lnSpc>
                 <a:spcPct val="115000"/>
               </a:lnSpc>
@@ -5550,7 +5663,7 @@
               <a:buSzPts val="1400"/>
               <a:buFont typeface="Arial"/>
               <a:buChar char="○"/>
-              <a:defRPr b="0" i="0" sz="1400" u="none" cap="none" strike="noStrike">
+              <a:defRPr sz="1400" b="0" i="0" u="none" strike="noStrike" cap="none">
                 <a:solidFill>
                   <a:schemeClr val="dk2"/>
                 </a:solidFill>
@@ -5560,7 +5673,7 @@
                 <a:sym typeface="Arial"/>
               </a:defRPr>
             </a:lvl5pPr>
-            <a:lvl6pPr indent="-317500" lvl="5" marL="2743200" marR="0" rtl="0" algn="l">
+            <a:lvl6pPr marL="2743200" marR="0" lvl="5" indent="-317500" algn="l" rtl="0">
               <a:lnSpc>
                 <a:spcPct val="115000"/>
               </a:lnSpc>
@@ -5576,7 +5689,7 @@
               <a:buSzPts val="1400"/>
               <a:buFont typeface="Arial"/>
               <a:buChar char="■"/>
-              <a:defRPr b="0" i="0" sz="1400" u="none" cap="none" strike="noStrike">
+              <a:defRPr sz="1400" b="0" i="0" u="none" strike="noStrike" cap="none">
                 <a:solidFill>
                   <a:schemeClr val="dk2"/>
                 </a:solidFill>
@@ -5586,7 +5699,7 @@
                 <a:sym typeface="Arial"/>
               </a:defRPr>
             </a:lvl6pPr>
-            <a:lvl7pPr indent="-317500" lvl="6" marL="3200400" marR="0" rtl="0" algn="l">
+            <a:lvl7pPr marL="3200400" marR="0" lvl="6" indent="-317500" algn="l" rtl="0">
               <a:lnSpc>
                 <a:spcPct val="115000"/>
               </a:lnSpc>
@@ -5602,7 +5715,7 @@
               <a:buSzPts val="1400"/>
               <a:buFont typeface="Arial"/>
               <a:buChar char="●"/>
-              <a:defRPr b="0" i="0" sz="1400" u="none" cap="none" strike="noStrike">
+              <a:defRPr sz="1400" b="0" i="0" u="none" strike="noStrike" cap="none">
                 <a:solidFill>
                   <a:schemeClr val="dk2"/>
                 </a:solidFill>
@@ -5612,7 +5725,7 @@
                 <a:sym typeface="Arial"/>
               </a:defRPr>
             </a:lvl7pPr>
-            <a:lvl8pPr indent="-317500" lvl="7" marL="3657600" marR="0" rtl="0" algn="l">
+            <a:lvl8pPr marL="3657600" marR="0" lvl="7" indent="-317500" algn="l" rtl="0">
               <a:lnSpc>
                 <a:spcPct val="115000"/>
               </a:lnSpc>
@@ -5628,7 +5741,7 @@
               <a:buSzPts val="1400"/>
               <a:buFont typeface="Arial"/>
               <a:buChar char="○"/>
-              <a:defRPr b="0" i="0" sz="1400" u="none" cap="none" strike="noStrike">
+              <a:defRPr sz="1400" b="0" i="0" u="none" strike="noStrike" cap="none">
                 <a:solidFill>
                   <a:schemeClr val="dk2"/>
                 </a:solidFill>
@@ -5638,7 +5751,7 @@
                 <a:sym typeface="Arial"/>
               </a:defRPr>
             </a:lvl8pPr>
-            <a:lvl9pPr indent="-317500" lvl="8" marL="4114800" marR="0" rtl="0" algn="l">
+            <a:lvl9pPr marL="4114800" marR="0" lvl="8" indent="-317500" algn="l" rtl="0">
               <a:lnSpc>
                 <a:spcPct val="115000"/>
               </a:lnSpc>
@@ -5654,7 +5767,7 @@
               <a:buSzPts val="1400"/>
               <a:buFont typeface="Arial"/>
               <a:buChar char="■"/>
-              <a:defRPr b="0" i="0" sz="1400" u="none" cap="none" strike="noStrike">
+              <a:defRPr sz="1400" b="0" i="0" u="none" strike="noStrike" cap="none">
                 <a:solidFill>
                   <a:schemeClr val="dk2"/>
                 </a:solidFill>
@@ -5665,15 +5778,19 @@
               </a:defRPr>
             </a:lvl9pPr>
           </a:lstStyle>
-          <a:p/>
+          <a:p>
+            <a:endParaRPr/>
+          </a:p>
         </p:txBody>
       </p:sp>
       <p:sp>
         <p:nvSpPr>
           <p:cNvPr id="8" name="Google Shape;8;p24"/>
-          <p:cNvSpPr txBox="1"/>
+          <p:cNvSpPr txBox="1">
+            <a:spLocks noGrp="1"/>
+          </p:cNvSpPr>
           <p:nvPr>
-            <p:ph idx="12" type="sldNum"/>
+            <p:ph type="sldNum" idx="12"/>
           </p:nvPr>
         </p:nvSpPr>
         <p:spPr>
@@ -5690,11 +5807,11 @@
           </a:ln>
         </p:spPr>
         <p:txBody>
-          <a:bodyPr anchorCtr="0" anchor="ctr" bIns="91425" lIns="91425" spcFirstLastPara="1" rIns="91425" wrap="square" tIns="91425">
+          <a:bodyPr spcFirstLastPara="1" wrap="square" lIns="91425" tIns="91425" rIns="91425" bIns="91425" anchor="ctr" anchorCtr="0">
             <a:noAutofit/>
           </a:bodyPr>
           <a:lstStyle>
-            <a:lvl1pPr indent="0" lvl="0" marL="0" marR="0" rtl="0" algn="r">
+            <a:lvl1pPr marL="0" marR="0" lvl="0" indent="0" algn="r" rtl="0">
               <a:lnSpc>
                 <a:spcPct val="100000"/>
               </a:lnSpc>
@@ -5710,7 +5827,7 @@
               <a:buSzPts val="1000"/>
               <a:buFont typeface="Arial"/>
               <a:buNone/>
-              <a:defRPr b="0" i="0" sz="1000" u="none" cap="none" strike="noStrike">
+              <a:defRPr sz="1000" b="0" i="0" u="none" strike="noStrike" cap="none">
                 <a:solidFill>
                   <a:schemeClr val="dk2"/>
                 </a:solidFill>
@@ -5720,7 +5837,7 @@
                 <a:sym typeface="Arial"/>
               </a:defRPr>
             </a:lvl1pPr>
-            <a:lvl2pPr indent="0" lvl="1" marL="0" marR="0" rtl="0" algn="r">
+            <a:lvl2pPr marL="0" marR="0" lvl="1" indent="0" algn="r" rtl="0">
               <a:lnSpc>
                 <a:spcPct val="100000"/>
               </a:lnSpc>
@@ -5736,7 +5853,7 @@
               <a:buSzPts val="1000"/>
               <a:buFont typeface="Arial"/>
               <a:buNone/>
-              <a:defRPr b="0" i="0" sz="1000" u="none" cap="none" strike="noStrike">
+              <a:defRPr sz="1000" b="0" i="0" u="none" strike="noStrike" cap="none">
                 <a:solidFill>
                   <a:schemeClr val="dk2"/>
                 </a:solidFill>
@@ -5746,7 +5863,7 @@
                 <a:sym typeface="Arial"/>
               </a:defRPr>
             </a:lvl2pPr>
-            <a:lvl3pPr indent="0" lvl="2" marL="0" marR="0" rtl="0" algn="r">
+            <a:lvl3pPr marL="0" marR="0" lvl="2" indent="0" algn="r" rtl="0">
               <a:lnSpc>
                 <a:spcPct val="100000"/>
               </a:lnSpc>
@@ -5762,7 +5879,7 @@
               <a:buSzPts val="1000"/>
               <a:buFont typeface="Arial"/>
               <a:buNone/>
-              <a:defRPr b="0" i="0" sz="1000" u="none" cap="none" strike="noStrike">
+              <a:defRPr sz="1000" b="0" i="0" u="none" strike="noStrike" cap="none">
                 <a:solidFill>
                   <a:schemeClr val="dk2"/>
                 </a:solidFill>
@@ -5772,7 +5889,7 @@
                 <a:sym typeface="Arial"/>
               </a:defRPr>
             </a:lvl3pPr>
-            <a:lvl4pPr indent="0" lvl="3" marL="0" marR="0" rtl="0" algn="r">
+            <a:lvl4pPr marL="0" marR="0" lvl="3" indent="0" algn="r" rtl="0">
               <a:lnSpc>
                 <a:spcPct val="100000"/>
               </a:lnSpc>
@@ -5788,7 +5905,7 @@
               <a:buSzPts val="1000"/>
               <a:buFont typeface="Arial"/>
               <a:buNone/>
-              <a:defRPr b="0" i="0" sz="1000" u="none" cap="none" strike="noStrike">
+              <a:defRPr sz="1000" b="0" i="0" u="none" strike="noStrike" cap="none">
                 <a:solidFill>
                   <a:schemeClr val="dk2"/>
                 </a:solidFill>
@@ -5798,7 +5915,7 @@
                 <a:sym typeface="Arial"/>
               </a:defRPr>
             </a:lvl4pPr>
-            <a:lvl5pPr indent="0" lvl="4" marL="0" marR="0" rtl="0" algn="r">
+            <a:lvl5pPr marL="0" marR="0" lvl="4" indent="0" algn="r" rtl="0">
               <a:lnSpc>
                 <a:spcPct val="100000"/>
               </a:lnSpc>
@@ -5814,7 +5931,7 @@
               <a:buSzPts val="1000"/>
               <a:buFont typeface="Arial"/>
               <a:buNone/>
-              <a:defRPr b="0" i="0" sz="1000" u="none" cap="none" strike="noStrike">
+              <a:defRPr sz="1000" b="0" i="0" u="none" strike="noStrike" cap="none">
                 <a:solidFill>
                   <a:schemeClr val="dk2"/>
                 </a:solidFill>
@@ -5824,7 +5941,7 @@
                 <a:sym typeface="Arial"/>
               </a:defRPr>
             </a:lvl5pPr>
-            <a:lvl6pPr indent="0" lvl="5" marL="0" marR="0" rtl="0" algn="r">
+            <a:lvl6pPr marL="0" marR="0" lvl="5" indent="0" algn="r" rtl="0">
               <a:lnSpc>
                 <a:spcPct val="100000"/>
               </a:lnSpc>
@@ -5840,7 +5957,7 @@
               <a:buSzPts val="1000"/>
               <a:buFont typeface="Arial"/>
               <a:buNone/>
-              <a:defRPr b="0" i="0" sz="1000" u="none" cap="none" strike="noStrike">
+              <a:defRPr sz="1000" b="0" i="0" u="none" strike="noStrike" cap="none">
                 <a:solidFill>
                   <a:schemeClr val="dk2"/>
                 </a:solidFill>
@@ -5850,7 +5967,7 @@
                 <a:sym typeface="Arial"/>
               </a:defRPr>
             </a:lvl6pPr>
-            <a:lvl7pPr indent="0" lvl="6" marL="0" marR="0" rtl="0" algn="r">
+            <a:lvl7pPr marL="0" marR="0" lvl="6" indent="0" algn="r" rtl="0">
               <a:lnSpc>
                 <a:spcPct val="100000"/>
               </a:lnSpc>
@@ -5866,7 +5983,7 @@
               <a:buSzPts val="1000"/>
               <a:buFont typeface="Arial"/>
               <a:buNone/>
-              <a:defRPr b="0" i="0" sz="1000" u="none" cap="none" strike="noStrike">
+              <a:defRPr sz="1000" b="0" i="0" u="none" strike="noStrike" cap="none">
                 <a:solidFill>
                   <a:schemeClr val="dk2"/>
                 </a:solidFill>
@@ -5876,7 +5993,7 @@
                 <a:sym typeface="Arial"/>
               </a:defRPr>
             </a:lvl7pPr>
-            <a:lvl8pPr indent="0" lvl="7" marL="0" marR="0" rtl="0" algn="r">
+            <a:lvl8pPr marL="0" marR="0" lvl="7" indent="0" algn="r" rtl="0">
               <a:lnSpc>
                 <a:spcPct val="100000"/>
               </a:lnSpc>
@@ -5892,7 +6009,7 @@
               <a:buSzPts val="1000"/>
               <a:buFont typeface="Arial"/>
               <a:buNone/>
-              <a:defRPr b="0" i="0" sz="1000" u="none" cap="none" strike="noStrike">
+              <a:defRPr sz="1000" b="0" i="0" u="none" strike="noStrike" cap="none">
                 <a:solidFill>
                   <a:schemeClr val="dk2"/>
                 </a:solidFill>
@@ -5902,7 +6019,7 @@
                 <a:sym typeface="Arial"/>
               </a:defRPr>
             </a:lvl8pPr>
-            <a:lvl9pPr indent="0" lvl="8" marL="0" marR="0" rtl="0" algn="r">
+            <a:lvl9pPr marL="0" marR="0" lvl="8" indent="0" algn="r" rtl="0">
               <a:lnSpc>
                 <a:spcPct val="100000"/>
               </a:lnSpc>
@@ -5918,7 +6035,7 @@
               <a:buSzPts val="1000"/>
               <a:buFont typeface="Arial"/>
               <a:buNone/>
-              <a:defRPr b="0" i="0" sz="1000" u="none" cap="none" strike="noStrike">
+              <a:defRPr sz="1000" b="0" i="0" u="none" strike="noStrike" cap="none">
                 <a:solidFill>
                   <a:schemeClr val="dk2"/>
                 </a:solidFill>
@@ -5930,7 +6047,7 @@
             </a:lvl9pPr>
           </a:lstStyle>
           <a:p>
-            <a:pPr indent="0" lvl="0" marL="0" rtl="0" algn="r">
+            <a:pPr marL="0" lvl="0" indent="0" algn="r" rtl="0">
               <a:spcBef>
                 <a:spcPts val="0"/>
               </a:spcBef>
@@ -5941,7 +6058,7 @@
             </a:pPr>
             <a:fld id="{00000000-1234-1234-1234-123412341234}" type="slidenum">
               <a:rPr lang="en-US"/>
-              <a:t>‹#›</a:t>
+              <a:t>‹nº›</a:t>
             </a:fld>
             <a:endParaRPr/>
           </a:p>
@@ -5949,7 +6066,7 @@
       </p:sp>
     </p:spTree>
   </p:cSld>
-  <p:clrMap accent1="accent1" accent2="accent2" accent3="accent3" accent4="accent4" accent5="accent5" accent6="accent6" bg1="lt1" bg2="dk2" tx1="dk1" tx2="lt2" folHlink="folHlink" hlink="hlink"/>
+  <p:clrMap bg1="lt1" tx1="dk1" bg2="dk2" tx2="lt2" accent1="accent1" accent2="accent2" accent3="accent3" accent4="accent4" accent5="accent5" accent6="accent6" hlink="hlink" folHlink="folHlink"/>
   <p:sldLayoutIdLst>
     <p:sldLayoutId id="2147483649" r:id="rId1"/>
     <p:sldLayoutId id="2147483650" r:id="rId2"/>
@@ -5958,10 +6075,10 @@
     <p:sldLayoutId id="2147483653" r:id="rId5"/>
     <p:sldLayoutId id="2147483654" r:id="rId6"/>
   </p:sldLayoutIdLst>
-  <p:hf dt="0" ftr="0" hdr="0" sldNum="0"/>
+  <p:hf sldNum="0" hdr="0" ftr="0" dt="0"/>
   <p:txStyles>
     <p:titleStyle>
-      <a:defPPr lvl="0" marR="0" rtl="0" algn="l">
+      <a:defPPr marR="0" lvl="0" algn="l" rtl="0">
         <a:lnSpc>
           <a:spcPct val="100000"/>
         </a:lnSpc>
@@ -5972,7 +6089,7 @@
           <a:spcPts val="0"/>
         </a:spcAft>
       </a:defPPr>
-      <a:lvl1pPr lvl="0" marR="0" rtl="0" algn="l">
+      <a:lvl1pPr marR="0" lvl="0" algn="l" rtl="0">
         <a:lnSpc>
           <a:spcPct val="100000"/>
         </a:lnSpc>
@@ -5986,7 +6103,7 @@
           <a:srgbClr val="000000"/>
         </a:buClr>
         <a:buFont typeface="Arial"/>
-        <a:defRPr b="0" i="0" sz="1400" u="none" cap="none" strike="noStrike">
+        <a:defRPr sz="1400" b="0" i="0" u="none" strike="noStrike" cap="none">
           <a:solidFill>
             <a:srgbClr val="000000"/>
           </a:solidFill>
@@ -5996,7 +6113,7 @@
           <a:sym typeface="Arial"/>
         </a:defRPr>
       </a:lvl1pPr>
-      <a:lvl2pPr lvl="1" marR="0" rtl="0" algn="l">
+      <a:lvl2pPr marR="0" lvl="1" algn="l" rtl="0">
         <a:lnSpc>
           <a:spcPct val="100000"/>
         </a:lnSpc>
@@ -6010,7 +6127,7 @@
           <a:srgbClr val="000000"/>
         </a:buClr>
         <a:buFont typeface="Arial"/>
-        <a:defRPr b="0" i="0" sz="1400" u="none" cap="none" strike="noStrike">
+        <a:defRPr sz="1400" b="0" i="0" u="none" strike="noStrike" cap="none">
           <a:solidFill>
             <a:srgbClr val="000000"/>
           </a:solidFill>
@@ -6020,7 +6137,7 @@
           <a:sym typeface="Arial"/>
         </a:defRPr>
       </a:lvl2pPr>
-      <a:lvl3pPr lvl="2" marR="0" rtl="0" algn="l">
+      <a:lvl3pPr marR="0" lvl="2" algn="l" rtl="0">
         <a:lnSpc>
           <a:spcPct val="100000"/>
         </a:lnSpc>
@@ -6034,7 +6151,7 @@
           <a:srgbClr val="000000"/>
         </a:buClr>
         <a:buFont typeface="Arial"/>
-        <a:defRPr b="0" i="0" sz="1400" u="none" cap="none" strike="noStrike">
+        <a:defRPr sz="1400" b="0" i="0" u="none" strike="noStrike" cap="none">
           <a:solidFill>
             <a:srgbClr val="000000"/>
           </a:solidFill>
@@ -6044,7 +6161,7 @@
           <a:sym typeface="Arial"/>
         </a:defRPr>
       </a:lvl3pPr>
-      <a:lvl4pPr lvl="3" marR="0" rtl="0" algn="l">
+      <a:lvl4pPr marR="0" lvl="3" algn="l" rtl="0">
         <a:lnSpc>
           <a:spcPct val="100000"/>
         </a:lnSpc>
@@ -6058,7 +6175,7 @@
           <a:srgbClr val="000000"/>
         </a:buClr>
         <a:buFont typeface="Arial"/>
-        <a:defRPr b="0" i="0" sz="1400" u="none" cap="none" strike="noStrike">
+        <a:defRPr sz="1400" b="0" i="0" u="none" strike="noStrike" cap="none">
           <a:solidFill>
             <a:srgbClr val="000000"/>
           </a:solidFill>
@@ -6068,7 +6185,7 @@
           <a:sym typeface="Arial"/>
         </a:defRPr>
       </a:lvl4pPr>
-      <a:lvl5pPr lvl="4" marR="0" rtl="0" algn="l">
+      <a:lvl5pPr marR="0" lvl="4" algn="l" rtl="0">
         <a:lnSpc>
           <a:spcPct val="100000"/>
         </a:lnSpc>
@@ -6082,7 +6199,7 @@
           <a:srgbClr val="000000"/>
         </a:buClr>
         <a:buFont typeface="Arial"/>
-        <a:defRPr b="0" i="0" sz="1400" u="none" cap="none" strike="noStrike">
+        <a:defRPr sz="1400" b="0" i="0" u="none" strike="noStrike" cap="none">
           <a:solidFill>
             <a:srgbClr val="000000"/>
           </a:solidFill>
@@ -6092,7 +6209,7 @@
           <a:sym typeface="Arial"/>
         </a:defRPr>
       </a:lvl5pPr>
-      <a:lvl6pPr lvl="5" marR="0" rtl="0" algn="l">
+      <a:lvl6pPr marR="0" lvl="5" algn="l" rtl="0">
         <a:lnSpc>
           <a:spcPct val="100000"/>
         </a:lnSpc>
@@ -6106,7 +6223,7 @@
           <a:srgbClr val="000000"/>
         </a:buClr>
         <a:buFont typeface="Arial"/>
-        <a:defRPr b="0" i="0" sz="1400" u="none" cap="none" strike="noStrike">
+        <a:defRPr sz="1400" b="0" i="0" u="none" strike="noStrike" cap="none">
           <a:solidFill>
             <a:srgbClr val="000000"/>
           </a:solidFill>
@@ -6116,7 +6233,7 @@
           <a:sym typeface="Arial"/>
         </a:defRPr>
       </a:lvl6pPr>
-      <a:lvl7pPr lvl="6" marR="0" rtl="0" algn="l">
+      <a:lvl7pPr marR="0" lvl="6" algn="l" rtl="0">
         <a:lnSpc>
           <a:spcPct val="100000"/>
         </a:lnSpc>
@@ -6130,7 +6247,7 @@
           <a:srgbClr val="000000"/>
         </a:buClr>
         <a:buFont typeface="Arial"/>
-        <a:defRPr b="0" i="0" sz="1400" u="none" cap="none" strike="noStrike">
+        <a:defRPr sz="1400" b="0" i="0" u="none" strike="noStrike" cap="none">
           <a:solidFill>
             <a:srgbClr val="000000"/>
           </a:solidFill>
@@ -6140,7 +6257,7 @@
           <a:sym typeface="Arial"/>
         </a:defRPr>
       </a:lvl7pPr>
-      <a:lvl8pPr lvl="7" marR="0" rtl="0" algn="l">
+      <a:lvl8pPr marR="0" lvl="7" algn="l" rtl="0">
         <a:lnSpc>
           <a:spcPct val="100000"/>
         </a:lnSpc>
@@ -6154,7 +6271,7 @@
           <a:srgbClr val="000000"/>
         </a:buClr>
         <a:buFont typeface="Arial"/>
-        <a:defRPr b="0" i="0" sz="1400" u="none" cap="none" strike="noStrike">
+        <a:defRPr sz="1400" b="0" i="0" u="none" strike="noStrike" cap="none">
           <a:solidFill>
             <a:srgbClr val="000000"/>
           </a:solidFill>
@@ -6164,7 +6281,7 @@
           <a:sym typeface="Arial"/>
         </a:defRPr>
       </a:lvl8pPr>
-      <a:lvl9pPr lvl="8" marR="0" rtl="0" algn="l">
+      <a:lvl9pPr marR="0" lvl="8" algn="l" rtl="0">
         <a:lnSpc>
           <a:spcPct val="100000"/>
         </a:lnSpc>
@@ -6178,7 +6295,7 @@
           <a:srgbClr val="000000"/>
         </a:buClr>
         <a:buFont typeface="Arial"/>
-        <a:defRPr b="0" i="0" sz="1400" u="none" cap="none" strike="noStrike">
+        <a:defRPr sz="1400" b="0" i="0" u="none" strike="noStrike" cap="none">
           <a:solidFill>
             <a:srgbClr val="000000"/>
           </a:solidFill>
@@ -6190,7 +6307,7 @@
       </a:lvl9pPr>
     </p:titleStyle>
     <p:bodyStyle>
-      <a:defPPr lvl="0" marR="0" rtl="0" algn="l">
+      <a:defPPr marR="0" lvl="0" algn="l" rtl="0">
         <a:lnSpc>
           <a:spcPct val="100000"/>
         </a:lnSpc>
@@ -6201,7 +6318,7 @@
           <a:spcPts val="0"/>
         </a:spcAft>
       </a:defPPr>
-      <a:lvl1pPr lvl="0" marR="0" rtl="0" algn="l">
+      <a:lvl1pPr marR="0" lvl="0" algn="l" rtl="0">
         <a:lnSpc>
           <a:spcPct val="100000"/>
         </a:lnSpc>
@@ -6215,7 +6332,7 @@
           <a:srgbClr val="000000"/>
         </a:buClr>
         <a:buFont typeface="Arial"/>
-        <a:defRPr b="0" i="0" sz="1400" u="none" cap="none" strike="noStrike">
+        <a:defRPr sz="1400" b="0" i="0" u="none" strike="noStrike" cap="none">
           <a:solidFill>
             <a:srgbClr val="000000"/>
           </a:solidFill>
@@ -6225,7 +6342,7 @@
           <a:sym typeface="Arial"/>
         </a:defRPr>
       </a:lvl1pPr>
-      <a:lvl2pPr lvl="1" marR="0" rtl="0" algn="l">
+      <a:lvl2pPr marR="0" lvl="1" algn="l" rtl="0">
         <a:lnSpc>
           <a:spcPct val="100000"/>
         </a:lnSpc>
@@ -6239,7 +6356,7 @@
           <a:srgbClr val="000000"/>
         </a:buClr>
         <a:buFont typeface="Arial"/>
-        <a:defRPr b="0" i="0" sz="1400" u="none" cap="none" strike="noStrike">
+        <a:defRPr sz="1400" b="0" i="0" u="none" strike="noStrike" cap="none">
           <a:solidFill>
             <a:srgbClr val="000000"/>
           </a:solidFill>
@@ -6249,7 +6366,7 @@
           <a:sym typeface="Arial"/>
         </a:defRPr>
       </a:lvl2pPr>
-      <a:lvl3pPr lvl="2" marR="0" rtl="0" algn="l">
+      <a:lvl3pPr marR="0" lvl="2" algn="l" rtl="0">
         <a:lnSpc>
           <a:spcPct val="100000"/>
         </a:lnSpc>
@@ -6263,7 +6380,7 @@
           <a:srgbClr val="000000"/>
         </a:buClr>
         <a:buFont typeface="Arial"/>
-        <a:defRPr b="0" i="0" sz="1400" u="none" cap="none" strike="noStrike">
+        <a:defRPr sz="1400" b="0" i="0" u="none" strike="noStrike" cap="none">
           <a:solidFill>
             <a:srgbClr val="000000"/>
           </a:solidFill>
@@ -6273,7 +6390,7 @@
           <a:sym typeface="Arial"/>
         </a:defRPr>
       </a:lvl3pPr>
-      <a:lvl4pPr lvl="3" marR="0" rtl="0" algn="l">
+      <a:lvl4pPr marR="0" lvl="3" algn="l" rtl="0">
         <a:lnSpc>
           <a:spcPct val="100000"/>
         </a:lnSpc>
@@ -6287,7 +6404,7 @@
           <a:srgbClr val="000000"/>
         </a:buClr>
         <a:buFont typeface="Arial"/>
-        <a:defRPr b="0" i="0" sz="1400" u="none" cap="none" strike="noStrike">
+        <a:defRPr sz="1400" b="0" i="0" u="none" strike="noStrike" cap="none">
           <a:solidFill>
             <a:srgbClr val="000000"/>
           </a:solidFill>
@@ -6297,7 +6414,7 @@
           <a:sym typeface="Arial"/>
         </a:defRPr>
       </a:lvl4pPr>
-      <a:lvl5pPr lvl="4" marR="0" rtl="0" algn="l">
+      <a:lvl5pPr marR="0" lvl="4" algn="l" rtl="0">
         <a:lnSpc>
           <a:spcPct val="100000"/>
         </a:lnSpc>
@@ -6311,7 +6428,7 @@
           <a:srgbClr val="000000"/>
         </a:buClr>
         <a:buFont typeface="Arial"/>
-        <a:defRPr b="0" i="0" sz="1400" u="none" cap="none" strike="noStrike">
+        <a:defRPr sz="1400" b="0" i="0" u="none" strike="noStrike" cap="none">
           <a:solidFill>
             <a:srgbClr val="000000"/>
           </a:solidFill>
@@ -6321,7 +6438,7 @@
           <a:sym typeface="Arial"/>
         </a:defRPr>
       </a:lvl5pPr>
-      <a:lvl6pPr lvl="5" marR="0" rtl="0" algn="l">
+      <a:lvl6pPr marR="0" lvl="5" algn="l" rtl="0">
         <a:lnSpc>
           <a:spcPct val="100000"/>
         </a:lnSpc>
@@ -6335,7 +6452,7 @@
           <a:srgbClr val="000000"/>
         </a:buClr>
         <a:buFont typeface="Arial"/>
-        <a:defRPr b="0" i="0" sz="1400" u="none" cap="none" strike="noStrike">
+        <a:defRPr sz="1400" b="0" i="0" u="none" strike="noStrike" cap="none">
           <a:solidFill>
             <a:srgbClr val="000000"/>
           </a:solidFill>
@@ -6345,7 +6462,7 @@
           <a:sym typeface="Arial"/>
         </a:defRPr>
       </a:lvl6pPr>
-      <a:lvl7pPr lvl="6" marR="0" rtl="0" algn="l">
+      <a:lvl7pPr marR="0" lvl="6" algn="l" rtl="0">
         <a:lnSpc>
           <a:spcPct val="100000"/>
         </a:lnSpc>
@@ -6359,7 +6476,7 @@
           <a:srgbClr val="000000"/>
         </a:buClr>
         <a:buFont typeface="Arial"/>
-        <a:defRPr b="0" i="0" sz="1400" u="none" cap="none" strike="noStrike">
+        <a:defRPr sz="1400" b="0" i="0" u="none" strike="noStrike" cap="none">
           <a:solidFill>
             <a:srgbClr val="000000"/>
           </a:solidFill>
@@ -6369,7 +6486,7 @@
           <a:sym typeface="Arial"/>
         </a:defRPr>
       </a:lvl7pPr>
-      <a:lvl8pPr lvl="7" marR="0" rtl="0" algn="l">
+      <a:lvl8pPr marR="0" lvl="7" algn="l" rtl="0">
         <a:lnSpc>
           <a:spcPct val="100000"/>
         </a:lnSpc>
@@ -6383,7 +6500,7 @@
           <a:srgbClr val="000000"/>
         </a:buClr>
         <a:buFont typeface="Arial"/>
-        <a:defRPr b="0" i="0" sz="1400" u="none" cap="none" strike="noStrike">
+        <a:defRPr sz="1400" b="0" i="0" u="none" strike="noStrike" cap="none">
           <a:solidFill>
             <a:srgbClr val="000000"/>
           </a:solidFill>
@@ -6393,7 +6510,7 @@
           <a:sym typeface="Arial"/>
         </a:defRPr>
       </a:lvl8pPr>
-      <a:lvl9pPr lvl="8" marR="0" rtl="0" algn="l">
+      <a:lvl9pPr marR="0" lvl="8" algn="l" rtl="0">
         <a:lnSpc>
           <a:spcPct val="100000"/>
         </a:lnSpc>
@@ -6407,7 +6524,7 @@
           <a:srgbClr val="000000"/>
         </a:buClr>
         <a:buFont typeface="Arial"/>
-        <a:defRPr b="0" i="0" sz="1400" u="none" cap="none" strike="noStrike">
+        <a:defRPr sz="1400" b="0" i="0" u="none" strike="noStrike" cap="none">
           <a:solidFill>
             <a:srgbClr val="000000"/>
           </a:solidFill>
@@ -6419,7 +6536,7 @@
       </a:lvl9pPr>
     </p:bodyStyle>
     <p:otherStyle>
-      <a:defPPr lvl="0" marR="0" rtl="0" algn="l">
+      <a:defPPr marR="0" lvl="0" algn="l" rtl="0">
         <a:lnSpc>
           <a:spcPct val="100000"/>
         </a:lnSpc>
@@ -6430,7 +6547,7 @@
           <a:spcPts val="0"/>
         </a:spcAft>
       </a:defPPr>
-      <a:lvl1pPr lvl="0" marR="0" rtl="0" algn="l">
+      <a:lvl1pPr marR="0" lvl="0" algn="l" rtl="0">
         <a:lnSpc>
           <a:spcPct val="100000"/>
         </a:lnSpc>
@@ -6444,7 +6561,7 @@
           <a:srgbClr val="000000"/>
         </a:buClr>
         <a:buFont typeface="Arial"/>
-        <a:defRPr b="0" i="0" sz="1400" u="none" cap="none" strike="noStrike">
+        <a:defRPr sz="1400" b="0" i="0" u="none" strike="noStrike" cap="none">
           <a:solidFill>
             <a:srgbClr val="000000"/>
           </a:solidFill>
@@ -6454,7 +6571,7 @@
           <a:sym typeface="Arial"/>
         </a:defRPr>
       </a:lvl1pPr>
-      <a:lvl2pPr lvl="1" marR="0" rtl="0" algn="l">
+      <a:lvl2pPr marR="0" lvl="1" algn="l" rtl="0">
         <a:lnSpc>
           <a:spcPct val="100000"/>
         </a:lnSpc>
@@ -6468,7 +6585,7 @@
           <a:srgbClr val="000000"/>
         </a:buClr>
         <a:buFont typeface="Arial"/>
-        <a:defRPr b="0" i="0" sz="1400" u="none" cap="none" strike="noStrike">
+        <a:defRPr sz="1400" b="0" i="0" u="none" strike="noStrike" cap="none">
           <a:solidFill>
             <a:srgbClr val="000000"/>
           </a:solidFill>
@@ -6478,7 +6595,7 @@
           <a:sym typeface="Arial"/>
         </a:defRPr>
       </a:lvl2pPr>
-      <a:lvl3pPr lvl="2" marR="0" rtl="0" algn="l">
+      <a:lvl3pPr marR="0" lvl="2" algn="l" rtl="0">
         <a:lnSpc>
           <a:spcPct val="100000"/>
         </a:lnSpc>
@@ -6492,7 +6609,7 @@
           <a:srgbClr val="000000"/>
         </a:buClr>
         <a:buFont typeface="Arial"/>
-        <a:defRPr b="0" i="0" sz="1400" u="none" cap="none" strike="noStrike">
+        <a:defRPr sz="1400" b="0" i="0" u="none" strike="noStrike" cap="none">
           <a:solidFill>
             <a:srgbClr val="000000"/>
           </a:solidFill>
@@ -6502,7 +6619,7 @@
           <a:sym typeface="Arial"/>
         </a:defRPr>
       </a:lvl3pPr>
-      <a:lvl4pPr lvl="3" marR="0" rtl="0" algn="l">
+      <a:lvl4pPr marR="0" lvl="3" algn="l" rtl="0">
         <a:lnSpc>
           <a:spcPct val="100000"/>
         </a:lnSpc>
@@ -6516,7 +6633,7 @@
           <a:srgbClr val="000000"/>
         </a:buClr>
         <a:buFont typeface="Arial"/>
-        <a:defRPr b="0" i="0" sz="1400" u="none" cap="none" strike="noStrike">
+        <a:defRPr sz="1400" b="0" i="0" u="none" strike="noStrike" cap="none">
           <a:solidFill>
             <a:srgbClr val="000000"/>
           </a:solidFill>
@@ -6526,7 +6643,7 @@
           <a:sym typeface="Arial"/>
         </a:defRPr>
       </a:lvl4pPr>
-      <a:lvl5pPr lvl="4" marR="0" rtl="0" algn="l">
+      <a:lvl5pPr marR="0" lvl="4" algn="l" rtl="0">
         <a:lnSpc>
           <a:spcPct val="100000"/>
         </a:lnSpc>
@@ -6540,7 +6657,7 @@
           <a:srgbClr val="000000"/>
         </a:buClr>
         <a:buFont typeface="Arial"/>
-        <a:defRPr b="0" i="0" sz="1400" u="none" cap="none" strike="noStrike">
+        <a:defRPr sz="1400" b="0" i="0" u="none" strike="noStrike" cap="none">
           <a:solidFill>
             <a:srgbClr val="000000"/>
           </a:solidFill>
@@ -6550,7 +6667,7 @@
           <a:sym typeface="Arial"/>
         </a:defRPr>
       </a:lvl5pPr>
-      <a:lvl6pPr lvl="5" marR="0" rtl="0" algn="l">
+      <a:lvl6pPr marR="0" lvl="5" algn="l" rtl="0">
         <a:lnSpc>
           <a:spcPct val="100000"/>
         </a:lnSpc>
@@ -6564,7 +6681,7 @@
           <a:srgbClr val="000000"/>
         </a:buClr>
         <a:buFont typeface="Arial"/>
-        <a:defRPr b="0" i="0" sz="1400" u="none" cap="none" strike="noStrike">
+        <a:defRPr sz="1400" b="0" i="0" u="none" strike="noStrike" cap="none">
           <a:solidFill>
             <a:srgbClr val="000000"/>
           </a:solidFill>
@@ -6574,7 +6691,7 @@
           <a:sym typeface="Arial"/>
         </a:defRPr>
       </a:lvl6pPr>
-      <a:lvl7pPr lvl="6" marR="0" rtl="0" algn="l">
+      <a:lvl7pPr marR="0" lvl="6" algn="l" rtl="0">
         <a:lnSpc>
           <a:spcPct val="100000"/>
         </a:lnSpc>
@@ -6588,7 +6705,7 @@
           <a:srgbClr val="000000"/>
         </a:buClr>
         <a:buFont typeface="Arial"/>
-        <a:defRPr b="0" i="0" sz="1400" u="none" cap="none" strike="noStrike">
+        <a:defRPr sz="1400" b="0" i="0" u="none" strike="noStrike" cap="none">
           <a:solidFill>
             <a:srgbClr val="000000"/>
           </a:solidFill>
@@ -6598,7 +6715,7 @@
           <a:sym typeface="Arial"/>
         </a:defRPr>
       </a:lvl7pPr>
-      <a:lvl8pPr lvl="7" marR="0" rtl="0" algn="l">
+      <a:lvl8pPr marR="0" lvl="7" algn="l" rtl="0">
         <a:lnSpc>
           <a:spcPct val="100000"/>
         </a:lnSpc>
@@ -6612,7 +6729,7 @@
           <a:srgbClr val="000000"/>
         </a:buClr>
         <a:buFont typeface="Arial"/>
-        <a:defRPr b="0" i="0" sz="1400" u="none" cap="none" strike="noStrike">
+        <a:defRPr sz="1400" b="0" i="0" u="none" strike="noStrike" cap="none">
           <a:solidFill>
             <a:srgbClr val="000000"/>
           </a:solidFill>
@@ -6622,7 +6739,7 @@
           <a:sym typeface="Arial"/>
         </a:defRPr>
       </a:lvl8pPr>
-      <a:lvl9pPr lvl="8" marR="0" rtl="0" algn="l">
+      <a:lvl9pPr marR="0" lvl="8" algn="l" rtl="0">
         <a:lnSpc>
           <a:spcPct val="100000"/>
         </a:lnSpc>
@@ -6636,7 +6753,7 @@
           <a:srgbClr val="000000"/>
         </a:buClr>
         <a:buFont typeface="Arial"/>
-        <a:defRPr b="0" i="0" sz="1400" u="none" cap="none" strike="noStrike">
+        <a:defRPr sz="1400" b="0" i="0" u="none" strike="noStrike" cap="none">
           <a:solidFill>
             <a:srgbClr val="000000"/>
           </a:solidFill>
@@ -6652,11 +6769,11 @@
 </file>
 
 <file path=ppt/slides/slide1.xml><?xml version="1.0" encoding="utf-8"?>
-<p:sld xmlns:a="http://schemas.openxmlformats.org/drawingml/2006/main" xmlns:r="http://schemas.openxmlformats.org/officeDocument/2006/relationships" xmlns:mc="http://schemas.openxmlformats.org/markup-compatibility/2006" xmlns:mv="urn:schemas-microsoft-com:mac:vml" xmlns:p="http://schemas.openxmlformats.org/presentationml/2006/main" xmlns:c="http://schemas.openxmlformats.org/drawingml/2006/chart" xmlns:dgm="http://schemas.openxmlformats.org/drawingml/2006/diagram" xmlns:o="urn:schemas-microsoft-com:office:office" xmlns:v="urn:schemas-microsoft-com:vml" xmlns:pvml="urn:schemas-microsoft-com:office:powerpoint" xmlns:com="http://schemas.openxmlformats.org/drawingml/2006/compatibility" xmlns:p14="http://schemas.microsoft.com/office/powerpoint/2010/main" xmlns:p15="http://schemas.microsoft.com/office/powerpoint/2012/main" xmlns:ahyp="http://schemas.microsoft.com/office/drawing/2018/hyperlinkcolor">
+<p:sld xmlns:a="http://schemas.openxmlformats.org/drawingml/2006/main" xmlns:r="http://schemas.openxmlformats.org/officeDocument/2006/relationships" xmlns:p="http://schemas.openxmlformats.org/presentationml/2006/main">
   <p:cSld>
     <p:spTree>
       <p:nvGrpSpPr>
-        <p:cNvPr id="34" name="Shape 34"/>
+        <p:cNvPr id="1" name="Shape 34"/>
         <p:cNvGrpSpPr/>
         <p:nvPr/>
       </p:nvGrpSpPr>
@@ -6671,7 +6788,9 @@
       <p:sp>
         <p:nvSpPr>
           <p:cNvPr id="35" name="Google Shape;35;p2"/>
-          <p:cNvSpPr txBox="1"/>
+          <p:cNvSpPr txBox="1">
+            <a:spLocks noGrp="1"/>
+          </p:cNvSpPr>
           <p:nvPr>
             <p:ph type="ctrTitle"/>
           </p:nvPr>
@@ -6690,12 +6809,12 @@
           </a:ln>
         </p:spPr>
         <p:txBody>
-          <a:bodyPr anchorCtr="0" anchor="ctr" bIns="91425" lIns="91425" spcFirstLastPara="1" rIns="91425" wrap="square" tIns="91425">
+          <a:bodyPr spcFirstLastPara="1" wrap="square" lIns="91425" tIns="91425" rIns="91425" bIns="91425" anchor="ctr" anchorCtr="0">
             <a:noAutofit/>
           </a:bodyPr>
           <a:lstStyle/>
           <a:p>
-            <a:pPr indent="0" lvl="0" marL="0" rtl="0" algn="l">
+            <a:pPr marL="0" lvl="0" indent="0" algn="l" rtl="0">
               <a:lnSpc>
                 <a:spcPct val="100000"/>
               </a:lnSpc>
@@ -6713,7 +6832,7 @@
               <a:buNone/>
             </a:pPr>
             <a:r>
-              <a:rPr b="1" lang="en-US" sz="2000">
+              <a:rPr lang="en-US" sz="2000" b="1">
                 <a:solidFill>
                   <a:srgbClr val="404040"/>
                 </a:solidFill>
@@ -6723,6 +6842,18 @@
                 <a:sym typeface="Century Gothic"/>
               </a:rPr>
               <a:t>Venilton FalvoJr</a:t>
+            </a:r>
+            <a:r>
+              <a:rPr lang="en-US" sz="2000">
+                <a:solidFill>
+                  <a:srgbClr val="404040"/>
+                </a:solidFill>
+                <a:latin typeface="Century Gothic"/>
+                <a:ea typeface="Century Gothic"/>
+                <a:cs typeface="Century Gothic"/>
+                <a:sym typeface="Century Gothic"/>
+              </a:rPr>
+              <a:t/>
             </a:r>
             <a:br>
               <a:rPr lang="en-US" sz="2000">
@@ -6762,9 +6893,11 @@
       <p:sp>
         <p:nvSpPr>
           <p:cNvPr id="36" name="Google Shape;36;p2"/>
-          <p:cNvSpPr txBox="1"/>
+          <p:cNvSpPr txBox="1">
+            <a:spLocks noGrp="1"/>
+          </p:cNvSpPr>
           <p:nvPr>
-            <p:ph idx="1" type="subTitle"/>
+            <p:ph type="subTitle" idx="1"/>
           </p:nvPr>
         </p:nvSpPr>
         <p:spPr>
@@ -6781,12 +6914,12 @@
           </a:ln>
         </p:spPr>
         <p:txBody>
-          <a:bodyPr anchorCtr="0" anchor="ctr" bIns="91425" lIns="91425" spcFirstLastPara="1" rIns="91425" wrap="square" tIns="91425">
+          <a:bodyPr spcFirstLastPara="1" wrap="square" lIns="91425" tIns="91425" rIns="91425" bIns="91425" anchor="ctr" anchorCtr="0">
             <a:noAutofit/>
           </a:bodyPr>
           <a:lstStyle/>
           <a:p>
-            <a:pPr indent="0" lvl="0" marL="0" rtl="0" algn="l">
+            <a:pPr marL="0" lvl="0" indent="0" algn="l" rtl="0">
               <a:lnSpc>
                 <a:spcPct val="100000"/>
               </a:lnSpc>
@@ -6804,7 +6937,7 @@
               <a:buNone/>
             </a:pPr>
             <a:r>
-              <a:rPr lang="en-US" sz="4800">
+              <a:rPr lang="en-US" sz="4800" dirty="0" err="1">
                 <a:solidFill>
                   <a:srgbClr val="EF8600"/>
                 </a:solidFill>
@@ -6813,10 +6946,10 @@
                 <a:cs typeface="Century Gothic"/>
                 <a:sym typeface="Century Gothic"/>
               </a:rPr>
-              <a:t>Criando seu Primeiro Repositório no GitHub</a:t>
+              <a:t>Criando</a:t>
             </a:r>
             <a:r>
-              <a:rPr lang="en-US" sz="4800">
+              <a:rPr lang="en-US" sz="4800" dirty="0">
                 <a:solidFill>
                   <a:srgbClr val="EF8600"/>
                 </a:solidFill>
@@ -6825,7 +6958,139 @@
                 <a:cs typeface="Century Gothic"/>
                 <a:sym typeface="Century Gothic"/>
               </a:rPr>
-              <a:t> Para Compartilhar Seu Progresso</a:t>
+              <a:t> </a:t>
+            </a:r>
+            <a:r>
+              <a:rPr lang="en-US" sz="4800" dirty="0" err="1">
+                <a:solidFill>
+                  <a:srgbClr val="EF8600"/>
+                </a:solidFill>
+                <a:latin typeface="Century Gothic"/>
+                <a:ea typeface="Century Gothic"/>
+                <a:cs typeface="Century Gothic"/>
+                <a:sym typeface="Century Gothic"/>
+              </a:rPr>
+              <a:t>seu</a:t>
+            </a:r>
+            <a:r>
+              <a:rPr lang="en-US" sz="4800" dirty="0">
+                <a:solidFill>
+                  <a:srgbClr val="EF8600"/>
+                </a:solidFill>
+                <a:latin typeface="Century Gothic"/>
+                <a:ea typeface="Century Gothic"/>
+                <a:cs typeface="Century Gothic"/>
+                <a:sym typeface="Century Gothic"/>
+              </a:rPr>
+              <a:t> </a:t>
+            </a:r>
+            <a:r>
+              <a:rPr lang="en-US" sz="4800" dirty="0" err="1">
+                <a:solidFill>
+                  <a:srgbClr val="EF8600"/>
+                </a:solidFill>
+                <a:latin typeface="Century Gothic"/>
+                <a:ea typeface="Century Gothic"/>
+                <a:cs typeface="Century Gothic"/>
+                <a:sym typeface="Century Gothic"/>
+              </a:rPr>
+              <a:t>Primeiro</a:t>
+            </a:r>
+            <a:r>
+              <a:rPr lang="en-US" sz="4800" dirty="0">
+                <a:solidFill>
+                  <a:srgbClr val="EF8600"/>
+                </a:solidFill>
+                <a:latin typeface="Century Gothic"/>
+                <a:ea typeface="Century Gothic"/>
+                <a:cs typeface="Century Gothic"/>
+                <a:sym typeface="Century Gothic"/>
+              </a:rPr>
+              <a:t> </a:t>
+            </a:r>
+            <a:r>
+              <a:rPr lang="en-US" sz="4800" dirty="0" err="1">
+                <a:solidFill>
+                  <a:srgbClr val="EF8600"/>
+                </a:solidFill>
+                <a:latin typeface="Century Gothic"/>
+                <a:ea typeface="Century Gothic"/>
+                <a:cs typeface="Century Gothic"/>
+                <a:sym typeface="Century Gothic"/>
+              </a:rPr>
+              <a:t>Repositório</a:t>
+            </a:r>
+            <a:r>
+              <a:rPr lang="en-US" sz="4800" dirty="0">
+                <a:solidFill>
+                  <a:srgbClr val="EF8600"/>
+                </a:solidFill>
+                <a:latin typeface="Century Gothic"/>
+                <a:ea typeface="Century Gothic"/>
+                <a:cs typeface="Century Gothic"/>
+                <a:sym typeface="Century Gothic"/>
+              </a:rPr>
+              <a:t> no GitHub Para </a:t>
+            </a:r>
+            <a:r>
+              <a:rPr lang="en-US" sz="4800" dirty="0" err="1">
+                <a:solidFill>
+                  <a:srgbClr val="EF8600"/>
+                </a:solidFill>
+                <a:latin typeface="Century Gothic"/>
+                <a:ea typeface="Century Gothic"/>
+                <a:cs typeface="Century Gothic"/>
+                <a:sym typeface="Century Gothic"/>
+              </a:rPr>
+              <a:t>Compartilhar</a:t>
+            </a:r>
+            <a:r>
+              <a:rPr lang="en-US" sz="4800" dirty="0">
+                <a:solidFill>
+                  <a:srgbClr val="EF8600"/>
+                </a:solidFill>
+                <a:latin typeface="Century Gothic"/>
+                <a:ea typeface="Century Gothic"/>
+                <a:cs typeface="Century Gothic"/>
+                <a:sym typeface="Century Gothic"/>
+              </a:rPr>
+              <a:t> </a:t>
+            </a:r>
+            <a:r>
+              <a:rPr lang="en-US" sz="4800" dirty="0" err="1">
+                <a:solidFill>
+                  <a:srgbClr val="EF8600"/>
+                </a:solidFill>
+                <a:latin typeface="Century Gothic"/>
+                <a:ea typeface="Century Gothic"/>
+                <a:cs typeface="Century Gothic"/>
+                <a:sym typeface="Century Gothic"/>
+              </a:rPr>
+              <a:t>Seu</a:t>
+            </a:r>
+            <a:r>
+              <a:rPr lang="en-US" sz="4800">
+                <a:solidFill>
+                  <a:srgbClr val="EF8600"/>
+                </a:solidFill>
+                <a:latin typeface="Century Gothic"/>
+                <a:ea typeface="Century Gothic"/>
+                <a:cs typeface="Century Gothic"/>
+                <a:sym typeface="Century Gothic"/>
+              </a:rPr>
+              <a:t> </a:t>
+            </a:r>
+            <a:r>
+              <a:rPr lang="en-US" sz="4800" smtClean="0">
+                <a:solidFill>
+                  <a:srgbClr val="EF8600"/>
+                </a:solidFill>
+                <a:latin typeface="Century Gothic"/>
+                <a:ea typeface="Century Gothic"/>
+                <a:cs typeface="Century Gothic"/>
+                <a:sym typeface="Century Gothic"/>
+              </a:rPr>
+              <a:t>Progresso.</a:t>
             </a:r>
             <a:endParaRPr sz="4800">
               <a:solidFill>
@@ -6856,23 +7121,23 @@
           <a:solidFill>
             <a:srgbClr val="F78321"/>
           </a:solidFill>
-          <a:ln cap="flat" cmpd="sng" w="9525">
+          <a:ln w="9525" cap="flat" cmpd="sng">
             <a:solidFill>
               <a:srgbClr val="F78321"/>
             </a:solidFill>
             <a:prstDash val="solid"/>
             <a:round/>
-            <a:headEnd len="sm" w="sm" type="none"/>
-            <a:tailEnd len="sm" w="sm" type="none"/>
+            <a:headEnd type="none" w="sm" len="sm"/>
+            <a:tailEnd type="none" w="sm" len="sm"/>
           </a:ln>
         </p:spPr>
         <p:txBody>
-          <a:bodyPr anchorCtr="0" anchor="ctr" bIns="91425" lIns="91425" spcFirstLastPara="1" rIns="91425" wrap="square" tIns="91425">
+          <a:bodyPr spcFirstLastPara="1" wrap="square" lIns="91425" tIns="91425" rIns="91425" bIns="91425" anchor="ctr" anchorCtr="0">
             <a:noAutofit/>
           </a:bodyPr>
           <a:lstStyle/>
           <a:p>
-            <a:pPr indent="0" lvl="0" marL="0" marR="0" rtl="0" algn="l">
+            <a:pPr marL="0" marR="0" lvl="0" indent="0" algn="l" rtl="0">
               <a:lnSpc>
                 <a:spcPct val="100000"/>
               </a:lnSpc>
@@ -6889,10 +7154,7 @@
               <a:buFont typeface="Arial"/>
               <a:buNone/>
             </a:pPr>
-            <a:r>
-              <a:t/>
-            </a:r>
-            <a:endParaRPr b="0" i="0" sz="1400" u="none" cap="none" strike="noStrike">
+            <a:endParaRPr sz="1400" b="0" i="0" u="none" strike="noStrike" cap="none">
               <a:solidFill>
                 <a:srgbClr val="000000"/>
               </a:solidFill>
@@ -6921,23 +7183,23 @@
           <a:solidFill>
             <a:srgbClr val="404040"/>
           </a:solidFill>
-          <a:ln cap="flat" cmpd="sng" w="9525">
+          <a:ln w="9525" cap="flat" cmpd="sng">
             <a:solidFill>
               <a:srgbClr val="404040"/>
             </a:solidFill>
             <a:prstDash val="solid"/>
             <a:round/>
-            <a:headEnd len="sm" w="sm" type="none"/>
-            <a:tailEnd len="sm" w="sm" type="none"/>
+            <a:headEnd type="none" w="sm" len="sm"/>
+            <a:tailEnd type="none" w="sm" len="sm"/>
           </a:ln>
         </p:spPr>
         <p:txBody>
-          <a:bodyPr anchorCtr="0" anchor="ctr" bIns="91425" lIns="91425" spcFirstLastPara="1" rIns="91425" wrap="square" tIns="91425">
+          <a:bodyPr spcFirstLastPara="1" wrap="square" lIns="91425" tIns="91425" rIns="91425" bIns="91425" anchor="ctr" anchorCtr="0">
             <a:noAutofit/>
           </a:bodyPr>
           <a:lstStyle/>
           <a:p>
-            <a:pPr indent="0" lvl="0" marL="0" marR="0" rtl="0" algn="l">
+            <a:pPr marL="0" marR="0" lvl="0" indent="0" algn="l" rtl="0">
               <a:lnSpc>
                 <a:spcPct val="100000"/>
               </a:lnSpc>
@@ -6954,10 +7216,7 @@
               <a:buFont typeface="Arial"/>
               <a:buNone/>
             </a:pPr>
-            <a:r>
-              <a:t/>
-            </a:r>
-            <a:endParaRPr b="0" i="0" sz="1400" u="none" cap="none" strike="noStrike">
+            <a:endParaRPr sz="1400" b="0" i="0" u="none" strike="noStrike" cap="none">
               <a:solidFill>
                 <a:srgbClr val="000000"/>
               </a:solidFill>
@@ -6986,23 +7245,23 @@
           <a:solidFill>
             <a:srgbClr val="F78321"/>
           </a:solidFill>
-          <a:ln cap="flat" cmpd="sng" w="9525">
+          <a:ln w="9525" cap="flat" cmpd="sng">
             <a:solidFill>
               <a:srgbClr val="F78321"/>
             </a:solidFill>
             <a:prstDash val="solid"/>
             <a:round/>
-            <a:headEnd len="sm" w="sm" type="none"/>
-            <a:tailEnd len="sm" w="sm" type="none"/>
+            <a:headEnd type="none" w="sm" len="sm"/>
+            <a:tailEnd type="none" w="sm" len="sm"/>
           </a:ln>
         </p:spPr>
         <p:txBody>
-          <a:bodyPr anchorCtr="0" anchor="ctr" bIns="91425" lIns="91425" spcFirstLastPara="1" rIns="91425" wrap="square" tIns="91425">
+          <a:bodyPr spcFirstLastPara="1" wrap="square" lIns="91425" tIns="91425" rIns="91425" bIns="91425" anchor="ctr" anchorCtr="0">
             <a:noAutofit/>
           </a:bodyPr>
           <a:lstStyle/>
           <a:p>
-            <a:pPr indent="0" lvl="0" marL="0" marR="0" rtl="0" algn="l">
+            <a:pPr marL="0" marR="0" lvl="0" indent="0" algn="l" rtl="0">
               <a:lnSpc>
                 <a:spcPct val="100000"/>
               </a:lnSpc>
@@ -7019,10 +7278,7 @@
               <a:buFont typeface="Arial"/>
               <a:buNone/>
             </a:pPr>
-            <a:r>
-              <a:t/>
-            </a:r>
-            <a:endParaRPr b="0" i="0" sz="1400" u="none" cap="none" strike="noStrike">
+            <a:endParaRPr sz="1400" b="0" i="0" u="none" strike="noStrike" cap="none">
               <a:solidFill>
                 <a:srgbClr val="000000"/>
               </a:solidFill>
@@ -7044,7 +7300,7 @@
           <a:blip r:embed="rId3">
             <a:alphaModFix/>
           </a:blip>
-          <a:srcRect b="0" l="0" r="0" t="0"/>
+          <a:srcRect/>
           <a:stretch/>
         </p:blipFill>
         <p:spPr>
@@ -7070,18 +7326,19 @@
 </file>
 
 <file path=ppt/slides/slide2.xml><?xml version="1.0" encoding="utf-8"?>
-<p:sld xmlns:a="http://schemas.openxmlformats.org/drawingml/2006/main" xmlns:r="http://schemas.openxmlformats.org/officeDocument/2006/relationships" xmlns:mc="http://schemas.openxmlformats.org/markup-compatibility/2006" xmlns:mv="urn:schemas-microsoft-com:mac:vml" xmlns:p="http://schemas.openxmlformats.org/presentationml/2006/main" xmlns:c="http://schemas.openxmlformats.org/drawingml/2006/chart" xmlns:dgm="http://schemas.openxmlformats.org/drawingml/2006/diagram" xmlns:o="urn:schemas-microsoft-com:office:office" xmlns:v="urn:schemas-microsoft-com:vml" xmlns:pvml="urn:schemas-microsoft-com:office:powerpoint" xmlns:com="http://schemas.openxmlformats.org/drawingml/2006/compatibility" xmlns:p14="http://schemas.microsoft.com/office/powerpoint/2010/main" xmlns:p15="http://schemas.microsoft.com/office/powerpoint/2012/main" xmlns:ahyp="http://schemas.microsoft.com/office/drawing/2018/hyperlinkcolor">
+<p:sld xmlns:a="http://schemas.openxmlformats.org/drawingml/2006/main" xmlns:r="http://schemas.openxmlformats.org/officeDocument/2006/relationships" xmlns:p="http://schemas.openxmlformats.org/presentationml/2006/main">
   <p:cSld>
     <p:bg>
       <p:bgPr>
         <a:solidFill>
           <a:srgbClr val="FFFFFF"/>
         </a:solidFill>
+        <a:effectLst/>
       </p:bgPr>
     </p:bg>
     <p:spTree>
       <p:nvGrpSpPr>
-        <p:cNvPr id="44" name="Shape 44"/>
+        <p:cNvPr id="1" name="Shape 44"/>
         <p:cNvGrpSpPr/>
         <p:nvPr/>
       </p:nvGrpSpPr>
@@ -7096,9 +7353,11 @@
       <p:sp>
         <p:nvSpPr>
           <p:cNvPr id="45" name="Google Shape;45;p16"/>
-          <p:cNvSpPr txBox="1"/>
+          <p:cNvSpPr txBox="1">
+            <a:spLocks noGrp="1"/>
+          </p:cNvSpPr>
           <p:nvPr>
-            <p:ph idx="1" type="subTitle"/>
+            <p:ph type="subTitle" idx="1"/>
           </p:nvPr>
         </p:nvSpPr>
         <p:spPr>
@@ -7115,12 +7374,12 @@
           </a:ln>
         </p:spPr>
         <p:txBody>
-          <a:bodyPr anchorCtr="0" anchor="ctr" bIns="91425" lIns="91425" spcFirstLastPara="1" rIns="91425" wrap="square" tIns="91425">
+          <a:bodyPr spcFirstLastPara="1" wrap="square" lIns="91425" tIns="91425" rIns="91425" bIns="91425" anchor="ctr" anchorCtr="0">
             <a:noAutofit/>
           </a:bodyPr>
           <a:lstStyle/>
           <a:p>
-            <a:pPr indent="0" lvl="0" marL="0" rtl="0" algn="ctr">
+            <a:pPr marL="0" lvl="0" indent="0" algn="ctr" rtl="0">
               <a:lnSpc>
                 <a:spcPct val="100000"/>
               </a:lnSpc>
@@ -7138,7 +7397,7 @@
               <a:buNone/>
             </a:pPr>
             <a:r>
-              <a:rPr b="1" lang="en-US" sz="4000">
+              <a:rPr lang="en-US" sz="4000" b="1">
                 <a:solidFill>
                   <a:srgbClr val="073763"/>
                 </a:solidFill>
@@ -7149,7 +7408,7 @@
               </a:rPr>
               <a:t>Mais sobre mim</a:t>
             </a:r>
-            <a:endParaRPr b="1" sz="4000">
+            <a:endParaRPr sz="4000" b="1">
               <a:solidFill>
                 <a:srgbClr val="073763"/>
               </a:solidFill>
@@ -7171,7 +7430,7 @@
           <a:blip r:embed="rId3">
             <a:alphaModFix/>
           </a:blip>
-          <a:srcRect b="0" l="0" r="0" t="0"/>
+          <a:srcRect/>
           <a:stretch/>
         </p:blipFill>
         <p:spPr>
@@ -7191,9 +7450,11 @@
       <p:sp>
         <p:nvSpPr>
           <p:cNvPr id="47" name="Google Shape;47;p16"/>
-          <p:cNvSpPr txBox="1"/>
+          <p:cNvSpPr txBox="1">
+            <a:spLocks noGrp="1"/>
+          </p:cNvSpPr>
           <p:nvPr>
-            <p:ph idx="1" type="subTitle"/>
+            <p:ph type="subTitle" idx="1"/>
           </p:nvPr>
         </p:nvSpPr>
         <p:spPr>
@@ -7210,12 +7471,12 @@
           </a:ln>
         </p:spPr>
         <p:txBody>
-          <a:bodyPr anchorCtr="0" anchor="ctr" bIns="91425" lIns="91425" spcFirstLastPara="1" rIns="91425" wrap="square" tIns="91425">
+          <a:bodyPr spcFirstLastPara="1" wrap="square" lIns="91425" tIns="91425" rIns="91425" bIns="91425" anchor="ctr" anchorCtr="0">
             <a:noAutofit/>
           </a:bodyPr>
           <a:lstStyle/>
           <a:p>
-            <a:pPr indent="-361950" lvl="0" marL="457200" rtl="0" algn="l">
+            <a:pPr marL="457200" lvl="0" indent="-361950" algn="l" rtl="0">
               <a:lnSpc>
                 <a:spcPct val="150000"/>
               </a:lnSpc>
@@ -7252,7 +7513,7 @@
             </a:endParaRPr>
           </a:p>
           <a:p>
-            <a:pPr indent="-361950" lvl="0" marL="457200" rtl="0" algn="l">
+            <a:pPr marL="457200" lvl="0" indent="-361950" algn="l" rtl="0">
               <a:lnSpc>
                 <a:spcPct val="150000"/>
               </a:lnSpc>
@@ -7289,7 +7550,7 @@
             </a:endParaRPr>
           </a:p>
           <a:p>
-            <a:pPr indent="-361950" lvl="0" marL="457200" rtl="0" algn="l">
+            <a:pPr marL="457200" lvl="0" indent="-361950" algn="l" rtl="0">
               <a:lnSpc>
                 <a:spcPct val="100000"/>
               </a:lnSpc>
@@ -7319,7 +7580,7 @@
               <a:t>“</a:t>
             </a:r>
             <a:r>
-              <a:rPr i="1" lang="en-US" sz="2100">
+              <a:rPr lang="en-US" sz="2100" i="1">
                 <a:solidFill>
                   <a:srgbClr val="073763"/>
                 </a:solidFill>
@@ -7343,7 +7604,7 @@
               <a:t>”</a:t>
             </a:r>
             <a:r>
-              <a:rPr i="1" lang="en-US" sz="2100">
+              <a:rPr lang="en-US" sz="2100" i="1">
                 <a:solidFill>
                   <a:srgbClr val="073763"/>
                 </a:solidFill>
@@ -7374,7 +7635,7 @@
             </a:endParaRPr>
           </a:p>
           <a:p>
-            <a:pPr indent="-361950" lvl="0" marL="457200" rtl="0" algn="l">
+            <a:pPr marL="457200" lvl="0" indent="-361950" algn="l" rtl="0">
               <a:lnSpc>
                 <a:spcPct val="150000"/>
               </a:lnSpc>
@@ -7417,7 +7678,7 @@
               <a:t>https://linkedin.com/in/</a:t>
             </a:r>
             <a:r>
-              <a:rPr b="1" lang="en-US" sz="2100" u="sng">
+              <a:rPr lang="en-US" sz="2100" b="1" u="sng">
                 <a:solidFill>
                   <a:schemeClr val="hlink"/>
                 </a:solidFill>
@@ -7425,11 +7686,11 @@
                 <a:ea typeface="Century Gothic"/>
                 <a:cs typeface="Century Gothic"/>
                 <a:sym typeface="Century Gothic"/>
-                <a:hlinkClick r:id="rId5"/>
+                <a:hlinkClick r:id="rId4"/>
               </a:rPr>
               <a:t>falvojr</a:t>
             </a:r>
-            <a:endParaRPr b="1" sz="2100">
+            <a:endParaRPr sz="2100" b="1">
               <a:solidFill>
                 <a:srgbClr val="073763"/>
               </a:solidFill>
@@ -7440,7 +7701,7 @@
             </a:endParaRPr>
           </a:p>
           <a:p>
-            <a:pPr indent="-361950" lvl="0" marL="457200" rtl="0" algn="l">
+            <a:pPr marL="457200" lvl="0" indent="-361950" algn="l" rtl="0">
               <a:lnSpc>
                 <a:spcPct val="150000"/>
               </a:lnSpc>
@@ -7478,12 +7739,12 @@
                 <a:ea typeface="Century Gothic"/>
                 <a:cs typeface="Century Gothic"/>
                 <a:sym typeface="Century Gothic"/>
-                <a:hlinkClick r:id="rId6"/>
+                <a:hlinkClick r:id="rId5"/>
               </a:rPr>
               <a:t>https://github.com/</a:t>
             </a:r>
             <a:r>
-              <a:rPr b="1" lang="en-US" sz="2100" u="sng">
+              <a:rPr lang="en-US" sz="2100" b="1" u="sng">
                 <a:solidFill>
                   <a:schemeClr val="hlink"/>
                 </a:solidFill>
@@ -7491,11 +7752,11 @@
                 <a:ea typeface="Century Gothic"/>
                 <a:cs typeface="Century Gothic"/>
                 <a:sym typeface="Century Gothic"/>
-                <a:hlinkClick r:id="rId7"/>
+                <a:hlinkClick r:id="rId5"/>
               </a:rPr>
               <a:t>falvojr</a:t>
             </a:r>
-            <a:endParaRPr b="1" sz="2100">
+            <a:endParaRPr sz="2100" b="1">
               <a:solidFill>
                 <a:srgbClr val="073763"/>
               </a:solidFill>
@@ -7524,23 +7785,23 @@
           <a:solidFill>
             <a:srgbClr val="F78321"/>
           </a:solidFill>
-          <a:ln cap="flat" cmpd="sng" w="9525">
+          <a:ln w="9525" cap="flat" cmpd="sng">
             <a:solidFill>
               <a:srgbClr val="F78321"/>
             </a:solidFill>
             <a:prstDash val="solid"/>
             <a:round/>
-            <a:headEnd len="sm" w="sm" type="none"/>
-            <a:tailEnd len="sm" w="sm" type="none"/>
+            <a:headEnd type="none" w="sm" len="sm"/>
+            <a:tailEnd type="none" w="sm" len="sm"/>
           </a:ln>
         </p:spPr>
         <p:txBody>
-          <a:bodyPr anchorCtr="0" anchor="ctr" bIns="91425" lIns="91425" spcFirstLastPara="1" rIns="91425" wrap="square" tIns="91425">
+          <a:bodyPr spcFirstLastPara="1" wrap="square" lIns="91425" tIns="91425" rIns="91425" bIns="91425" anchor="ctr" anchorCtr="0">
             <a:noAutofit/>
           </a:bodyPr>
           <a:lstStyle/>
           <a:p>
-            <a:pPr indent="0" lvl="0" marL="0" marR="0" rtl="0" algn="l">
+            <a:pPr marL="0" marR="0" lvl="0" indent="0" algn="l" rtl="0">
               <a:lnSpc>
                 <a:spcPct val="100000"/>
               </a:lnSpc>
@@ -7557,10 +7818,7 @@
               <a:buFont typeface="Arial"/>
               <a:buNone/>
             </a:pPr>
-            <a:r>
-              <a:t/>
-            </a:r>
-            <a:endParaRPr b="0" i="0" sz="1400" u="none" cap="none" strike="noStrike">
+            <a:endParaRPr sz="1400" b="0" i="0" u="none" strike="noStrike" cap="none">
               <a:solidFill>
                 <a:srgbClr val="000000"/>
               </a:solidFill>
@@ -7577,13 +7835,13 @@
   <p:clrMapOvr>
     <a:masterClrMapping/>
   </p:clrMapOvr>
-  <mc:AlternateContent>
+  <mc:AlternateContent xmlns:mc="http://schemas.openxmlformats.org/markup-compatibility/2006" xmlns:p14="http://schemas.microsoft.com/office/powerpoint/2010/main">
     <mc:Choice Requires="p14">
-      <p:transition spd="slow" p14:dur="700">
+      <p:transition spd="med" p14:dur="700">
         <p:fade/>
       </p:transition>
     </mc:Choice>
-    <mc:Fallback>
+    <mc:Fallback xmlns:ahyp="http://schemas.microsoft.com/office/drawing/2018/hyperlinkcolor" xmlns:p15="http://schemas.microsoft.com/office/powerpoint/2012/main" xmlns:com="http://schemas.openxmlformats.org/drawingml/2006/compatibility" xmlns:pvml="urn:schemas-microsoft-com:office:powerpoint" xmlns:v="urn:schemas-microsoft-com:vml" xmlns:o="urn:schemas-microsoft-com:office:office" xmlns:dgm="http://schemas.openxmlformats.org/drawingml/2006/diagram" xmlns:c="http://schemas.openxmlformats.org/drawingml/2006/chart" xmlns:mv="urn:schemas-microsoft-com:mac:vml" xmlns="">
       <p:transition spd="slow">
         <p:fade/>
       </p:transition>
@@ -7592,32 +7850,32 @@
   <p:timing>
     <p:tnLst>
       <p:par>
-        <p:cTn dur="indefinite" nodeType="tmRoot" restart="never">
+        <p:cTn id="1" dur="indefinite" restart="never" nodeType="tmRoot">
           <p:childTnLst>
             <p:seq concurrent="1" nextAc="seek">
-              <p:cTn dur="indefinite" id="2" nodeType="mainSeq">
+              <p:cTn id="2" dur="indefinite" nodeType="mainSeq">
                 <p:childTnLst>
                   <p:par>
-                    <p:cTn fill="hold">
+                    <p:cTn id="3" fill="hold">
                       <p:stCondLst>
                         <p:cond delay="indefinite"/>
                       </p:stCondLst>
                       <p:childTnLst>
                         <p:par>
-                          <p:cTn fill="hold">
+                          <p:cTn id="4" fill="hold">
                             <p:stCondLst>
                               <p:cond delay="0"/>
                             </p:stCondLst>
                             <p:childTnLst>
                               <p:par>
-                                <p:cTn fill="hold" nodeType="clickEffect" presetClass="entr" presetID="1" presetSubtype="0">
+                                <p:cTn id="5" presetID="1" presetClass="entr" presetSubtype="0" fill="hold" nodeType="clickEffect">
                                   <p:stCondLst>
                                     <p:cond delay="0"/>
                                   </p:stCondLst>
                                   <p:childTnLst>
                                     <p:set>
                                       <p:cBhvr>
-                                        <p:cTn dur="1" fill="hold">
+                                        <p:cTn id="6" dur="1" fill="hold">
                                           <p:stCondLst>
                                             <p:cond delay="0"/>
                                           </p:stCondLst>
@@ -7625,7 +7883,7 @@
                                         <p:tgtEl>
                                           <p:spTgt spid="47">
                                             <p:txEl>
-                                              <p:pRg end="0" st="0"/>
+                                              <p:pRg st="0" end="0"/>
                                             </p:txEl>
                                           </p:spTgt>
                                         </p:tgtEl>
@@ -7647,26 +7905,26 @@
                     </p:cTn>
                   </p:par>
                   <p:par>
-                    <p:cTn fill="hold">
+                    <p:cTn id="7" fill="hold">
                       <p:stCondLst>
                         <p:cond delay="indefinite"/>
                       </p:stCondLst>
                       <p:childTnLst>
                         <p:par>
-                          <p:cTn fill="hold">
+                          <p:cTn id="8" fill="hold">
                             <p:stCondLst>
                               <p:cond delay="0"/>
                             </p:stCondLst>
                             <p:childTnLst>
                               <p:par>
-                                <p:cTn fill="hold" nodeType="clickEffect" presetClass="entr" presetID="1" presetSubtype="0">
+                                <p:cTn id="9" presetID="1" presetClass="entr" presetSubtype="0" fill="hold" nodeType="clickEffect">
                                   <p:stCondLst>
                                     <p:cond delay="0"/>
                                   </p:stCondLst>
                                   <p:childTnLst>
                                     <p:set>
                                       <p:cBhvr>
-                                        <p:cTn dur="1" fill="hold">
+                                        <p:cTn id="10" dur="1" fill="hold">
                                           <p:stCondLst>
                                             <p:cond delay="0"/>
                                           </p:stCondLst>
@@ -7674,7 +7932,7 @@
                                         <p:tgtEl>
                                           <p:spTgt spid="47">
                                             <p:txEl>
-                                              <p:pRg end="1" st="1"/>
+                                              <p:pRg st="1" end="1"/>
                                             </p:txEl>
                                           </p:spTgt>
                                         </p:tgtEl>
@@ -7696,26 +7954,26 @@
                     </p:cTn>
                   </p:par>
                   <p:par>
-                    <p:cTn fill="hold">
+                    <p:cTn id="11" fill="hold">
                       <p:stCondLst>
                         <p:cond delay="indefinite"/>
                       </p:stCondLst>
                       <p:childTnLst>
                         <p:par>
-                          <p:cTn fill="hold">
+                          <p:cTn id="12" fill="hold">
                             <p:stCondLst>
                               <p:cond delay="0"/>
                             </p:stCondLst>
                             <p:childTnLst>
                               <p:par>
-                                <p:cTn fill="hold" nodeType="clickEffect" presetClass="entr" presetID="1" presetSubtype="0">
+                                <p:cTn id="13" presetID="1" presetClass="entr" presetSubtype="0" fill="hold" nodeType="clickEffect">
                                   <p:stCondLst>
                                     <p:cond delay="0"/>
                                   </p:stCondLst>
                                   <p:childTnLst>
                                     <p:set>
                                       <p:cBhvr>
-                                        <p:cTn dur="1" fill="hold">
+                                        <p:cTn id="14" dur="1" fill="hold">
                                           <p:stCondLst>
                                             <p:cond delay="0"/>
                                           </p:stCondLst>
@@ -7723,7 +7981,7 @@
                                         <p:tgtEl>
                                           <p:spTgt spid="47">
                                             <p:txEl>
-                                              <p:pRg end="2" st="2"/>
+                                              <p:pRg st="2" end="2"/>
                                             </p:txEl>
                                           </p:spTgt>
                                         </p:tgtEl>
@@ -7745,26 +8003,26 @@
                     </p:cTn>
                   </p:par>
                   <p:par>
-                    <p:cTn fill="hold">
+                    <p:cTn id="15" fill="hold">
                       <p:stCondLst>
                         <p:cond delay="indefinite"/>
                       </p:stCondLst>
                       <p:childTnLst>
                         <p:par>
-                          <p:cTn fill="hold">
+                          <p:cTn id="16" fill="hold">
                             <p:stCondLst>
                               <p:cond delay="0"/>
                             </p:stCondLst>
                             <p:childTnLst>
                               <p:par>
-                                <p:cTn fill="hold" nodeType="clickEffect" presetClass="entr" presetID="1" presetSubtype="0">
+                                <p:cTn id="17" presetID="1" presetClass="entr" presetSubtype="0" fill="hold" nodeType="clickEffect">
                                   <p:stCondLst>
                                     <p:cond delay="0"/>
                                   </p:stCondLst>
                                   <p:childTnLst>
                                     <p:set>
                                       <p:cBhvr>
-                                        <p:cTn dur="1" fill="hold">
+                                        <p:cTn id="18" dur="1" fill="hold">
                                           <p:stCondLst>
                                             <p:cond delay="0"/>
                                           </p:stCondLst>
@@ -7772,7 +8030,7 @@
                                         <p:tgtEl>
                                           <p:spTgt spid="47">
                                             <p:txEl>
-                                              <p:pRg end="3" st="3"/>
+                                              <p:pRg st="3" end="3"/>
                                             </p:txEl>
                                           </p:spTgt>
                                         </p:tgtEl>
@@ -7794,26 +8052,26 @@
                     </p:cTn>
                   </p:par>
                   <p:par>
-                    <p:cTn fill="hold">
+                    <p:cTn id="19" fill="hold">
                       <p:stCondLst>
                         <p:cond delay="indefinite"/>
                       </p:stCondLst>
                       <p:childTnLst>
                         <p:par>
-                          <p:cTn fill="hold">
+                          <p:cTn id="20" fill="hold">
                             <p:stCondLst>
                               <p:cond delay="0"/>
                             </p:stCondLst>
                             <p:childTnLst>
                               <p:par>
-                                <p:cTn fill="hold" nodeType="clickEffect" presetClass="entr" presetID="1" presetSubtype="0">
+                                <p:cTn id="21" presetID="1" presetClass="entr" presetSubtype="0" fill="hold" nodeType="clickEffect">
                                   <p:stCondLst>
                                     <p:cond delay="0"/>
                                   </p:stCondLst>
                                   <p:childTnLst>
                                     <p:set>
                                       <p:cBhvr>
-                                        <p:cTn dur="1" fill="hold">
+                                        <p:cTn id="22" dur="1" fill="hold">
                                           <p:stCondLst>
                                             <p:cond delay="0"/>
                                           </p:stCondLst>
@@ -7821,7 +8079,7 @@
                                         <p:tgtEl>
                                           <p:spTgt spid="47">
                                             <p:txEl>
-                                              <p:pRg end="4" st="4"/>
+                                              <p:pRg st="4" end="4"/>
                                             </p:txEl>
                                           </p:spTgt>
                                         </p:tgtEl>
@@ -7845,14 +8103,14 @@
                 </p:childTnLst>
               </p:cTn>
               <p:prevCondLst>
-                <p:cond evt="onPrev">
+                <p:cond evt="onPrev" delay="0">
                   <p:tgtEl>
                     <p:sldTgt/>
                   </p:tgtEl>
                 </p:cond>
               </p:prevCondLst>
               <p:nextCondLst>
-                <p:cond evt="onNext">
+                <p:cond evt="onNext" delay="0">
                   <p:tgtEl>
                     <p:sldTgt/>
                   </p:tgtEl>
@@ -7868,18 +8126,19 @@
 </file>
 
 <file path=ppt/slides/slide3.xml><?xml version="1.0" encoding="utf-8"?>
-<p:sld xmlns:a="http://schemas.openxmlformats.org/drawingml/2006/main" xmlns:r="http://schemas.openxmlformats.org/officeDocument/2006/relationships" xmlns:mc="http://schemas.openxmlformats.org/markup-compatibility/2006" xmlns:mv="urn:schemas-microsoft-com:mac:vml" xmlns:p="http://schemas.openxmlformats.org/presentationml/2006/main" xmlns:c="http://schemas.openxmlformats.org/drawingml/2006/chart" xmlns:dgm="http://schemas.openxmlformats.org/drawingml/2006/diagram" xmlns:o="urn:schemas-microsoft-com:office:office" xmlns:v="urn:schemas-microsoft-com:vml" xmlns:pvml="urn:schemas-microsoft-com:office:powerpoint" xmlns:com="http://schemas.openxmlformats.org/drawingml/2006/compatibility" xmlns:p14="http://schemas.microsoft.com/office/powerpoint/2010/main" xmlns:p15="http://schemas.microsoft.com/office/powerpoint/2012/main" xmlns:ahyp="http://schemas.microsoft.com/office/drawing/2018/hyperlinkcolor">
+<p:sld xmlns:a="http://schemas.openxmlformats.org/drawingml/2006/main" xmlns:r="http://schemas.openxmlformats.org/officeDocument/2006/relationships" xmlns:p="http://schemas.openxmlformats.org/presentationml/2006/main">
   <p:cSld>
     <p:bg>
       <p:bgPr>
         <a:solidFill>
           <a:srgbClr val="FFFFFF"/>
         </a:solidFill>
+        <a:effectLst/>
       </p:bgPr>
     </p:bg>
     <p:spTree>
       <p:nvGrpSpPr>
-        <p:cNvPr id="52" name="Shape 52"/>
+        <p:cNvPr id="1" name="Shape 52"/>
         <p:cNvGrpSpPr/>
         <p:nvPr/>
       </p:nvGrpSpPr>
@@ -7894,9 +8153,11 @@
       <p:sp>
         <p:nvSpPr>
           <p:cNvPr id="53" name="Google Shape;53;p17"/>
-          <p:cNvSpPr txBox="1"/>
+          <p:cNvSpPr txBox="1">
+            <a:spLocks noGrp="1"/>
+          </p:cNvSpPr>
           <p:nvPr>
-            <p:ph idx="1" type="subTitle"/>
+            <p:ph type="subTitle" idx="1"/>
           </p:nvPr>
         </p:nvSpPr>
         <p:spPr>
@@ -7913,12 +8174,12 @@
           </a:ln>
         </p:spPr>
         <p:txBody>
-          <a:bodyPr anchorCtr="0" anchor="ctr" bIns="91425" lIns="91425" spcFirstLastPara="1" rIns="91425" wrap="square" tIns="91425">
+          <a:bodyPr spcFirstLastPara="1" wrap="square" lIns="91425" tIns="91425" rIns="91425" bIns="91425" anchor="ctr" anchorCtr="0">
             <a:noAutofit/>
           </a:bodyPr>
           <a:lstStyle/>
           <a:p>
-            <a:pPr indent="0" lvl="0" marL="0" rtl="0" algn="ctr">
+            <a:pPr marL="0" lvl="0" indent="0" algn="ctr" rtl="0">
               <a:lnSpc>
                 <a:spcPct val="100000"/>
               </a:lnSpc>
@@ -7936,7 +8197,7 @@
               <a:buNone/>
             </a:pPr>
             <a:r>
-              <a:rPr b="1" lang="en-US" sz="4000">
+              <a:rPr lang="en-US" sz="4000" b="1">
                 <a:solidFill>
                   <a:srgbClr val="073763"/>
                 </a:solidFill>
@@ -7947,7 +8208,7 @@
               </a:rPr>
               <a:t>Percurso</a:t>
             </a:r>
-            <a:endParaRPr b="1" sz="4000">
+            <a:endParaRPr sz="4000" b="1">
               <a:solidFill>
                 <a:srgbClr val="073763"/>
               </a:solidFill>
@@ -7969,7 +8230,7 @@
           <a:blip r:embed="rId3">
             <a:alphaModFix/>
           </a:blip>
-          <a:srcRect b="0" l="0" r="0" t="0"/>
+          <a:srcRect/>
           <a:stretch/>
         </p:blipFill>
         <p:spPr>
@@ -7989,9 +8250,11 @@
       <p:sp>
         <p:nvSpPr>
           <p:cNvPr id="55" name="Google Shape;55;p17"/>
-          <p:cNvSpPr txBox="1"/>
+          <p:cNvSpPr txBox="1">
+            <a:spLocks noGrp="1"/>
+          </p:cNvSpPr>
           <p:nvPr>
-            <p:ph idx="1" type="subTitle"/>
+            <p:ph type="subTitle" idx="1"/>
           </p:nvPr>
         </p:nvSpPr>
         <p:spPr>
@@ -8010,12 +8273,12 @@
           </a:ln>
         </p:spPr>
         <p:txBody>
-          <a:bodyPr anchorCtr="0" anchor="ctr" bIns="91425" lIns="91425" spcFirstLastPara="1" rIns="91425" wrap="square" tIns="91425">
+          <a:bodyPr spcFirstLastPara="1" wrap="square" lIns="91425" tIns="91425" rIns="91425" bIns="91425" anchor="ctr" anchorCtr="0">
             <a:noAutofit/>
           </a:bodyPr>
           <a:lstStyle/>
           <a:p>
-            <a:pPr indent="0" lvl="1" marL="0" rtl="0" algn="ctr">
+            <a:pPr marL="0" lvl="1" indent="0" algn="ctr" rtl="0">
               <a:lnSpc>
                 <a:spcPct val="100000"/>
               </a:lnSpc>
@@ -8032,7 +8295,7 @@
               <a:buNone/>
             </a:pPr>
             <a:r>
-              <a:rPr b="1" lang="en-US" sz="2400">
+              <a:rPr lang="en-US" sz="2400" b="1">
                 <a:solidFill>
                   <a:schemeClr val="lt1"/>
                 </a:solidFill>
@@ -8041,19 +8304,7 @@
                 <a:cs typeface="Century Gothic"/>
                 <a:sym typeface="Century Gothic"/>
               </a:rPr>
-              <a:t>Passo</a:t>
-            </a:r>
-            <a:r>
-              <a:rPr b="1" lang="en-US" sz="2400">
-                <a:solidFill>
-                  <a:schemeClr val="lt1"/>
-                </a:solidFill>
-                <a:latin typeface="Century Gothic"/>
-                <a:ea typeface="Century Gothic"/>
-                <a:cs typeface="Century Gothic"/>
-                <a:sym typeface="Century Gothic"/>
-              </a:rPr>
-              <a:t> 1</a:t>
+              <a:t>Passo 1</a:t>
             </a:r>
             <a:endParaRPr sz="2400">
               <a:latin typeface="Century Gothic"/>
@@ -8081,23 +8332,23 @@
           <a:solidFill>
             <a:srgbClr val="F78321"/>
           </a:solidFill>
-          <a:ln cap="flat" cmpd="sng" w="9525">
+          <a:ln w="9525" cap="flat" cmpd="sng">
             <a:solidFill>
               <a:srgbClr val="F78321"/>
             </a:solidFill>
             <a:prstDash val="solid"/>
             <a:round/>
-            <a:headEnd len="sm" w="sm" type="none"/>
-            <a:tailEnd len="sm" w="sm" type="none"/>
+            <a:headEnd type="none" w="sm" len="sm"/>
+            <a:tailEnd type="none" w="sm" len="sm"/>
           </a:ln>
         </p:spPr>
         <p:txBody>
-          <a:bodyPr anchorCtr="0" anchor="ctr" bIns="91425" lIns="91425" spcFirstLastPara="1" rIns="91425" wrap="square" tIns="91425">
+          <a:bodyPr spcFirstLastPara="1" wrap="square" lIns="91425" tIns="91425" rIns="91425" bIns="91425" anchor="ctr" anchorCtr="0">
             <a:noAutofit/>
           </a:bodyPr>
           <a:lstStyle/>
           <a:p>
-            <a:pPr indent="0" lvl="0" marL="0" marR="0" rtl="0" algn="l">
+            <a:pPr marL="0" marR="0" lvl="0" indent="0" algn="l" rtl="0">
               <a:lnSpc>
                 <a:spcPct val="100000"/>
               </a:lnSpc>
@@ -8114,10 +8365,7 @@
               <a:buFont typeface="Arial"/>
               <a:buNone/>
             </a:pPr>
-            <a:r>
-              <a:t/>
-            </a:r>
-            <a:endParaRPr b="0" i="0" sz="1400" u="none" cap="none" strike="noStrike">
+            <a:endParaRPr sz="1400" b="0" i="0" u="none" strike="noStrike" cap="none">
               <a:solidFill>
                 <a:srgbClr val="000000"/>
               </a:solidFill>
@@ -8149,12 +8397,12 @@
           </a:ln>
         </p:spPr>
         <p:txBody>
-          <a:bodyPr anchorCtr="0" anchor="t" bIns="45700" lIns="91425" spcFirstLastPara="1" rIns="91425" wrap="square" tIns="45700">
+          <a:bodyPr spcFirstLastPara="1" wrap="square" lIns="91425" tIns="45700" rIns="91425" bIns="45700" anchor="t" anchorCtr="0">
             <a:spAutoFit/>
           </a:bodyPr>
           <a:lstStyle/>
           <a:p>
-            <a:pPr indent="-457200" lvl="0" marL="457200" marR="0" rtl="0" algn="l">
+            <a:pPr marL="457200" marR="0" lvl="0" indent="-457200" algn="l" rtl="0">
               <a:lnSpc>
                 <a:spcPct val="100000"/>
               </a:lnSpc>
@@ -8172,7 +8420,7 @@
               <a:buNone/>
             </a:pPr>
             <a:r>
-              <a:rPr b="1" lang="en-US" sz="2300">
+              <a:rPr lang="en-US" sz="2300" b="1">
                 <a:solidFill>
                   <a:srgbClr val="073763"/>
                 </a:solidFill>
@@ -8183,7 +8431,7 @@
               </a:rPr>
               <a:t>Introdução</a:t>
             </a:r>
-            <a:endParaRPr b="1" i="0" sz="2300" u="none" cap="none" strike="noStrike">
+            <a:endParaRPr sz="2300" b="1" i="0" u="none" strike="noStrike" cap="none">
               <a:solidFill>
                 <a:srgbClr val="073763"/>
               </a:solidFill>
@@ -8217,12 +8465,12 @@
           </a:ln>
         </p:spPr>
         <p:txBody>
-          <a:bodyPr anchorCtr="0" anchor="ctr" bIns="91425" lIns="91425" spcFirstLastPara="1" rIns="91425" wrap="square" tIns="91425">
+          <a:bodyPr spcFirstLastPara="1" wrap="square" lIns="91425" tIns="91425" rIns="91425" bIns="91425" anchor="ctr" anchorCtr="0">
             <a:noAutofit/>
           </a:bodyPr>
           <a:lstStyle/>
           <a:p>
-            <a:pPr indent="0" lvl="1" marL="0" marR="0" rtl="0" algn="ctr">
+            <a:pPr marL="0" marR="0" lvl="1" indent="0" algn="ctr" rtl="0">
               <a:lnSpc>
                 <a:spcPct val="100000"/>
               </a:lnSpc>
@@ -8252,7 +8500,7 @@
               <a:t>Passo </a:t>
             </a:r>
             <a:r>
-              <a:rPr i="0" lang="en-US" sz="2400" u="none" cap="none" strike="noStrike">
+              <a:rPr lang="en-US" sz="2400" i="0" u="none" strike="noStrike" cap="none">
                 <a:solidFill>
                   <a:schemeClr val="lt1"/>
                 </a:solidFill>
@@ -8263,7 +8511,7 @@
               </a:rPr>
               <a:t>2</a:t>
             </a:r>
-            <a:endParaRPr i="0" sz="2400" u="none" cap="none" strike="noStrike">
+            <a:endParaRPr sz="2400" i="0" u="none" strike="noStrike" cap="none">
               <a:solidFill>
                 <a:srgbClr val="000000"/>
               </a:solidFill>
@@ -8295,12 +8543,12 @@
           </a:ln>
         </p:spPr>
         <p:txBody>
-          <a:bodyPr anchorCtr="0" anchor="t" bIns="45700" lIns="91425" spcFirstLastPara="1" rIns="91425" wrap="square" tIns="45700">
+          <a:bodyPr spcFirstLastPara="1" wrap="square" lIns="91425" tIns="45700" rIns="91425" bIns="45700" anchor="t" anchorCtr="0">
             <a:spAutoFit/>
           </a:bodyPr>
           <a:lstStyle/>
           <a:p>
-            <a:pPr indent="-457200" lvl="0" marL="457200" marR="0" rtl="0" algn="l">
+            <a:pPr marL="457200" marR="0" lvl="0" indent="-457200" algn="l" rtl="0">
               <a:lnSpc>
                 <a:spcPct val="100000"/>
               </a:lnSpc>
@@ -8329,7 +8577,7 @@
               </a:rPr>
               <a:t>Git/GitHub: Relembrando algumas coisinhas</a:t>
             </a:r>
-            <a:endParaRPr i="0" sz="2300" u="none" cap="none" strike="noStrike">
+            <a:endParaRPr sz="2300" i="0" u="none" strike="noStrike" cap="none">
               <a:solidFill>
                 <a:srgbClr val="073763"/>
               </a:solidFill>
@@ -8363,12 +8611,12 @@
           </a:ln>
         </p:spPr>
         <p:txBody>
-          <a:bodyPr anchorCtr="0" anchor="ctr" bIns="91425" lIns="91425" spcFirstLastPara="1" rIns="91425" wrap="square" tIns="91425">
+          <a:bodyPr spcFirstLastPara="1" wrap="square" lIns="91425" tIns="91425" rIns="91425" bIns="91425" anchor="ctr" anchorCtr="0">
             <a:noAutofit/>
           </a:bodyPr>
           <a:lstStyle/>
           <a:p>
-            <a:pPr indent="0" lvl="1" marL="0" marR="0" rtl="0" algn="ctr">
+            <a:pPr marL="0" marR="0" lvl="1" indent="0" algn="ctr" rtl="0">
               <a:lnSpc>
                 <a:spcPct val="100000"/>
               </a:lnSpc>
@@ -8398,7 +8646,7 @@
               <a:t>Passo </a:t>
             </a:r>
             <a:r>
-              <a:rPr i="0" lang="en-US" sz="2400" u="none" cap="none" strike="noStrike">
+              <a:rPr lang="en-US" sz="2400" i="0" u="none" strike="noStrike" cap="none">
                 <a:solidFill>
                   <a:schemeClr val="lt1"/>
                 </a:solidFill>
@@ -8409,7 +8657,7 @@
               </a:rPr>
               <a:t>3</a:t>
             </a:r>
-            <a:endParaRPr i="0" sz="2400" u="none" cap="none" strike="noStrike">
+            <a:endParaRPr sz="2400" i="0" u="none" strike="noStrike" cap="none">
               <a:solidFill>
                 <a:srgbClr val="000000"/>
               </a:solidFill>
@@ -8441,12 +8689,12 @@
           </a:ln>
         </p:spPr>
         <p:txBody>
-          <a:bodyPr anchorCtr="0" anchor="t" bIns="45700" lIns="91425" spcFirstLastPara="1" rIns="91425" wrap="square" tIns="45700">
+          <a:bodyPr spcFirstLastPara="1" wrap="square" lIns="91425" tIns="45700" rIns="91425" bIns="45700" anchor="t" anchorCtr="0">
             <a:spAutoFit/>
           </a:bodyPr>
           <a:lstStyle/>
           <a:p>
-            <a:pPr indent="-457200" lvl="0" marL="457200" marR="0" rtl="0" algn="l">
+            <a:pPr marL="457200" marR="0" lvl="0" indent="-457200" algn="l" rtl="0">
               <a:lnSpc>
                 <a:spcPct val="100000"/>
               </a:lnSpc>
@@ -8475,7 +8723,7 @@
               </a:rPr>
               <a:t>Desafio ;)</a:t>
             </a:r>
-            <a:endParaRPr i="0" sz="2300" u="none" cap="none" strike="noStrike">
+            <a:endParaRPr sz="2300" i="0" u="none" strike="noStrike" cap="none">
               <a:solidFill>
                 <a:srgbClr val="073763"/>
               </a:solidFill>
@@ -8492,13 +8740,13 @@
   <p:clrMapOvr>
     <a:masterClrMapping/>
   </p:clrMapOvr>
-  <mc:AlternateContent>
+  <mc:AlternateContent xmlns:mc="http://schemas.openxmlformats.org/markup-compatibility/2006" xmlns:p14="http://schemas.microsoft.com/office/powerpoint/2010/main">
     <mc:Choice Requires="p14">
-      <p:transition spd="slow" p14:dur="700">
+      <p:transition spd="med" p14:dur="700">
         <p:fade/>
       </p:transition>
     </mc:Choice>
-    <mc:Fallback>
+    <mc:Fallback xmlns:ahyp="http://schemas.microsoft.com/office/drawing/2018/hyperlinkcolor" xmlns:p15="http://schemas.microsoft.com/office/powerpoint/2012/main" xmlns:com="http://schemas.openxmlformats.org/drawingml/2006/compatibility" xmlns:pvml="urn:schemas-microsoft-com:office:powerpoint" xmlns:v="urn:schemas-microsoft-com:vml" xmlns:o="urn:schemas-microsoft-com:office:office" xmlns:dgm="http://schemas.openxmlformats.org/drawingml/2006/diagram" xmlns:c="http://schemas.openxmlformats.org/drawingml/2006/chart" xmlns:mv="urn:schemas-microsoft-com:mac:vml" xmlns="">
       <p:transition spd="slow">
         <p:fade/>
       </p:transition>
@@ -8508,18 +8756,19 @@
 </file>
 
 <file path=ppt/slides/slide4.xml><?xml version="1.0" encoding="utf-8"?>
-<p:sld xmlns:a="http://schemas.openxmlformats.org/drawingml/2006/main" xmlns:r="http://schemas.openxmlformats.org/officeDocument/2006/relationships" xmlns:mc="http://schemas.openxmlformats.org/markup-compatibility/2006" xmlns:mv="urn:schemas-microsoft-com:mac:vml" xmlns:p="http://schemas.openxmlformats.org/presentationml/2006/main" xmlns:c="http://schemas.openxmlformats.org/drawingml/2006/chart" xmlns:dgm="http://schemas.openxmlformats.org/drawingml/2006/diagram" xmlns:o="urn:schemas-microsoft-com:office:office" xmlns:v="urn:schemas-microsoft-com:vml" xmlns:pvml="urn:schemas-microsoft-com:office:powerpoint" xmlns:com="http://schemas.openxmlformats.org/drawingml/2006/compatibility" xmlns:p14="http://schemas.microsoft.com/office/powerpoint/2010/main" xmlns:p15="http://schemas.microsoft.com/office/powerpoint/2012/main" xmlns:ahyp="http://schemas.microsoft.com/office/drawing/2018/hyperlinkcolor">
+<p:sld xmlns:a="http://schemas.openxmlformats.org/drawingml/2006/main" xmlns:r="http://schemas.openxmlformats.org/officeDocument/2006/relationships" xmlns:p="http://schemas.openxmlformats.org/presentationml/2006/main">
   <p:cSld>
     <p:bg>
       <p:bgPr>
         <a:solidFill>
           <a:srgbClr val="FFFFFF"/>
         </a:solidFill>
+        <a:effectLst/>
       </p:bgPr>
     </p:bg>
     <p:spTree>
       <p:nvGrpSpPr>
-        <p:cNvPr id="65" name="Shape 65"/>
+        <p:cNvPr id="1" name="Shape 65"/>
         <p:cNvGrpSpPr/>
         <p:nvPr/>
       </p:nvGrpSpPr>
@@ -8534,9 +8783,11 @@
       <p:sp>
         <p:nvSpPr>
           <p:cNvPr id="66" name="Google Shape;66;p3"/>
-          <p:cNvSpPr txBox="1"/>
+          <p:cNvSpPr txBox="1">
+            <a:spLocks noGrp="1"/>
+          </p:cNvSpPr>
           <p:nvPr>
-            <p:ph idx="1" type="subTitle"/>
+            <p:ph type="subTitle" idx="1"/>
           </p:nvPr>
         </p:nvSpPr>
         <p:spPr>
@@ -8553,12 +8804,12 @@
           </a:ln>
         </p:spPr>
         <p:txBody>
-          <a:bodyPr anchorCtr="0" anchor="ctr" bIns="91425" lIns="91425" spcFirstLastPara="1" rIns="91425" wrap="square" tIns="91425">
+          <a:bodyPr spcFirstLastPara="1" wrap="square" lIns="91425" tIns="91425" rIns="91425" bIns="91425" anchor="ctr" anchorCtr="0">
             <a:noAutofit/>
           </a:bodyPr>
           <a:lstStyle/>
           <a:p>
-            <a:pPr indent="0" lvl="0" marL="0" rtl="0" algn="ctr">
+            <a:pPr marL="0" lvl="0" indent="0" algn="ctr" rtl="0">
               <a:lnSpc>
                 <a:spcPct val="100000"/>
               </a:lnSpc>
@@ -8576,7 +8827,7 @@
               <a:buNone/>
             </a:pPr>
             <a:r>
-              <a:rPr b="1" lang="en-US" sz="4000">
+              <a:rPr lang="en-US" sz="4000" b="1">
                 <a:solidFill>
                   <a:srgbClr val="073763"/>
                 </a:solidFill>
@@ -8587,7 +8838,7 @@
               </a:rPr>
               <a:t>Desafio de Projeto</a:t>
             </a:r>
-            <a:endParaRPr b="1" sz="4000">
+            <a:endParaRPr sz="4000" b="1">
               <a:solidFill>
                 <a:srgbClr val="073763"/>
               </a:solidFill>
@@ -8609,7 +8860,7 @@
           <a:blip r:embed="rId3">
             <a:alphaModFix/>
           </a:blip>
-          <a:srcRect b="0" l="0" r="0" t="0"/>
+          <a:srcRect/>
           <a:stretch/>
         </p:blipFill>
         <p:spPr>
@@ -8629,9 +8880,11 @@
       <p:sp>
         <p:nvSpPr>
           <p:cNvPr id="68" name="Google Shape;68;p3"/>
-          <p:cNvSpPr txBox="1"/>
+          <p:cNvSpPr txBox="1">
+            <a:spLocks noGrp="1"/>
+          </p:cNvSpPr>
           <p:nvPr>
-            <p:ph idx="1" type="subTitle"/>
+            <p:ph type="subTitle" idx="1"/>
           </p:nvPr>
         </p:nvSpPr>
         <p:spPr>
@@ -8648,12 +8901,12 @@
           </a:ln>
         </p:spPr>
         <p:txBody>
-          <a:bodyPr anchorCtr="0" anchor="t" bIns="91425" lIns="91425" spcFirstLastPara="1" rIns="91425" wrap="square" tIns="91425">
+          <a:bodyPr spcFirstLastPara="1" wrap="square" lIns="91425" tIns="91425" rIns="91425" bIns="91425" anchor="t" anchorCtr="0">
             <a:noAutofit/>
           </a:bodyPr>
           <a:lstStyle/>
           <a:p>
-            <a:pPr indent="0" lvl="1" marL="0" rtl="0" algn="just">
+            <a:pPr marL="0" lvl="1" indent="0" algn="just" rtl="0">
               <a:lnSpc>
                 <a:spcPct val="100000"/>
               </a:lnSpc>
@@ -8692,7 +8945,7 @@
             </a:endParaRPr>
           </a:p>
           <a:p>
-            <a:pPr indent="0" lvl="1" marL="0" rtl="0" algn="just">
+            <a:pPr marL="0" lvl="1" indent="0" algn="just" rtl="0">
               <a:lnSpc>
                 <a:spcPct val="100000"/>
               </a:lnSpc>
@@ -8718,55 +8971,7 @@
                 <a:cs typeface="Century Gothic"/>
                 <a:sym typeface="Century Gothic"/>
               </a:rPr>
-              <a:t>Com isso, você poderá compartilhar suas anotações e exercícios em </a:t>
-            </a:r>
-            <a:r>
-              <a:rPr lang="en-US" sz="2400">
-                <a:solidFill>
-                  <a:srgbClr val="073763"/>
-                </a:solidFill>
-                <a:latin typeface="Century Gothic"/>
-                <a:ea typeface="Century Gothic"/>
-                <a:cs typeface="Century Gothic"/>
-                <a:sym typeface="Century Gothic"/>
-              </a:rPr>
-              <a:t>seu próprio repositório</a:t>
-            </a:r>
-            <a:r>
-              <a:rPr lang="en-US" sz="2400">
-                <a:solidFill>
-                  <a:srgbClr val="073763"/>
-                </a:solidFill>
-                <a:latin typeface="Century Gothic"/>
-                <a:ea typeface="Century Gothic"/>
-                <a:cs typeface="Century Gothic"/>
-                <a:sym typeface="Century Gothic"/>
-              </a:rPr>
-              <a:t>. Criando assim, o primeiro (de muitos) projetos do seu </a:t>
-            </a:r>
-            <a:r>
-              <a:rPr lang="en-US" sz="2400">
-                <a:solidFill>
-                  <a:srgbClr val="073763"/>
-                </a:solidFill>
-                <a:latin typeface="Century Gothic"/>
-                <a:ea typeface="Century Gothic"/>
-                <a:cs typeface="Century Gothic"/>
-                <a:sym typeface="Century Gothic"/>
-              </a:rPr>
-              <a:t>portfólio</a:t>
-            </a:r>
-            <a:r>
-              <a:rPr lang="en-US" sz="2400">
-                <a:solidFill>
-                  <a:srgbClr val="073763"/>
-                </a:solidFill>
-                <a:latin typeface="Century Gothic"/>
-                <a:ea typeface="Century Gothic"/>
-                <a:cs typeface="Century Gothic"/>
-                <a:sym typeface="Century Gothic"/>
-              </a:rPr>
-              <a:t> ;)</a:t>
+              <a:t>Com isso, você poderá compartilhar suas anotações e exercícios em seu próprio repositório. Criando assim, o primeiro (de muitos) projetos do seu portfólio ;)</a:t>
             </a:r>
             <a:endParaRPr sz="2400">
               <a:solidFill>
@@ -8797,23 +9002,23 @@
           <a:solidFill>
             <a:srgbClr val="F78321"/>
           </a:solidFill>
-          <a:ln cap="flat" cmpd="sng" w="9525">
+          <a:ln w="9525" cap="flat" cmpd="sng">
             <a:solidFill>
               <a:srgbClr val="F78321"/>
             </a:solidFill>
             <a:prstDash val="solid"/>
             <a:round/>
-            <a:headEnd len="sm" w="sm" type="none"/>
-            <a:tailEnd len="sm" w="sm" type="none"/>
+            <a:headEnd type="none" w="sm" len="sm"/>
+            <a:tailEnd type="none" w="sm" len="sm"/>
           </a:ln>
         </p:spPr>
         <p:txBody>
-          <a:bodyPr anchorCtr="0" anchor="ctr" bIns="91425" lIns="91425" spcFirstLastPara="1" rIns="91425" wrap="square" tIns="91425">
+          <a:bodyPr spcFirstLastPara="1" wrap="square" lIns="91425" tIns="91425" rIns="91425" bIns="91425" anchor="ctr" anchorCtr="0">
             <a:noAutofit/>
           </a:bodyPr>
           <a:lstStyle/>
           <a:p>
-            <a:pPr indent="0" lvl="0" marL="0" marR="0" rtl="0" algn="l">
+            <a:pPr marL="0" marR="0" lvl="0" indent="0" algn="l" rtl="0">
               <a:lnSpc>
                 <a:spcPct val="100000"/>
               </a:lnSpc>
@@ -8830,10 +9035,7 @@
               <a:buFont typeface="Arial"/>
               <a:buNone/>
             </a:pPr>
-            <a:r>
-              <a:t/>
-            </a:r>
-            <a:endParaRPr b="0" i="0" sz="1400" u="none" cap="none" strike="noStrike">
+            <a:endParaRPr sz="1400" b="0" i="0" u="none" strike="noStrike" cap="none">
               <a:solidFill>
                 <a:srgbClr val="000000"/>
               </a:solidFill>
@@ -8850,13 +9052,13 @@
   <p:clrMapOvr>
     <a:masterClrMapping/>
   </p:clrMapOvr>
-  <mc:AlternateContent>
+  <mc:AlternateContent xmlns:mc="http://schemas.openxmlformats.org/markup-compatibility/2006" xmlns:p14="http://schemas.microsoft.com/office/powerpoint/2010/main">
     <mc:Choice Requires="p14">
-      <p:transition spd="slow" p14:dur="700">
+      <p:transition spd="med" p14:dur="700">
         <p:fade/>
       </p:transition>
     </mc:Choice>
-    <mc:Fallback>
+    <mc:Fallback xmlns:ahyp="http://schemas.microsoft.com/office/drawing/2018/hyperlinkcolor" xmlns:p15="http://schemas.microsoft.com/office/powerpoint/2012/main" xmlns:com="http://schemas.openxmlformats.org/drawingml/2006/compatibility" xmlns:pvml="urn:schemas-microsoft-com:office:powerpoint" xmlns:v="urn:schemas-microsoft-com:vml" xmlns:o="urn:schemas-microsoft-com:office:office" xmlns:dgm="http://schemas.openxmlformats.org/drawingml/2006/diagram" xmlns:c="http://schemas.openxmlformats.org/drawingml/2006/chart" xmlns:mv="urn:schemas-microsoft-com:mac:vml" xmlns="">
       <p:transition spd="slow">
         <p:fade/>
       </p:transition>
@@ -8865,32 +9067,32 @@
   <p:timing>
     <p:tnLst>
       <p:par>
-        <p:cTn dur="indefinite" nodeType="tmRoot" restart="never">
+        <p:cTn id="1" dur="indefinite" restart="never" nodeType="tmRoot">
           <p:childTnLst>
             <p:seq concurrent="1" nextAc="seek">
-              <p:cTn dur="indefinite" id="2" nodeType="mainSeq">
+              <p:cTn id="2" dur="indefinite" nodeType="mainSeq">
                 <p:childTnLst>
                   <p:par>
-                    <p:cTn fill="hold">
+                    <p:cTn id="3" fill="hold">
                       <p:stCondLst>
                         <p:cond delay="indefinite"/>
                       </p:stCondLst>
                       <p:childTnLst>
                         <p:par>
-                          <p:cTn fill="hold">
+                          <p:cTn id="4" fill="hold">
                             <p:stCondLst>
                               <p:cond delay="0"/>
                             </p:stCondLst>
                             <p:childTnLst>
                               <p:par>
-                                <p:cTn fill="hold" nodeType="clickEffect" presetClass="entr" presetID="1" presetSubtype="0">
+                                <p:cTn id="5" presetID="1" presetClass="entr" presetSubtype="0" fill="hold" nodeType="clickEffect">
                                   <p:stCondLst>
                                     <p:cond delay="0"/>
                                   </p:stCondLst>
                                   <p:childTnLst>
                                     <p:set>
                                       <p:cBhvr>
-                                        <p:cTn dur="1" fill="hold">
+                                        <p:cTn id="6" dur="1" fill="hold">
                                           <p:stCondLst>
                                             <p:cond delay="0"/>
                                           </p:stCondLst>
@@ -8898,7 +9100,7 @@
                                         <p:tgtEl>
                                           <p:spTgt spid="68">
                                             <p:txEl>
-                                              <p:pRg end="0" st="0"/>
+                                              <p:pRg st="0" end="0"/>
                                             </p:txEl>
                                           </p:spTgt>
                                         </p:tgtEl>
@@ -8920,26 +9122,26 @@
                     </p:cTn>
                   </p:par>
                   <p:par>
-                    <p:cTn fill="hold">
+                    <p:cTn id="7" fill="hold">
                       <p:stCondLst>
                         <p:cond delay="indefinite"/>
                       </p:stCondLst>
                       <p:childTnLst>
                         <p:par>
-                          <p:cTn fill="hold">
+                          <p:cTn id="8" fill="hold">
                             <p:stCondLst>
                               <p:cond delay="0"/>
                             </p:stCondLst>
                             <p:childTnLst>
                               <p:par>
-                                <p:cTn fill="hold" nodeType="clickEffect" presetClass="entr" presetID="1" presetSubtype="0">
+                                <p:cTn id="9" presetID="1" presetClass="entr" presetSubtype="0" fill="hold" nodeType="clickEffect">
                                   <p:stCondLst>
                                     <p:cond delay="0"/>
                                   </p:stCondLst>
                                   <p:childTnLst>
                                     <p:set>
                                       <p:cBhvr>
-                                        <p:cTn dur="1" fill="hold">
+                                        <p:cTn id="10" dur="1" fill="hold">
                                           <p:stCondLst>
                                             <p:cond delay="0"/>
                                           </p:stCondLst>
@@ -8947,7 +9149,7 @@
                                         <p:tgtEl>
                                           <p:spTgt spid="68">
                                             <p:txEl>
-                                              <p:pRg end="1" st="1"/>
+                                              <p:pRg st="1" end="1"/>
                                             </p:txEl>
                                           </p:spTgt>
                                         </p:tgtEl>
@@ -8971,14 +9173,14 @@
                 </p:childTnLst>
               </p:cTn>
               <p:prevCondLst>
-                <p:cond evt="onPrev">
+                <p:cond evt="onPrev" delay="0">
                   <p:tgtEl>
                     <p:sldTgt/>
                   </p:tgtEl>
                 </p:cond>
               </p:prevCondLst>
               <p:nextCondLst>
-                <p:cond evt="onNext">
+                <p:cond evt="onNext" delay="0">
                   <p:tgtEl>
                     <p:sldTgt/>
                   </p:tgtEl>
@@ -8994,18 +9196,19 @@
 </file>
 
 <file path=ppt/slides/slide5.xml><?xml version="1.0" encoding="utf-8"?>
-<p:sld xmlns:a="http://schemas.openxmlformats.org/drawingml/2006/main" xmlns:r="http://schemas.openxmlformats.org/officeDocument/2006/relationships" xmlns:mc="http://schemas.openxmlformats.org/markup-compatibility/2006" xmlns:mv="urn:schemas-microsoft-com:mac:vml" xmlns:p="http://schemas.openxmlformats.org/presentationml/2006/main" xmlns:c="http://schemas.openxmlformats.org/drawingml/2006/chart" xmlns:dgm="http://schemas.openxmlformats.org/drawingml/2006/diagram" xmlns:o="urn:schemas-microsoft-com:office:office" xmlns:v="urn:schemas-microsoft-com:vml" xmlns:pvml="urn:schemas-microsoft-com:office:powerpoint" xmlns:com="http://schemas.openxmlformats.org/drawingml/2006/compatibility" xmlns:p14="http://schemas.microsoft.com/office/powerpoint/2010/main" xmlns:p15="http://schemas.microsoft.com/office/powerpoint/2012/main" xmlns:ahyp="http://schemas.microsoft.com/office/drawing/2018/hyperlinkcolor">
+<p:sld xmlns:a="http://schemas.openxmlformats.org/drawingml/2006/main" xmlns:r="http://schemas.openxmlformats.org/officeDocument/2006/relationships" xmlns:p="http://schemas.openxmlformats.org/presentationml/2006/main">
   <p:cSld>
     <p:bg>
       <p:bgPr>
         <a:solidFill>
           <a:srgbClr val="FFFFFF"/>
         </a:solidFill>
+        <a:effectLst/>
       </p:bgPr>
     </p:bg>
     <p:spTree>
       <p:nvGrpSpPr>
-        <p:cNvPr id="73" name="Shape 73"/>
+        <p:cNvPr id="1" name="Shape 73"/>
         <p:cNvGrpSpPr/>
         <p:nvPr/>
       </p:nvGrpSpPr>
@@ -9020,9 +9223,11 @@
       <p:sp>
         <p:nvSpPr>
           <p:cNvPr id="74" name="Google Shape;74;p4"/>
-          <p:cNvSpPr txBox="1"/>
+          <p:cNvSpPr txBox="1">
+            <a:spLocks noGrp="1"/>
+          </p:cNvSpPr>
           <p:nvPr>
-            <p:ph idx="1" type="subTitle"/>
+            <p:ph type="subTitle" idx="1"/>
           </p:nvPr>
         </p:nvSpPr>
         <p:spPr>
@@ -9039,12 +9244,12 @@
           </a:ln>
         </p:spPr>
         <p:txBody>
-          <a:bodyPr anchorCtr="0" anchor="ctr" bIns="91425" lIns="91425" spcFirstLastPara="1" rIns="91425" wrap="square" tIns="91425">
+          <a:bodyPr spcFirstLastPara="1" wrap="square" lIns="91425" tIns="91425" rIns="91425" bIns="91425" anchor="ctr" anchorCtr="0">
             <a:noAutofit/>
           </a:bodyPr>
           <a:lstStyle/>
           <a:p>
-            <a:pPr indent="0" lvl="0" marL="0" rtl="0" algn="ctr">
+            <a:pPr marL="0" lvl="0" indent="0" algn="ctr" rtl="0">
               <a:lnSpc>
                 <a:spcPct val="100000"/>
               </a:lnSpc>
@@ -9062,7 +9267,7 @@
               <a:buNone/>
             </a:pPr>
             <a:r>
-              <a:rPr b="1" lang="en-US" sz="4000">
+              <a:rPr lang="en-US" sz="4000" b="1">
                 <a:solidFill>
                   <a:srgbClr val="073763"/>
                 </a:solidFill>
@@ -9073,7 +9278,7 @@
               </a:rPr>
               <a:t>Requisitos</a:t>
             </a:r>
-            <a:endParaRPr b="1" sz="4000">
+            <a:endParaRPr sz="4000" b="1">
               <a:solidFill>
                 <a:srgbClr val="073763"/>
               </a:solidFill>
@@ -9095,7 +9300,7 @@
           <a:blip r:embed="rId3">
             <a:alphaModFix/>
           </a:blip>
-          <a:srcRect b="0" l="0" r="0" t="0"/>
+          <a:srcRect/>
           <a:stretch/>
         </p:blipFill>
         <p:spPr>
@@ -9115,9 +9320,11 @@
       <p:sp>
         <p:nvSpPr>
           <p:cNvPr id="76" name="Google Shape;76;p4"/>
-          <p:cNvSpPr txBox="1"/>
+          <p:cNvSpPr txBox="1">
+            <a:spLocks noGrp="1"/>
+          </p:cNvSpPr>
           <p:nvPr>
-            <p:ph idx="1" type="subTitle"/>
+            <p:ph type="subTitle" idx="1"/>
           </p:nvPr>
         </p:nvSpPr>
         <p:spPr>
@@ -9134,12 +9341,12 @@
           </a:ln>
         </p:spPr>
         <p:txBody>
-          <a:bodyPr anchorCtr="0" anchor="ctr" bIns="91425" lIns="91425" spcFirstLastPara="1" rIns="91425" wrap="square" tIns="91425">
+          <a:bodyPr spcFirstLastPara="1" wrap="square" lIns="91425" tIns="91425" rIns="91425" bIns="91425" anchor="ctr" anchorCtr="0">
             <a:noAutofit/>
           </a:bodyPr>
           <a:lstStyle/>
           <a:p>
-            <a:pPr indent="-361950" lvl="0" marL="457200" rtl="0" algn="l">
+            <a:pPr marL="457200" lvl="0" indent="-361950" algn="l" rtl="0">
               <a:lnSpc>
                 <a:spcPct val="115000"/>
               </a:lnSpc>
@@ -9179,7 +9386,7 @@
             </a:endParaRPr>
           </a:p>
           <a:p>
-            <a:pPr indent="-450850" lvl="1" marL="914400" rtl="0" algn="l">
+            <a:pPr marL="914400" lvl="1" indent="-450850" algn="l" rtl="0">
               <a:lnSpc>
                 <a:spcPct val="200000"/>
               </a:lnSpc>
@@ -9232,7 +9439,7 @@
             </a:endParaRPr>
           </a:p>
           <a:p>
-            <a:pPr indent="-361950" lvl="0" marL="457200" rtl="0" algn="l">
+            <a:pPr marL="457200" lvl="0" indent="-361950" algn="l" rtl="0">
               <a:lnSpc>
                 <a:spcPct val="200000"/>
               </a:lnSpc>
@@ -9262,7 +9469,7 @@
               <a:t>Git devidamente instalado (usaremos o </a:t>
             </a:r>
             <a:r>
-              <a:rPr i="1" lang="en-US" sz="2100">
+              <a:rPr lang="en-US" sz="2100" i="1">
                 <a:solidFill>
                   <a:srgbClr val="073763"/>
                 </a:solidFill>
@@ -9296,7 +9503,7 @@
             </a:endParaRPr>
           </a:p>
           <a:p>
-            <a:pPr indent="-361950" lvl="0" marL="457200" rtl="0" algn="l">
+            <a:pPr marL="457200" lvl="0" indent="-361950" algn="l" rtl="0">
               <a:lnSpc>
                 <a:spcPct val="200000"/>
               </a:lnSpc>
@@ -9354,23 +9561,23 @@
           <a:solidFill>
             <a:srgbClr val="F78321"/>
           </a:solidFill>
-          <a:ln cap="flat" cmpd="sng" w="9525">
+          <a:ln w="9525" cap="flat" cmpd="sng">
             <a:solidFill>
               <a:srgbClr val="F78321"/>
             </a:solidFill>
             <a:prstDash val="solid"/>
             <a:round/>
-            <a:headEnd len="sm" w="sm" type="none"/>
-            <a:tailEnd len="sm" w="sm" type="none"/>
+            <a:headEnd type="none" w="sm" len="sm"/>
+            <a:tailEnd type="none" w="sm" len="sm"/>
           </a:ln>
         </p:spPr>
         <p:txBody>
-          <a:bodyPr anchorCtr="0" anchor="ctr" bIns="91425" lIns="91425" spcFirstLastPara="1" rIns="91425" wrap="square" tIns="91425">
+          <a:bodyPr spcFirstLastPara="1" wrap="square" lIns="91425" tIns="91425" rIns="91425" bIns="91425" anchor="ctr" anchorCtr="0">
             <a:noAutofit/>
           </a:bodyPr>
           <a:lstStyle/>
           <a:p>
-            <a:pPr indent="0" lvl="0" marL="0" marR="0" rtl="0" algn="l">
+            <a:pPr marL="0" marR="0" lvl="0" indent="0" algn="l" rtl="0">
               <a:lnSpc>
                 <a:spcPct val="100000"/>
               </a:lnSpc>
@@ -9387,10 +9594,7 @@
               <a:buFont typeface="Arial"/>
               <a:buNone/>
             </a:pPr>
-            <a:r>
-              <a:t/>
-            </a:r>
-            <a:endParaRPr b="0" i="0" sz="1400" u="none" cap="none" strike="noStrike">
+            <a:endParaRPr sz="1400" b="0" i="0" u="none" strike="noStrike" cap="none">
               <a:solidFill>
                 <a:srgbClr val="000000"/>
               </a:solidFill>
@@ -9407,13 +9611,13 @@
   <p:clrMapOvr>
     <a:masterClrMapping/>
   </p:clrMapOvr>
-  <mc:AlternateContent>
+  <mc:AlternateContent xmlns:mc="http://schemas.openxmlformats.org/markup-compatibility/2006" xmlns:p14="http://schemas.microsoft.com/office/powerpoint/2010/main">
     <mc:Choice Requires="p14">
-      <p:transition spd="slow" p14:dur="700">
+      <p:transition spd="med" p14:dur="700">
         <p:fade/>
       </p:transition>
     </mc:Choice>
-    <mc:Fallback>
+    <mc:Fallback xmlns:ahyp="http://schemas.microsoft.com/office/drawing/2018/hyperlinkcolor" xmlns:p15="http://schemas.microsoft.com/office/powerpoint/2012/main" xmlns:com="http://schemas.openxmlformats.org/drawingml/2006/compatibility" xmlns:pvml="urn:schemas-microsoft-com:office:powerpoint" xmlns:v="urn:schemas-microsoft-com:vml" xmlns:o="urn:schemas-microsoft-com:office:office" xmlns:dgm="http://schemas.openxmlformats.org/drawingml/2006/diagram" xmlns:c="http://schemas.openxmlformats.org/drawingml/2006/chart" xmlns:mv="urn:schemas-microsoft-com:mac:vml" xmlns="">
       <p:transition spd="slow">
         <p:fade/>
       </p:transition>
@@ -9422,32 +9626,32 @@
   <p:timing>
     <p:tnLst>
       <p:par>
-        <p:cTn dur="indefinite" nodeType="tmRoot" restart="never">
+        <p:cTn id="1" dur="indefinite" restart="never" nodeType="tmRoot">
           <p:childTnLst>
             <p:seq concurrent="1" nextAc="seek">
-              <p:cTn dur="indefinite" id="2" nodeType="mainSeq">
+              <p:cTn id="2" dur="indefinite" nodeType="mainSeq">
                 <p:childTnLst>
                   <p:par>
-                    <p:cTn fill="hold">
+                    <p:cTn id="3" fill="hold">
                       <p:stCondLst>
                         <p:cond delay="indefinite"/>
                       </p:stCondLst>
                       <p:childTnLst>
                         <p:par>
-                          <p:cTn fill="hold">
+                          <p:cTn id="4" fill="hold">
                             <p:stCondLst>
                               <p:cond delay="0"/>
                             </p:stCondLst>
                             <p:childTnLst>
                               <p:par>
-                                <p:cTn fill="hold" nodeType="clickEffect" presetClass="entr" presetID="1" presetSubtype="0">
+                                <p:cTn id="5" presetID="1" presetClass="entr" presetSubtype="0" fill="hold" nodeType="clickEffect">
                                   <p:stCondLst>
                                     <p:cond delay="0"/>
                                   </p:stCondLst>
                                   <p:childTnLst>
                                     <p:set>
                                       <p:cBhvr>
-                                        <p:cTn dur="1" fill="hold">
+                                        <p:cTn id="6" dur="1" fill="hold">
                                           <p:stCondLst>
                                             <p:cond delay="0"/>
                                           </p:stCondLst>
@@ -9455,7 +9659,7 @@
                                         <p:tgtEl>
                                           <p:spTgt spid="76">
                                             <p:txEl>
-                                              <p:pRg end="0" st="0"/>
+                                              <p:pRg st="0" end="0"/>
                                             </p:txEl>
                                           </p:spTgt>
                                         </p:tgtEl>
@@ -9477,26 +9681,26 @@
                     </p:cTn>
                   </p:par>
                   <p:par>
-                    <p:cTn fill="hold">
+                    <p:cTn id="7" fill="hold">
                       <p:stCondLst>
                         <p:cond delay="indefinite"/>
                       </p:stCondLst>
                       <p:childTnLst>
                         <p:par>
-                          <p:cTn fill="hold">
+                          <p:cTn id="8" fill="hold">
                             <p:stCondLst>
                               <p:cond delay="0"/>
                             </p:stCondLst>
                             <p:childTnLst>
                               <p:par>
-                                <p:cTn fill="hold" nodeType="clickEffect" presetClass="entr" presetID="1" presetSubtype="0">
+                                <p:cTn id="9" presetID="1" presetClass="entr" presetSubtype="0" fill="hold" nodeType="clickEffect">
                                   <p:stCondLst>
                                     <p:cond delay="0"/>
                                   </p:stCondLst>
                                   <p:childTnLst>
                                     <p:set>
                                       <p:cBhvr>
-                                        <p:cTn dur="1" fill="hold">
+                                        <p:cTn id="10" dur="1" fill="hold">
                                           <p:stCondLst>
                                             <p:cond delay="0"/>
                                           </p:stCondLst>
@@ -9504,7 +9708,7 @@
                                         <p:tgtEl>
                                           <p:spTgt spid="76">
                                             <p:txEl>
-                                              <p:pRg end="1" st="1"/>
+                                              <p:pRg st="1" end="1"/>
                                             </p:txEl>
                                           </p:spTgt>
                                         </p:tgtEl>
@@ -9526,26 +9730,26 @@
                     </p:cTn>
                   </p:par>
                   <p:par>
-                    <p:cTn fill="hold">
+                    <p:cTn id="11" fill="hold">
                       <p:stCondLst>
                         <p:cond delay="indefinite"/>
                       </p:stCondLst>
                       <p:childTnLst>
                         <p:par>
-                          <p:cTn fill="hold">
+                          <p:cTn id="12" fill="hold">
                             <p:stCondLst>
                               <p:cond delay="0"/>
                             </p:stCondLst>
                             <p:childTnLst>
                               <p:par>
-                                <p:cTn fill="hold" nodeType="clickEffect" presetClass="entr" presetID="1" presetSubtype="0">
+                                <p:cTn id="13" presetID="1" presetClass="entr" presetSubtype="0" fill="hold" nodeType="clickEffect">
                                   <p:stCondLst>
                                     <p:cond delay="0"/>
                                   </p:stCondLst>
                                   <p:childTnLst>
                                     <p:set>
                                       <p:cBhvr>
-                                        <p:cTn dur="1" fill="hold">
+                                        <p:cTn id="14" dur="1" fill="hold">
                                           <p:stCondLst>
                                             <p:cond delay="0"/>
                                           </p:stCondLst>
@@ -9553,7 +9757,7 @@
                                         <p:tgtEl>
                                           <p:spTgt spid="76">
                                             <p:txEl>
-                                              <p:pRg end="2" st="2"/>
+                                              <p:pRg st="2" end="2"/>
                                             </p:txEl>
                                           </p:spTgt>
                                         </p:tgtEl>
@@ -9575,26 +9779,26 @@
                     </p:cTn>
                   </p:par>
                   <p:par>
-                    <p:cTn fill="hold">
+                    <p:cTn id="15" fill="hold">
                       <p:stCondLst>
                         <p:cond delay="indefinite"/>
                       </p:stCondLst>
                       <p:childTnLst>
                         <p:par>
-                          <p:cTn fill="hold">
+                          <p:cTn id="16" fill="hold">
                             <p:stCondLst>
                               <p:cond delay="0"/>
                             </p:stCondLst>
                             <p:childTnLst>
                               <p:par>
-                                <p:cTn fill="hold" nodeType="clickEffect" presetClass="entr" presetID="1" presetSubtype="0">
+                                <p:cTn id="17" presetID="1" presetClass="entr" presetSubtype="0" fill="hold" nodeType="clickEffect">
                                   <p:stCondLst>
                                     <p:cond delay="0"/>
                                   </p:stCondLst>
                                   <p:childTnLst>
                                     <p:set>
                                       <p:cBhvr>
-                                        <p:cTn dur="1" fill="hold">
+                                        <p:cTn id="18" dur="1" fill="hold">
                                           <p:stCondLst>
                                             <p:cond delay="0"/>
                                           </p:stCondLst>
@@ -9602,7 +9806,7 @@
                                         <p:tgtEl>
                                           <p:spTgt spid="76">
                                             <p:txEl>
-                                              <p:pRg end="3" st="3"/>
+                                              <p:pRg st="3" end="3"/>
                                             </p:txEl>
                                           </p:spTgt>
                                         </p:tgtEl>
@@ -9626,14 +9830,14 @@
                 </p:childTnLst>
               </p:cTn>
               <p:prevCondLst>
-                <p:cond evt="onPrev">
+                <p:cond evt="onPrev" delay="0">
                   <p:tgtEl>
                     <p:sldTgt/>
                   </p:tgtEl>
                 </p:cond>
               </p:prevCondLst>
               <p:nextCondLst>
-                <p:cond evt="onNext">
+                <p:cond evt="onNext" delay="0">
                   <p:tgtEl>
                     <p:sldTgt/>
                   </p:tgtEl>
@@ -9649,18 +9853,19 @@
 </file>
 
 <file path=ppt/slides/slide6.xml><?xml version="1.0" encoding="utf-8"?>
-<p:sld xmlns:a="http://schemas.openxmlformats.org/drawingml/2006/main" xmlns:r="http://schemas.openxmlformats.org/officeDocument/2006/relationships" xmlns:mc="http://schemas.openxmlformats.org/markup-compatibility/2006" xmlns:mv="urn:schemas-microsoft-com:mac:vml" xmlns:p="http://schemas.openxmlformats.org/presentationml/2006/main" xmlns:c="http://schemas.openxmlformats.org/drawingml/2006/chart" xmlns:dgm="http://schemas.openxmlformats.org/drawingml/2006/diagram" xmlns:o="urn:schemas-microsoft-com:office:office" xmlns:v="urn:schemas-microsoft-com:vml" xmlns:pvml="urn:schemas-microsoft-com:office:powerpoint" xmlns:com="http://schemas.openxmlformats.org/drawingml/2006/compatibility" xmlns:p14="http://schemas.microsoft.com/office/powerpoint/2010/main" xmlns:p15="http://schemas.microsoft.com/office/powerpoint/2012/main" xmlns:ahyp="http://schemas.microsoft.com/office/drawing/2018/hyperlinkcolor">
+<p:sld xmlns:a="http://schemas.openxmlformats.org/drawingml/2006/main" xmlns:r="http://schemas.openxmlformats.org/officeDocument/2006/relationships" xmlns:p="http://schemas.openxmlformats.org/presentationml/2006/main">
   <p:cSld>
     <p:bg>
       <p:bgPr>
         <a:solidFill>
           <a:srgbClr val="FFFFFF"/>
         </a:solidFill>
+        <a:effectLst/>
       </p:bgPr>
     </p:bg>
     <p:spTree>
       <p:nvGrpSpPr>
-        <p:cNvPr id="81" name="Shape 81"/>
+        <p:cNvPr id="1" name="Shape 81"/>
         <p:cNvGrpSpPr/>
         <p:nvPr/>
       </p:nvGrpSpPr>
@@ -9675,9 +9880,11 @@
       <p:sp>
         <p:nvSpPr>
           <p:cNvPr id="82" name="Google Shape;82;gb816951194_0_7"/>
-          <p:cNvSpPr txBox="1"/>
+          <p:cNvSpPr txBox="1">
+            <a:spLocks noGrp="1"/>
+          </p:cNvSpPr>
           <p:nvPr>
-            <p:ph idx="1" type="subTitle"/>
+            <p:ph type="subTitle" idx="1"/>
           </p:nvPr>
         </p:nvSpPr>
         <p:spPr>
@@ -9694,12 +9901,12 @@
           </a:ln>
         </p:spPr>
         <p:txBody>
-          <a:bodyPr anchorCtr="0" anchor="ctr" bIns="91425" lIns="91425" spcFirstLastPara="1" rIns="91425" wrap="square" tIns="91425">
+          <a:bodyPr spcFirstLastPara="1" wrap="square" lIns="91425" tIns="91425" rIns="91425" bIns="91425" anchor="ctr" anchorCtr="0">
             <a:noAutofit/>
           </a:bodyPr>
           <a:lstStyle/>
           <a:p>
-            <a:pPr indent="0" lvl="0" marL="0" rtl="0" algn="ctr">
+            <a:pPr marL="0" lvl="0" indent="0" algn="ctr" rtl="0">
               <a:lnSpc>
                 <a:spcPct val="100000"/>
               </a:lnSpc>
@@ -9717,7 +9924,7 @@
               <a:buNone/>
             </a:pPr>
             <a:r>
-              <a:rPr b="1" lang="en-US" sz="4000">
+              <a:rPr lang="en-US" sz="4000" b="1">
                 <a:solidFill>
                   <a:srgbClr val="073763"/>
                 </a:solidFill>
@@ -9728,7 +9935,7 @@
               </a:rPr>
               <a:t>Percurso</a:t>
             </a:r>
-            <a:endParaRPr b="1" sz="4000">
+            <a:endParaRPr sz="4000" b="1">
               <a:solidFill>
                 <a:srgbClr val="073763"/>
               </a:solidFill>
@@ -9750,7 +9957,7 @@
           <a:blip r:embed="rId3">
             <a:alphaModFix/>
           </a:blip>
-          <a:srcRect b="0" l="0" r="0" t="0"/>
+          <a:srcRect/>
           <a:stretch/>
         </p:blipFill>
         <p:spPr>
@@ -9770,9 +9977,11 @@
       <p:sp>
         <p:nvSpPr>
           <p:cNvPr id="84" name="Google Shape;84;gb816951194_0_7"/>
-          <p:cNvSpPr txBox="1"/>
+          <p:cNvSpPr txBox="1">
+            <a:spLocks noGrp="1"/>
+          </p:cNvSpPr>
           <p:nvPr>
-            <p:ph idx="1" type="subTitle"/>
+            <p:ph type="subTitle" idx="1"/>
           </p:nvPr>
         </p:nvSpPr>
         <p:spPr>
@@ -9791,12 +10000,12 @@
           </a:ln>
         </p:spPr>
         <p:txBody>
-          <a:bodyPr anchorCtr="0" anchor="ctr" bIns="91425" lIns="91425" spcFirstLastPara="1" rIns="91425" wrap="square" tIns="91425">
+          <a:bodyPr spcFirstLastPara="1" wrap="square" lIns="91425" tIns="91425" rIns="91425" bIns="91425" anchor="ctr" anchorCtr="0">
             <a:noAutofit/>
           </a:bodyPr>
           <a:lstStyle/>
           <a:p>
-            <a:pPr indent="0" lvl="1" marL="0" rtl="0" algn="ctr">
+            <a:pPr marL="0" lvl="1" indent="0" algn="ctr" rtl="0">
               <a:lnSpc>
                 <a:spcPct val="100000"/>
               </a:lnSpc>
@@ -9850,23 +10059,23 @@
           <a:solidFill>
             <a:srgbClr val="F78321"/>
           </a:solidFill>
-          <a:ln cap="flat" cmpd="sng" w="9525">
+          <a:ln w="9525" cap="flat" cmpd="sng">
             <a:solidFill>
               <a:srgbClr val="F78321"/>
             </a:solidFill>
             <a:prstDash val="solid"/>
             <a:round/>
-            <a:headEnd len="sm" w="sm" type="none"/>
-            <a:tailEnd len="sm" w="sm" type="none"/>
+            <a:headEnd type="none" w="sm" len="sm"/>
+            <a:tailEnd type="none" w="sm" len="sm"/>
           </a:ln>
         </p:spPr>
         <p:txBody>
-          <a:bodyPr anchorCtr="0" anchor="ctr" bIns="91425" lIns="91425" spcFirstLastPara="1" rIns="91425" wrap="square" tIns="91425">
+          <a:bodyPr spcFirstLastPara="1" wrap="square" lIns="91425" tIns="91425" rIns="91425" bIns="91425" anchor="ctr" anchorCtr="0">
             <a:noAutofit/>
           </a:bodyPr>
           <a:lstStyle/>
           <a:p>
-            <a:pPr indent="0" lvl="0" marL="0" marR="0" rtl="0" algn="l">
+            <a:pPr marL="0" marR="0" lvl="0" indent="0" algn="l" rtl="0">
               <a:lnSpc>
                 <a:spcPct val="100000"/>
               </a:lnSpc>
@@ -9883,10 +10092,7 @@
               <a:buFont typeface="Arial"/>
               <a:buNone/>
             </a:pPr>
-            <a:r>
-              <a:t/>
-            </a:r>
-            <a:endParaRPr b="0" i="0" sz="1400" u="none" cap="none" strike="noStrike">
+            <a:endParaRPr sz="1400" b="0" i="0" u="none" strike="noStrike" cap="none">
               <a:solidFill>
                 <a:srgbClr val="000000"/>
               </a:solidFill>
@@ -9918,12 +10124,12 @@
           </a:ln>
         </p:spPr>
         <p:txBody>
-          <a:bodyPr anchorCtr="0" anchor="t" bIns="45700" lIns="91425" spcFirstLastPara="1" rIns="91425" wrap="square" tIns="45700">
+          <a:bodyPr spcFirstLastPara="1" wrap="square" lIns="91425" tIns="45700" rIns="91425" bIns="45700" anchor="t" anchorCtr="0">
             <a:noAutofit/>
           </a:bodyPr>
           <a:lstStyle/>
           <a:p>
-            <a:pPr indent="-457200" lvl="0" marL="457200" marR="0" rtl="0" algn="l">
+            <a:pPr marL="457200" marR="0" lvl="0" indent="-457200" algn="l" rtl="0">
               <a:lnSpc>
                 <a:spcPct val="100000"/>
               </a:lnSpc>
@@ -9952,7 +10158,7 @@
               </a:rPr>
               <a:t>Introdução</a:t>
             </a:r>
-            <a:endParaRPr i="0" sz="2300" u="none" cap="none">
+            <a:endParaRPr sz="2300" i="0" u="none" cap="none">
               <a:solidFill>
                 <a:srgbClr val="073763"/>
               </a:solidFill>
@@ -9986,12 +10192,12 @@
           </a:ln>
         </p:spPr>
         <p:txBody>
-          <a:bodyPr anchorCtr="0" anchor="ctr" bIns="91425" lIns="91425" spcFirstLastPara="1" rIns="91425" wrap="square" tIns="91425">
+          <a:bodyPr spcFirstLastPara="1" wrap="square" lIns="91425" tIns="91425" rIns="91425" bIns="91425" anchor="ctr" anchorCtr="0">
             <a:noAutofit/>
           </a:bodyPr>
           <a:lstStyle/>
           <a:p>
-            <a:pPr indent="0" lvl="1" marL="0" marR="0" rtl="0" algn="ctr">
+            <a:pPr marL="0" marR="0" lvl="1" indent="0" algn="ctr" rtl="0">
               <a:lnSpc>
                 <a:spcPct val="100000"/>
               </a:lnSpc>
@@ -10009,7 +10215,7 @@
               <a:buNone/>
             </a:pPr>
             <a:r>
-              <a:rPr b="1" lang="en-US" sz="2400">
+              <a:rPr lang="en-US" sz="2400" b="1">
                 <a:solidFill>
                   <a:schemeClr val="lt1"/>
                 </a:solidFill>
@@ -10021,7 +10227,7 @@
               <a:t>Passo </a:t>
             </a:r>
             <a:r>
-              <a:rPr b="1" i="0" lang="en-US" sz="2400" u="none" cap="none" strike="noStrike">
+              <a:rPr lang="en-US" sz="2400" b="1" i="0" u="none" strike="noStrike" cap="none">
                 <a:solidFill>
                   <a:schemeClr val="lt1"/>
                 </a:solidFill>
@@ -10032,7 +10238,7 @@
               </a:rPr>
               <a:t>2</a:t>
             </a:r>
-            <a:endParaRPr b="1" i="0" sz="2400" u="none" cap="none" strike="noStrike">
+            <a:endParaRPr sz="2400" b="1" i="0" u="none" strike="noStrike" cap="none">
               <a:solidFill>
                 <a:srgbClr val="000000"/>
               </a:solidFill>
@@ -10064,12 +10270,12 @@
           </a:ln>
         </p:spPr>
         <p:txBody>
-          <a:bodyPr anchorCtr="0" anchor="t" bIns="45700" lIns="91425" spcFirstLastPara="1" rIns="91425" wrap="square" tIns="45700">
+          <a:bodyPr spcFirstLastPara="1" wrap="square" lIns="91425" tIns="45700" rIns="91425" bIns="45700" anchor="t" anchorCtr="0">
             <a:noAutofit/>
           </a:bodyPr>
           <a:lstStyle/>
           <a:p>
-            <a:pPr indent="-457200" lvl="0" marL="457200" marR="0" rtl="0" algn="l">
+            <a:pPr marL="457200" marR="0" lvl="0" indent="-457200" algn="l" rtl="0">
               <a:lnSpc>
                 <a:spcPct val="100000"/>
               </a:lnSpc>
@@ -10087,7 +10293,7 @@
               <a:buNone/>
             </a:pPr>
             <a:r>
-              <a:rPr b="1" lang="en-US" sz="2300">
+              <a:rPr lang="en-US" sz="2300" b="1">
                 <a:solidFill>
                   <a:srgbClr val="073763"/>
                 </a:solidFill>
@@ -10098,7 +10304,7 @@
               </a:rPr>
               <a:t>Git/GitHub: Relembrando algumas coisinhas</a:t>
             </a:r>
-            <a:endParaRPr b="1" i="0" sz="2300" u="none" cap="none" strike="noStrike">
+            <a:endParaRPr sz="2300" b="1" i="0" u="none" strike="noStrike" cap="none">
               <a:solidFill>
                 <a:srgbClr val="073763"/>
               </a:solidFill>
@@ -10132,12 +10338,12 @@
           </a:ln>
         </p:spPr>
         <p:txBody>
-          <a:bodyPr anchorCtr="0" anchor="ctr" bIns="91425" lIns="91425" spcFirstLastPara="1" rIns="91425" wrap="square" tIns="91425">
+          <a:bodyPr spcFirstLastPara="1" wrap="square" lIns="91425" tIns="91425" rIns="91425" bIns="91425" anchor="ctr" anchorCtr="0">
             <a:noAutofit/>
           </a:bodyPr>
           <a:lstStyle/>
           <a:p>
-            <a:pPr indent="0" lvl="1" marL="0" marR="0" rtl="0" algn="ctr">
+            <a:pPr marL="0" marR="0" lvl="1" indent="0" algn="ctr" rtl="0">
               <a:lnSpc>
                 <a:spcPct val="100000"/>
               </a:lnSpc>
@@ -10167,7 +10373,7 @@
               <a:t>Passo </a:t>
             </a:r>
             <a:r>
-              <a:rPr i="0" lang="en-US" sz="2400" u="none" cap="none" strike="noStrike">
+              <a:rPr lang="en-US" sz="2400" i="0" u="none" strike="noStrike" cap="none">
                 <a:solidFill>
                   <a:schemeClr val="lt1"/>
                 </a:solidFill>
@@ -10178,7 +10384,7 @@
               </a:rPr>
               <a:t>3</a:t>
             </a:r>
-            <a:endParaRPr i="0" sz="2400" u="none" cap="none" strike="noStrike">
+            <a:endParaRPr sz="2400" i="0" u="none" strike="noStrike" cap="none">
               <a:solidFill>
                 <a:srgbClr val="000000"/>
               </a:solidFill>
@@ -10210,12 +10416,12 @@
           </a:ln>
         </p:spPr>
         <p:txBody>
-          <a:bodyPr anchorCtr="0" anchor="t" bIns="45700" lIns="91425" spcFirstLastPara="1" rIns="91425" wrap="square" tIns="45700">
+          <a:bodyPr spcFirstLastPara="1" wrap="square" lIns="91425" tIns="45700" rIns="91425" bIns="45700" anchor="t" anchorCtr="0">
             <a:noAutofit/>
           </a:bodyPr>
           <a:lstStyle/>
           <a:p>
-            <a:pPr indent="-457200" lvl="0" marL="457200" marR="0" rtl="0" algn="l">
+            <a:pPr marL="457200" marR="0" lvl="0" indent="-457200" algn="l" rtl="0">
               <a:lnSpc>
                 <a:spcPct val="100000"/>
               </a:lnSpc>
@@ -10244,7 +10450,7 @@
               </a:rPr>
               <a:t>Desafio ;)</a:t>
             </a:r>
-            <a:endParaRPr i="0" sz="2300" u="none" cap="none" strike="noStrike">
+            <a:endParaRPr sz="2300" i="0" u="none" strike="noStrike" cap="none">
               <a:solidFill>
                 <a:srgbClr val="073763"/>
               </a:solidFill>
@@ -10261,13 +10467,13 @@
   <p:clrMapOvr>
     <a:masterClrMapping/>
   </p:clrMapOvr>
-  <mc:AlternateContent>
+  <mc:AlternateContent xmlns:mc="http://schemas.openxmlformats.org/markup-compatibility/2006" xmlns:p14="http://schemas.microsoft.com/office/powerpoint/2010/main">
     <mc:Choice Requires="p14">
-      <p:transition spd="slow" p14:dur="700">
+      <p:transition spd="med" p14:dur="700">
         <p:fade/>
       </p:transition>
     </mc:Choice>
-    <mc:Fallback>
+    <mc:Fallback xmlns:ahyp="http://schemas.microsoft.com/office/drawing/2018/hyperlinkcolor" xmlns:p15="http://schemas.microsoft.com/office/powerpoint/2012/main" xmlns:com="http://schemas.openxmlformats.org/drawingml/2006/compatibility" xmlns:pvml="urn:schemas-microsoft-com:office:powerpoint" xmlns:v="urn:schemas-microsoft-com:vml" xmlns:o="urn:schemas-microsoft-com:office:office" xmlns:dgm="http://schemas.openxmlformats.org/drawingml/2006/diagram" xmlns:c="http://schemas.openxmlformats.org/drawingml/2006/chart" xmlns:mv="urn:schemas-microsoft-com:mac:vml" xmlns="">
       <p:transition spd="slow">
         <p:fade/>
       </p:transition>
@@ -10277,18 +10483,19 @@
 </file>
 
 <file path=ppt/slides/slide7.xml><?xml version="1.0" encoding="utf-8"?>
-<p:sld xmlns:a="http://schemas.openxmlformats.org/drawingml/2006/main" xmlns:r="http://schemas.openxmlformats.org/officeDocument/2006/relationships" xmlns:mc="http://schemas.openxmlformats.org/markup-compatibility/2006" xmlns:mv="urn:schemas-microsoft-com:mac:vml" xmlns:p="http://schemas.openxmlformats.org/presentationml/2006/main" xmlns:c="http://schemas.openxmlformats.org/drawingml/2006/chart" xmlns:dgm="http://schemas.openxmlformats.org/drawingml/2006/diagram" xmlns:o="urn:schemas-microsoft-com:office:office" xmlns:v="urn:schemas-microsoft-com:vml" xmlns:pvml="urn:schemas-microsoft-com:office:powerpoint" xmlns:com="http://schemas.openxmlformats.org/drawingml/2006/compatibility" xmlns:p14="http://schemas.microsoft.com/office/powerpoint/2010/main" xmlns:p15="http://schemas.microsoft.com/office/powerpoint/2012/main" xmlns:ahyp="http://schemas.microsoft.com/office/drawing/2018/hyperlinkcolor">
+<p:sld xmlns:a="http://schemas.openxmlformats.org/drawingml/2006/main" xmlns:r="http://schemas.openxmlformats.org/officeDocument/2006/relationships" xmlns:p="http://schemas.openxmlformats.org/presentationml/2006/main">
   <p:cSld>
     <p:bg>
       <p:bgPr>
         <a:solidFill>
           <a:srgbClr val="FFFFFF"/>
         </a:solidFill>
+        <a:effectLst/>
       </p:bgPr>
     </p:bg>
     <p:spTree>
       <p:nvGrpSpPr>
-        <p:cNvPr id="94" name="Shape 94"/>
+        <p:cNvPr id="1" name="Shape 94"/>
         <p:cNvGrpSpPr/>
         <p:nvPr/>
       </p:nvGrpSpPr>
@@ -10303,9 +10510,11 @@
       <p:sp>
         <p:nvSpPr>
           <p:cNvPr id="95" name="Google Shape;95;gb816951194_0_19"/>
-          <p:cNvSpPr txBox="1"/>
+          <p:cNvSpPr txBox="1">
+            <a:spLocks noGrp="1"/>
+          </p:cNvSpPr>
           <p:nvPr>
-            <p:ph idx="1" type="subTitle"/>
+            <p:ph type="subTitle" idx="1"/>
           </p:nvPr>
         </p:nvSpPr>
         <p:spPr>
@@ -10322,12 +10531,12 @@
           </a:ln>
         </p:spPr>
         <p:txBody>
-          <a:bodyPr anchorCtr="0" anchor="ctr" bIns="91425" lIns="91425" spcFirstLastPara="1" rIns="91425" wrap="square" tIns="91425">
+          <a:bodyPr spcFirstLastPara="1" wrap="square" lIns="91425" tIns="91425" rIns="91425" bIns="91425" anchor="ctr" anchorCtr="0">
             <a:noAutofit/>
           </a:bodyPr>
           <a:lstStyle/>
           <a:p>
-            <a:pPr indent="0" lvl="0" marL="0" rtl="0" algn="ctr">
+            <a:pPr marL="0" lvl="0" indent="0" algn="ctr" rtl="0">
               <a:lnSpc>
                 <a:spcPct val="100000"/>
               </a:lnSpc>
@@ -10345,7 +10554,7 @@
               <a:buNone/>
             </a:pPr>
             <a:r>
-              <a:rPr b="1" lang="en-US" sz="4000">
+              <a:rPr lang="en-US" sz="4000" b="1">
                 <a:solidFill>
                   <a:srgbClr val="073763"/>
                 </a:solidFill>
@@ -10356,7 +10565,7 @@
               </a:rPr>
               <a:t>Percurso</a:t>
             </a:r>
-            <a:endParaRPr b="1" sz="4000">
+            <a:endParaRPr sz="4000" b="1">
               <a:solidFill>
                 <a:srgbClr val="073763"/>
               </a:solidFill>
@@ -10378,7 +10587,7 @@
           <a:blip r:embed="rId3">
             <a:alphaModFix/>
           </a:blip>
-          <a:srcRect b="0" l="0" r="0" t="0"/>
+          <a:srcRect/>
           <a:stretch/>
         </p:blipFill>
         <p:spPr>
@@ -10398,9 +10607,11 @@
       <p:sp>
         <p:nvSpPr>
           <p:cNvPr id="97" name="Google Shape;97;gb816951194_0_19"/>
-          <p:cNvSpPr txBox="1"/>
+          <p:cNvSpPr txBox="1">
+            <a:spLocks noGrp="1"/>
+          </p:cNvSpPr>
           <p:nvPr>
-            <p:ph idx="1" type="subTitle"/>
+            <p:ph type="subTitle" idx="1"/>
           </p:nvPr>
         </p:nvSpPr>
         <p:spPr>
@@ -10419,12 +10630,12 @@
           </a:ln>
         </p:spPr>
         <p:txBody>
-          <a:bodyPr anchorCtr="0" anchor="ctr" bIns="91425" lIns="91425" spcFirstLastPara="1" rIns="91425" wrap="square" tIns="91425">
+          <a:bodyPr spcFirstLastPara="1" wrap="square" lIns="91425" tIns="91425" rIns="91425" bIns="91425" anchor="ctr" anchorCtr="0">
             <a:noAutofit/>
           </a:bodyPr>
           <a:lstStyle/>
           <a:p>
-            <a:pPr indent="0" lvl="1" marL="0" rtl="0" algn="ctr">
+            <a:pPr marL="0" lvl="1" indent="0" algn="ctr" rtl="0">
               <a:lnSpc>
                 <a:spcPct val="100000"/>
               </a:lnSpc>
@@ -10478,23 +10689,23 @@
           <a:solidFill>
             <a:srgbClr val="F78321"/>
           </a:solidFill>
-          <a:ln cap="flat" cmpd="sng" w="9525">
+          <a:ln w="9525" cap="flat" cmpd="sng">
             <a:solidFill>
               <a:srgbClr val="F78321"/>
             </a:solidFill>
             <a:prstDash val="solid"/>
             <a:round/>
-            <a:headEnd len="sm" w="sm" type="none"/>
-            <a:tailEnd len="sm" w="sm" type="none"/>
+            <a:headEnd type="none" w="sm" len="sm"/>
+            <a:tailEnd type="none" w="sm" len="sm"/>
           </a:ln>
         </p:spPr>
         <p:txBody>
-          <a:bodyPr anchorCtr="0" anchor="ctr" bIns="91425" lIns="91425" spcFirstLastPara="1" rIns="91425" wrap="square" tIns="91425">
+          <a:bodyPr spcFirstLastPara="1" wrap="square" lIns="91425" tIns="91425" rIns="91425" bIns="91425" anchor="ctr" anchorCtr="0">
             <a:noAutofit/>
           </a:bodyPr>
           <a:lstStyle/>
           <a:p>
-            <a:pPr indent="0" lvl="0" marL="0" marR="0" rtl="0" algn="l">
+            <a:pPr marL="0" marR="0" lvl="0" indent="0" algn="l" rtl="0">
               <a:lnSpc>
                 <a:spcPct val="100000"/>
               </a:lnSpc>
@@ -10511,10 +10722,7 @@
               <a:buFont typeface="Arial"/>
               <a:buNone/>
             </a:pPr>
-            <a:r>
-              <a:t/>
-            </a:r>
-            <a:endParaRPr b="0" i="0" sz="1400" u="none" cap="none" strike="noStrike">
+            <a:endParaRPr sz="1400" b="0" i="0" u="none" strike="noStrike" cap="none">
               <a:solidFill>
                 <a:srgbClr val="000000"/>
               </a:solidFill>
@@ -10546,12 +10754,12 @@
           </a:ln>
         </p:spPr>
         <p:txBody>
-          <a:bodyPr anchorCtr="0" anchor="t" bIns="45700" lIns="91425" spcFirstLastPara="1" rIns="91425" wrap="square" tIns="45700">
+          <a:bodyPr spcFirstLastPara="1" wrap="square" lIns="91425" tIns="45700" rIns="91425" bIns="45700" anchor="t" anchorCtr="0">
             <a:noAutofit/>
           </a:bodyPr>
           <a:lstStyle/>
           <a:p>
-            <a:pPr indent="-457200" lvl="0" marL="457200" marR="0" rtl="0" algn="l">
+            <a:pPr marL="457200" marR="0" lvl="0" indent="-457200" algn="l" rtl="0">
               <a:lnSpc>
                 <a:spcPct val="100000"/>
               </a:lnSpc>
@@ -10580,7 +10788,7 @@
               </a:rPr>
               <a:t>Introdução</a:t>
             </a:r>
-            <a:endParaRPr i="0" sz="2300" u="none" cap="none">
+            <a:endParaRPr sz="2300" i="0" u="none" cap="none">
               <a:solidFill>
                 <a:srgbClr val="073763"/>
               </a:solidFill>
@@ -10614,12 +10822,12 @@
           </a:ln>
         </p:spPr>
         <p:txBody>
-          <a:bodyPr anchorCtr="0" anchor="ctr" bIns="91425" lIns="91425" spcFirstLastPara="1" rIns="91425" wrap="square" tIns="91425">
+          <a:bodyPr spcFirstLastPara="1" wrap="square" lIns="91425" tIns="91425" rIns="91425" bIns="91425" anchor="ctr" anchorCtr="0">
             <a:noAutofit/>
           </a:bodyPr>
           <a:lstStyle/>
           <a:p>
-            <a:pPr indent="0" lvl="1" marL="0" marR="0" rtl="0" algn="ctr">
+            <a:pPr marL="0" marR="0" lvl="1" indent="0" algn="ctr" rtl="0">
               <a:lnSpc>
                 <a:spcPct val="100000"/>
               </a:lnSpc>
@@ -10649,7 +10857,7 @@
               <a:t>Passo </a:t>
             </a:r>
             <a:r>
-              <a:rPr i="0" lang="en-US" sz="2400" u="none" cap="none" strike="sngStrike">
+              <a:rPr lang="en-US" sz="2400" i="0" u="none" strike="sngStrike" cap="none">
                 <a:solidFill>
                   <a:schemeClr val="lt1"/>
                 </a:solidFill>
@@ -10660,7 +10868,7 @@
               </a:rPr>
               <a:t>2</a:t>
             </a:r>
-            <a:endParaRPr i="0" sz="2400" u="none" cap="none" strike="sngStrike">
+            <a:endParaRPr sz="2400" i="0" u="none" strike="sngStrike" cap="none">
               <a:solidFill>
                 <a:srgbClr val="000000"/>
               </a:solidFill>
@@ -10692,12 +10900,12 @@
           </a:ln>
         </p:spPr>
         <p:txBody>
-          <a:bodyPr anchorCtr="0" anchor="t" bIns="45700" lIns="91425" spcFirstLastPara="1" rIns="91425" wrap="square" tIns="45700">
+          <a:bodyPr spcFirstLastPara="1" wrap="square" lIns="91425" tIns="45700" rIns="91425" bIns="45700" anchor="t" anchorCtr="0">
             <a:noAutofit/>
           </a:bodyPr>
           <a:lstStyle/>
           <a:p>
-            <a:pPr indent="-457200" lvl="0" marL="457200" marR="0" rtl="0" algn="l">
+            <a:pPr marL="457200" marR="0" lvl="0" indent="-457200" algn="l" rtl="0">
               <a:lnSpc>
                 <a:spcPct val="100000"/>
               </a:lnSpc>
@@ -10726,7 +10934,7 @@
               </a:rPr>
               <a:t>Git/GitHub: Relembrando algumas coisinhas</a:t>
             </a:r>
-            <a:endParaRPr i="0" sz="2300" u="none" cap="none" strike="sngStrike">
+            <a:endParaRPr sz="2300" i="0" u="none" strike="sngStrike" cap="none">
               <a:solidFill>
                 <a:srgbClr val="073763"/>
               </a:solidFill>
@@ -10760,12 +10968,12 @@
           </a:ln>
         </p:spPr>
         <p:txBody>
-          <a:bodyPr anchorCtr="0" anchor="ctr" bIns="91425" lIns="91425" spcFirstLastPara="1" rIns="91425" wrap="square" tIns="91425">
+          <a:bodyPr spcFirstLastPara="1" wrap="square" lIns="91425" tIns="91425" rIns="91425" bIns="91425" anchor="ctr" anchorCtr="0">
             <a:noAutofit/>
           </a:bodyPr>
           <a:lstStyle/>
           <a:p>
-            <a:pPr indent="0" lvl="1" marL="0" marR="0" rtl="0" algn="ctr">
+            <a:pPr marL="0" marR="0" lvl="1" indent="0" algn="ctr" rtl="0">
               <a:lnSpc>
                 <a:spcPct val="100000"/>
               </a:lnSpc>
@@ -10783,7 +10991,7 @@
               <a:buNone/>
             </a:pPr>
             <a:r>
-              <a:rPr b="1" lang="en-US" sz="2400">
+              <a:rPr lang="en-US" sz="2400" b="1">
                 <a:solidFill>
                   <a:schemeClr val="lt1"/>
                 </a:solidFill>
@@ -10795,7 +11003,7 @@
               <a:t>Passo </a:t>
             </a:r>
             <a:r>
-              <a:rPr b="1" i="0" lang="en-US" sz="2400" u="none" cap="none" strike="noStrike">
+              <a:rPr lang="en-US" sz="2400" b="1" i="0" u="none" strike="noStrike" cap="none">
                 <a:solidFill>
                   <a:schemeClr val="lt1"/>
                 </a:solidFill>
@@ -10806,7 +11014,7 @@
               </a:rPr>
               <a:t>3</a:t>
             </a:r>
-            <a:endParaRPr b="1" i="0" sz="2400" u="none" cap="none" strike="noStrike">
+            <a:endParaRPr sz="2400" b="1" i="0" u="none" strike="noStrike" cap="none">
               <a:solidFill>
                 <a:srgbClr val="000000"/>
               </a:solidFill>
@@ -10838,12 +11046,12 @@
           </a:ln>
         </p:spPr>
         <p:txBody>
-          <a:bodyPr anchorCtr="0" anchor="t" bIns="45700" lIns="91425" spcFirstLastPara="1" rIns="91425" wrap="square" tIns="45700">
+          <a:bodyPr spcFirstLastPara="1" wrap="square" lIns="91425" tIns="45700" rIns="91425" bIns="45700" anchor="t" anchorCtr="0">
             <a:noAutofit/>
           </a:bodyPr>
           <a:lstStyle/>
           <a:p>
-            <a:pPr indent="-457200" lvl="0" marL="457200" marR="0" rtl="0" algn="l">
+            <a:pPr marL="457200" marR="0" lvl="0" indent="-457200" algn="l" rtl="0">
               <a:lnSpc>
                 <a:spcPct val="100000"/>
               </a:lnSpc>
@@ -10861,7 +11069,7 @@
               <a:buNone/>
             </a:pPr>
             <a:r>
-              <a:rPr b="1" lang="en-US" sz="2300">
+              <a:rPr lang="en-US" sz="2300" b="1">
                 <a:solidFill>
                   <a:srgbClr val="073763"/>
                 </a:solidFill>
@@ -10872,7 +11080,7 @@
               </a:rPr>
               <a:t>Desafio ;)</a:t>
             </a:r>
-            <a:endParaRPr b="1" i="0" sz="2300" u="none" cap="none" strike="noStrike">
+            <a:endParaRPr sz="2300" b="1" i="0" u="none" strike="noStrike" cap="none">
               <a:solidFill>
                 <a:srgbClr val="073763"/>
               </a:solidFill>
@@ -10889,13 +11097,13 @@
   <p:clrMapOvr>
     <a:masterClrMapping/>
   </p:clrMapOvr>
-  <mc:AlternateContent>
+  <mc:AlternateContent xmlns:mc="http://schemas.openxmlformats.org/markup-compatibility/2006" xmlns:p14="http://schemas.microsoft.com/office/powerpoint/2010/main">
     <mc:Choice Requires="p14">
-      <p:transition spd="slow" p14:dur="700">
+      <p:transition spd="med" p14:dur="700">
         <p:fade/>
       </p:transition>
     </mc:Choice>
-    <mc:Fallback>
+    <mc:Fallback xmlns:ahyp="http://schemas.microsoft.com/office/drawing/2018/hyperlinkcolor" xmlns:p15="http://schemas.microsoft.com/office/powerpoint/2012/main" xmlns:com="http://schemas.openxmlformats.org/drawingml/2006/compatibility" xmlns:pvml="urn:schemas-microsoft-com:office:powerpoint" xmlns:v="urn:schemas-microsoft-com:vml" xmlns:o="urn:schemas-microsoft-com:office:office" xmlns:dgm="http://schemas.openxmlformats.org/drawingml/2006/diagram" xmlns:c="http://schemas.openxmlformats.org/drawingml/2006/chart" xmlns:mv="urn:schemas-microsoft-com:mac:vml" xmlns="">
       <p:transition spd="slow">
         <p:fade/>
       </p:transition>
@@ -10905,18 +11113,19 @@
 </file>
 
 <file path=ppt/slides/slide8.xml><?xml version="1.0" encoding="utf-8"?>
-<p:sld xmlns:a="http://schemas.openxmlformats.org/drawingml/2006/main" xmlns:r="http://schemas.openxmlformats.org/officeDocument/2006/relationships" xmlns:mc="http://schemas.openxmlformats.org/markup-compatibility/2006" xmlns:mv="urn:schemas-microsoft-com:mac:vml" xmlns:p="http://schemas.openxmlformats.org/presentationml/2006/main" xmlns:c="http://schemas.openxmlformats.org/drawingml/2006/chart" xmlns:dgm="http://schemas.openxmlformats.org/drawingml/2006/diagram" xmlns:o="urn:schemas-microsoft-com:office:office" xmlns:v="urn:schemas-microsoft-com:vml" xmlns:pvml="urn:schemas-microsoft-com:office:powerpoint" xmlns:com="http://schemas.openxmlformats.org/drawingml/2006/compatibility" xmlns:p14="http://schemas.microsoft.com/office/powerpoint/2010/main" xmlns:p15="http://schemas.microsoft.com/office/powerpoint/2012/main" xmlns:ahyp="http://schemas.microsoft.com/office/drawing/2018/hyperlinkcolor">
+<p:sld xmlns:a="http://schemas.openxmlformats.org/drawingml/2006/main" xmlns:r="http://schemas.openxmlformats.org/officeDocument/2006/relationships" xmlns:p="http://schemas.openxmlformats.org/presentationml/2006/main">
   <p:cSld>
     <p:bg>
       <p:bgPr>
         <a:solidFill>
           <a:srgbClr val="FFFFFF"/>
         </a:solidFill>
+        <a:effectLst/>
       </p:bgPr>
     </p:bg>
     <p:spTree>
       <p:nvGrpSpPr>
-        <p:cNvPr id="107" name="Shape 107"/>
+        <p:cNvPr id="1" name="Shape 107"/>
         <p:cNvGrpSpPr/>
         <p:nvPr/>
       </p:nvGrpSpPr>
@@ -10931,9 +11140,11 @@
       <p:sp>
         <p:nvSpPr>
           <p:cNvPr id="108" name="Google Shape;108;gb816951194_0_31"/>
-          <p:cNvSpPr txBox="1"/>
+          <p:cNvSpPr txBox="1">
+            <a:spLocks noGrp="1"/>
+          </p:cNvSpPr>
           <p:nvPr>
-            <p:ph idx="1" type="subTitle"/>
+            <p:ph type="subTitle" idx="1"/>
           </p:nvPr>
         </p:nvSpPr>
         <p:spPr>
@@ -10950,12 +11161,12 @@
           </a:ln>
         </p:spPr>
         <p:txBody>
-          <a:bodyPr anchorCtr="0" anchor="ctr" bIns="91425" lIns="91425" spcFirstLastPara="1" rIns="91425" wrap="square" tIns="91425">
+          <a:bodyPr spcFirstLastPara="1" wrap="square" lIns="91425" tIns="91425" rIns="91425" bIns="91425" anchor="ctr" anchorCtr="0">
             <a:noAutofit/>
           </a:bodyPr>
           <a:lstStyle/>
           <a:p>
-            <a:pPr indent="0" lvl="0" marL="0" rtl="0" algn="ctr">
+            <a:pPr marL="0" lvl="0" indent="0" algn="ctr" rtl="0">
               <a:lnSpc>
                 <a:spcPct val="100000"/>
               </a:lnSpc>
@@ -10973,7 +11184,7 @@
               <a:buNone/>
             </a:pPr>
             <a:r>
-              <a:rPr b="1" lang="en-US" sz="4000">
+              <a:rPr lang="en-US" sz="4000" b="1">
                 <a:solidFill>
                   <a:srgbClr val="073763"/>
                 </a:solidFill>
@@ -10984,7 +11195,7 @@
               </a:rPr>
               <a:t>Desafio de Projeto</a:t>
             </a:r>
-            <a:endParaRPr b="1" sz="4000">
+            <a:endParaRPr sz="4000" b="1">
               <a:solidFill>
                 <a:srgbClr val="073763"/>
               </a:solidFill>
@@ -11006,7 +11217,7 @@
           <a:blip r:embed="rId3">
             <a:alphaModFix/>
           </a:blip>
-          <a:srcRect b="0" l="0" r="0" t="0"/>
+          <a:srcRect/>
           <a:stretch/>
         </p:blipFill>
         <p:spPr>
@@ -11026,9 +11237,11 @@
       <p:sp>
         <p:nvSpPr>
           <p:cNvPr id="110" name="Google Shape;110;gb816951194_0_31"/>
-          <p:cNvSpPr txBox="1"/>
+          <p:cNvSpPr txBox="1">
+            <a:spLocks noGrp="1"/>
+          </p:cNvSpPr>
           <p:nvPr>
-            <p:ph idx="1" type="subTitle"/>
+            <p:ph type="subTitle" idx="1"/>
           </p:nvPr>
         </p:nvSpPr>
         <p:spPr>
@@ -11045,12 +11258,12 @@
           </a:ln>
         </p:spPr>
         <p:txBody>
-          <a:bodyPr anchorCtr="0" anchor="t" bIns="91425" lIns="91425" spcFirstLastPara="1" rIns="91425" wrap="square" tIns="91425">
+          <a:bodyPr spcFirstLastPara="1" wrap="square" lIns="91425" tIns="91425" rIns="91425" bIns="91425" anchor="t" anchorCtr="0">
             <a:noAutofit/>
           </a:bodyPr>
           <a:lstStyle/>
           <a:p>
-            <a:pPr indent="0" lvl="1" marL="0" rtl="0" algn="just">
+            <a:pPr marL="0" lvl="1" indent="0" algn="just" rtl="0">
               <a:lnSpc>
                 <a:spcPct val="100000"/>
               </a:lnSpc>
@@ -11089,7 +11302,7 @@
             </a:endParaRPr>
           </a:p>
           <a:p>
-            <a:pPr indent="0" lvl="1" marL="0" rtl="0" algn="just">
+            <a:pPr marL="0" lvl="1" indent="0" algn="just" rtl="0">
               <a:lnSpc>
                 <a:spcPct val="100000"/>
               </a:lnSpc>
@@ -11128,7 +11341,7 @@
             </a:endParaRPr>
           </a:p>
           <a:p>
-            <a:pPr indent="69850" lvl="0" marL="0" rtl="0" algn="ctr">
+            <a:pPr marL="0" lvl="0" indent="69850" algn="ctr" rtl="0">
               <a:lnSpc>
                 <a:spcPct val="100000"/>
               </a:lnSpc>
@@ -11144,9 +11357,6 @@
               <a:buSzPts val="1100"/>
               <a:buNone/>
             </a:pPr>
-            <a:r>
-              <a:t/>
-            </a:r>
             <a:endParaRPr sz="2500">
               <a:solidFill>
                 <a:srgbClr val="073763"/>
@@ -11158,7 +11368,7 @@
             </a:endParaRPr>
           </a:p>
           <a:p>
-            <a:pPr indent="69850" lvl="0" marL="0" rtl="0" algn="ctr">
+            <a:pPr marL="0" lvl="0" indent="69850" algn="ctr" rtl="0">
               <a:lnSpc>
                 <a:spcPct val="100000"/>
               </a:lnSpc>
@@ -11175,9 +11385,6 @@
               <a:buFont typeface="Arial"/>
               <a:buNone/>
             </a:pPr>
-            <a:r>
-              <a:t/>
-            </a:r>
             <a:endParaRPr sz="2500">
               <a:solidFill>
                 <a:srgbClr val="073763"/>
@@ -11207,23 +11414,23 @@
           <a:solidFill>
             <a:srgbClr val="F78321"/>
           </a:solidFill>
-          <a:ln cap="flat" cmpd="sng" w="9525">
+          <a:ln w="9525" cap="flat" cmpd="sng">
             <a:solidFill>
               <a:srgbClr val="F78321"/>
             </a:solidFill>
             <a:prstDash val="solid"/>
             <a:round/>
-            <a:headEnd len="sm" w="sm" type="none"/>
-            <a:tailEnd len="sm" w="sm" type="none"/>
+            <a:headEnd type="none" w="sm" len="sm"/>
+            <a:tailEnd type="none" w="sm" len="sm"/>
           </a:ln>
         </p:spPr>
         <p:txBody>
-          <a:bodyPr anchorCtr="0" anchor="ctr" bIns="91425" lIns="91425" spcFirstLastPara="1" rIns="91425" wrap="square" tIns="91425">
+          <a:bodyPr spcFirstLastPara="1" wrap="square" lIns="91425" tIns="91425" rIns="91425" bIns="91425" anchor="ctr" anchorCtr="0">
             <a:noAutofit/>
           </a:bodyPr>
           <a:lstStyle/>
           <a:p>
-            <a:pPr indent="0" lvl="0" marL="0" marR="0" rtl="0" algn="l">
+            <a:pPr marL="0" marR="0" lvl="0" indent="0" algn="l" rtl="0">
               <a:lnSpc>
                 <a:spcPct val="100000"/>
               </a:lnSpc>
@@ -11240,10 +11447,7 @@
               <a:buFont typeface="Arial"/>
               <a:buNone/>
             </a:pPr>
-            <a:r>
-              <a:t/>
-            </a:r>
-            <a:endParaRPr b="0" i="0" sz="1400" u="none" cap="none" strike="noStrike">
+            <a:endParaRPr sz="1400" b="0" i="0" u="none" strike="noStrike" cap="none">
               <a:solidFill>
                 <a:srgbClr val="000000"/>
               </a:solidFill>
@@ -11260,13 +11464,13 @@
   <p:clrMapOvr>
     <a:masterClrMapping/>
   </p:clrMapOvr>
-  <mc:AlternateContent>
+  <mc:AlternateContent xmlns:mc="http://schemas.openxmlformats.org/markup-compatibility/2006" xmlns:p14="http://schemas.microsoft.com/office/powerpoint/2010/main">
     <mc:Choice Requires="p14">
-      <p:transition spd="slow" p14:dur="700">
+      <p:transition spd="med" p14:dur="700">
         <p:fade/>
       </p:transition>
     </mc:Choice>
-    <mc:Fallback>
+    <mc:Fallback xmlns:ahyp="http://schemas.microsoft.com/office/drawing/2018/hyperlinkcolor" xmlns:p15="http://schemas.microsoft.com/office/powerpoint/2012/main" xmlns:com="http://schemas.openxmlformats.org/drawingml/2006/compatibility" xmlns:pvml="urn:schemas-microsoft-com:office:powerpoint" xmlns:v="urn:schemas-microsoft-com:vml" xmlns:o="urn:schemas-microsoft-com:office:office" xmlns:dgm="http://schemas.openxmlformats.org/drawingml/2006/diagram" xmlns:c="http://schemas.openxmlformats.org/drawingml/2006/chart" xmlns:mv="urn:schemas-microsoft-com:mac:vml" xmlns="">
       <p:transition spd="slow">
         <p:fade/>
       </p:transition>
@@ -11275,32 +11479,32 @@
   <p:timing>
     <p:tnLst>
       <p:par>
-        <p:cTn dur="indefinite" nodeType="tmRoot" restart="never">
+        <p:cTn id="1" dur="indefinite" restart="never" nodeType="tmRoot">
           <p:childTnLst>
             <p:seq concurrent="1" nextAc="seek">
-              <p:cTn dur="indefinite" id="2" nodeType="mainSeq">
+              <p:cTn id="2" dur="indefinite" nodeType="mainSeq">
                 <p:childTnLst>
                   <p:par>
-                    <p:cTn fill="hold">
+                    <p:cTn id="3" fill="hold">
                       <p:stCondLst>
                         <p:cond delay="indefinite"/>
                       </p:stCondLst>
                       <p:childTnLst>
                         <p:par>
-                          <p:cTn fill="hold">
+                          <p:cTn id="4" fill="hold">
                             <p:stCondLst>
                               <p:cond delay="0"/>
                             </p:stCondLst>
                             <p:childTnLst>
                               <p:par>
-                                <p:cTn fill="hold" nodeType="clickEffect" presetClass="entr" presetID="1" presetSubtype="0">
+                                <p:cTn id="5" presetID="1" presetClass="entr" presetSubtype="0" fill="hold" nodeType="clickEffect">
                                   <p:stCondLst>
                                     <p:cond delay="0"/>
                                   </p:stCondLst>
                                   <p:childTnLst>
                                     <p:set>
                                       <p:cBhvr>
-                                        <p:cTn dur="1" fill="hold">
+                                        <p:cTn id="6" dur="1" fill="hold">
                                           <p:stCondLst>
                                             <p:cond delay="0"/>
                                           </p:stCondLst>
@@ -11308,7 +11512,7 @@
                                         <p:tgtEl>
                                           <p:spTgt spid="110">
                                             <p:txEl>
-                                              <p:pRg end="0" st="0"/>
+                                              <p:pRg st="0" end="0"/>
                                             </p:txEl>
                                           </p:spTgt>
                                         </p:tgtEl>
@@ -11330,26 +11534,26 @@
                     </p:cTn>
                   </p:par>
                   <p:par>
-                    <p:cTn fill="hold">
+                    <p:cTn id="7" fill="hold">
                       <p:stCondLst>
                         <p:cond delay="indefinite"/>
                       </p:stCondLst>
                       <p:childTnLst>
                         <p:par>
-                          <p:cTn fill="hold">
+                          <p:cTn id="8" fill="hold">
                             <p:stCondLst>
                               <p:cond delay="0"/>
                             </p:stCondLst>
                             <p:childTnLst>
                               <p:par>
-                                <p:cTn fill="hold" nodeType="clickEffect" presetClass="entr" presetID="1" presetSubtype="0">
+                                <p:cTn id="9" presetID="1" presetClass="entr" presetSubtype="0" fill="hold" nodeType="clickEffect">
                                   <p:stCondLst>
                                     <p:cond delay="0"/>
                                   </p:stCondLst>
                                   <p:childTnLst>
                                     <p:set>
                                       <p:cBhvr>
-                                        <p:cTn dur="1" fill="hold">
+                                        <p:cTn id="10" dur="1" fill="hold">
                                           <p:stCondLst>
                                             <p:cond delay="0"/>
                                           </p:stCondLst>
@@ -11357,7 +11561,7 @@
                                         <p:tgtEl>
                                           <p:spTgt spid="110">
                                             <p:txEl>
-                                              <p:pRg end="1" st="1"/>
+                                              <p:pRg st="1" end="1"/>
                                             </p:txEl>
                                           </p:spTgt>
                                         </p:tgtEl>
@@ -11379,26 +11583,26 @@
                     </p:cTn>
                   </p:par>
                   <p:par>
-                    <p:cTn fill="hold">
+                    <p:cTn id="11" fill="hold">
                       <p:stCondLst>
                         <p:cond delay="indefinite"/>
                       </p:stCondLst>
                       <p:childTnLst>
                         <p:par>
-                          <p:cTn fill="hold">
+                          <p:cTn id="12" fill="hold">
                             <p:stCondLst>
                               <p:cond delay="0"/>
                             </p:stCondLst>
                             <p:childTnLst>
                               <p:par>
-                                <p:cTn fill="hold" nodeType="clickEffect" presetClass="entr" presetID="1" presetSubtype="0">
+                                <p:cTn id="13" presetID="1" presetClass="entr" presetSubtype="0" fill="hold" nodeType="clickEffect">
                                   <p:stCondLst>
                                     <p:cond delay="0"/>
                                   </p:stCondLst>
                                   <p:childTnLst>
                                     <p:set>
                                       <p:cBhvr>
-                                        <p:cTn dur="1" fill="hold">
+                                        <p:cTn id="14" dur="1" fill="hold">
                                           <p:stCondLst>
                                             <p:cond delay="0"/>
                                           </p:stCondLst>
@@ -11406,7 +11610,7 @@
                                         <p:tgtEl>
                                           <p:spTgt spid="110">
                                             <p:txEl>
-                                              <p:pRg end="2" st="2"/>
+                                              <p:pRg st="2" end="2"/>
                                             </p:txEl>
                                           </p:spTgt>
                                         </p:tgtEl>
@@ -11428,26 +11632,26 @@
                     </p:cTn>
                   </p:par>
                   <p:par>
-                    <p:cTn fill="hold">
+                    <p:cTn id="15" fill="hold">
                       <p:stCondLst>
                         <p:cond delay="indefinite"/>
                       </p:stCondLst>
                       <p:childTnLst>
                         <p:par>
-                          <p:cTn fill="hold">
+                          <p:cTn id="16" fill="hold">
                             <p:stCondLst>
                               <p:cond delay="0"/>
                             </p:stCondLst>
                             <p:childTnLst>
                               <p:par>
-                                <p:cTn fill="hold" nodeType="clickEffect" presetClass="entr" presetID="1" presetSubtype="0">
+                                <p:cTn id="17" presetID="1" presetClass="entr" presetSubtype="0" fill="hold" nodeType="clickEffect">
                                   <p:stCondLst>
                                     <p:cond delay="0"/>
                                   </p:stCondLst>
                                   <p:childTnLst>
                                     <p:set>
                                       <p:cBhvr>
-                                        <p:cTn dur="1" fill="hold">
+                                        <p:cTn id="18" dur="1" fill="hold">
                                           <p:stCondLst>
                                             <p:cond delay="0"/>
                                           </p:stCondLst>
@@ -11455,7 +11659,7 @@
                                         <p:tgtEl>
                                           <p:spTgt spid="110">
                                             <p:txEl>
-                                              <p:pRg end="3" st="3"/>
+                                              <p:pRg st="3" end="3"/>
                                             </p:txEl>
                                           </p:spTgt>
                                         </p:tgtEl>
@@ -11479,14 +11683,14 @@
                 </p:childTnLst>
               </p:cTn>
               <p:prevCondLst>
-                <p:cond evt="onPrev">
+                <p:cond evt="onPrev" delay="0">
                   <p:tgtEl>
                     <p:sldTgt/>
                   </p:tgtEl>
                 </p:cond>
               </p:prevCondLst>
               <p:nextCondLst>
-                <p:cond evt="onNext">
+                <p:cond evt="onNext" delay="0">
                   <p:tgtEl>
                     <p:sldTgt/>
                   </p:tgtEl>
@@ -11502,11 +11706,11 @@
 </file>
 
 <file path=ppt/slides/slide9.xml><?xml version="1.0" encoding="utf-8"?>
-<p:sld xmlns:a="http://schemas.openxmlformats.org/drawingml/2006/main" xmlns:r="http://schemas.openxmlformats.org/officeDocument/2006/relationships" xmlns:mc="http://schemas.openxmlformats.org/markup-compatibility/2006" xmlns:mv="urn:schemas-microsoft-com:mac:vml" xmlns:p="http://schemas.openxmlformats.org/presentationml/2006/main" xmlns:c="http://schemas.openxmlformats.org/drawingml/2006/chart" xmlns:dgm="http://schemas.openxmlformats.org/drawingml/2006/diagram" xmlns:o="urn:schemas-microsoft-com:office:office" xmlns:v="urn:schemas-microsoft-com:vml" xmlns:pvml="urn:schemas-microsoft-com:office:powerpoint" xmlns:com="http://schemas.openxmlformats.org/drawingml/2006/compatibility" xmlns:p14="http://schemas.microsoft.com/office/powerpoint/2010/main" xmlns:p15="http://schemas.microsoft.com/office/powerpoint/2012/main" xmlns:ahyp="http://schemas.microsoft.com/office/drawing/2018/hyperlinkcolor">
+<p:sld xmlns:a="http://schemas.openxmlformats.org/drawingml/2006/main" xmlns:r="http://schemas.openxmlformats.org/officeDocument/2006/relationships" xmlns:p="http://schemas.openxmlformats.org/presentationml/2006/main">
   <p:cSld>
     <p:spTree>
       <p:nvGrpSpPr>
-        <p:cNvPr id="115" name="Shape 115"/>
+        <p:cNvPr id="1" name="Shape 115"/>
         <p:cNvGrpSpPr/>
         <p:nvPr/>
       </p:nvGrpSpPr>
@@ -11521,7 +11725,9 @@
       <p:sp>
         <p:nvSpPr>
           <p:cNvPr id="116" name="Google Shape;116;p43"/>
-          <p:cNvSpPr txBox="1"/>
+          <p:cNvSpPr txBox="1">
+            <a:spLocks noGrp="1"/>
+          </p:cNvSpPr>
           <p:nvPr>
             <p:ph type="ctrTitle"/>
           </p:nvPr>
@@ -11540,12 +11746,12 @@
           </a:ln>
         </p:spPr>
         <p:txBody>
-          <a:bodyPr anchorCtr="0" anchor="ctr" bIns="91425" lIns="91425" spcFirstLastPara="1" rIns="91425" wrap="square" tIns="91425">
+          <a:bodyPr spcFirstLastPara="1" wrap="square" lIns="91425" tIns="91425" rIns="91425" bIns="91425" anchor="ctr" anchorCtr="0">
             <a:noAutofit/>
           </a:bodyPr>
           <a:lstStyle/>
           <a:p>
-            <a:pPr indent="0" lvl="0" marL="0" rtl="0" algn="l">
+            <a:pPr marL="0" lvl="0" indent="0" algn="l" rtl="0">
               <a:lnSpc>
                 <a:spcPct val="100000"/>
               </a:lnSpc>
@@ -11612,7 +11818,9 @@
       <p:sp>
         <p:nvSpPr>
           <p:cNvPr id="117" name="Google Shape;117;p43"/>
-          <p:cNvSpPr txBox="1"/>
+          <p:cNvSpPr txBox="1">
+            <a:spLocks noGrp="1"/>
+          </p:cNvSpPr>
           <p:nvPr>
             <p:ph type="ctrTitle"/>
           </p:nvPr>
@@ -11631,12 +11839,12 @@
           </a:ln>
         </p:spPr>
         <p:txBody>
-          <a:bodyPr anchorCtr="0" anchor="ctr" bIns="91425" lIns="91425" spcFirstLastPara="1" rIns="91425" wrap="square" tIns="91425">
+          <a:bodyPr spcFirstLastPara="1" wrap="square" lIns="91425" tIns="91425" rIns="91425" bIns="91425" anchor="ctr" anchorCtr="0">
             <a:noAutofit/>
           </a:bodyPr>
           <a:lstStyle/>
           <a:p>
-            <a:pPr indent="0" lvl="0" marL="0" rtl="0" algn="l">
+            <a:pPr marL="0" lvl="0" indent="0" algn="l" rtl="0">
               <a:lnSpc>
                 <a:spcPct val="100000"/>
               </a:lnSpc>
@@ -11680,9 +11888,11 @@
       <p:sp>
         <p:nvSpPr>
           <p:cNvPr id="118" name="Google Shape;118;p43"/>
-          <p:cNvSpPr txBox="1"/>
+          <p:cNvSpPr txBox="1">
+            <a:spLocks noGrp="1"/>
+          </p:cNvSpPr>
           <p:nvPr>
-            <p:ph idx="1" type="subTitle"/>
+            <p:ph type="subTitle" idx="1"/>
           </p:nvPr>
         </p:nvSpPr>
         <p:spPr>
@@ -11699,12 +11909,12 @@
           </a:ln>
         </p:spPr>
         <p:txBody>
-          <a:bodyPr anchorCtr="0" anchor="ctr" bIns="91425" lIns="91425" spcFirstLastPara="1" rIns="91425" wrap="square" tIns="91425">
+          <a:bodyPr spcFirstLastPara="1" wrap="square" lIns="91425" tIns="91425" rIns="91425" bIns="91425" anchor="ctr" anchorCtr="0">
             <a:noAutofit/>
           </a:bodyPr>
           <a:lstStyle/>
           <a:p>
-            <a:pPr indent="0" lvl="0" marL="0" rtl="0" algn="l">
+            <a:pPr marL="0" lvl="0" indent="0" algn="l" rtl="0">
               <a:lnSpc>
                 <a:spcPct val="100000"/>
               </a:lnSpc>
@@ -11722,7 +11932,7 @@
               <a:buNone/>
             </a:pPr>
             <a:r>
-              <a:rPr b="1" lang="en-US" sz="6600">
+              <a:rPr lang="en-US" sz="6600" b="1">
                 <a:solidFill>
                   <a:srgbClr val="404040"/>
                 </a:solidFill>
@@ -11733,7 +11943,7 @@
               </a:rPr>
               <a:t>[Nome da aula]</a:t>
             </a:r>
-            <a:endParaRPr b="1" sz="6600">
+            <a:endParaRPr sz="6600" b="1">
               <a:solidFill>
                 <a:srgbClr val="404040"/>
               </a:solidFill>
@@ -11762,23 +11972,23 @@
           <a:solidFill>
             <a:srgbClr val="F78321"/>
           </a:solidFill>
-          <a:ln cap="flat" cmpd="sng" w="9525">
+          <a:ln w="9525" cap="flat" cmpd="sng">
             <a:solidFill>
               <a:srgbClr val="F78321"/>
             </a:solidFill>
             <a:prstDash val="solid"/>
             <a:round/>
-            <a:headEnd len="sm" w="sm" type="none"/>
-            <a:tailEnd len="sm" w="sm" type="none"/>
+            <a:headEnd type="none" w="sm" len="sm"/>
+            <a:tailEnd type="none" w="sm" len="sm"/>
           </a:ln>
         </p:spPr>
         <p:txBody>
-          <a:bodyPr anchorCtr="0" anchor="ctr" bIns="91425" lIns="91425" spcFirstLastPara="1" rIns="91425" wrap="square" tIns="91425">
+          <a:bodyPr spcFirstLastPara="1" wrap="square" lIns="91425" tIns="91425" rIns="91425" bIns="91425" anchor="ctr" anchorCtr="0">
             <a:noAutofit/>
           </a:bodyPr>
           <a:lstStyle/>
           <a:p>
-            <a:pPr indent="0" lvl="0" marL="0" marR="0" rtl="0" algn="l">
+            <a:pPr marL="0" marR="0" lvl="0" indent="0" algn="l" rtl="0">
               <a:lnSpc>
                 <a:spcPct val="100000"/>
               </a:lnSpc>
@@ -11795,10 +12005,7 @@
               <a:buFont typeface="Arial"/>
               <a:buNone/>
             </a:pPr>
-            <a:r>
-              <a:t/>
-            </a:r>
-            <a:endParaRPr b="0" i="0" sz="1400" u="none" cap="none" strike="noStrike">
+            <a:endParaRPr sz="1400" b="0" i="0" u="none" strike="noStrike" cap="none">
               <a:solidFill>
                 <a:srgbClr val="000000"/>
               </a:solidFill>
@@ -11827,23 +12034,23 @@
           <a:solidFill>
             <a:srgbClr val="404040"/>
           </a:solidFill>
-          <a:ln cap="flat" cmpd="sng" w="9525">
+          <a:ln w="9525" cap="flat" cmpd="sng">
             <a:solidFill>
               <a:srgbClr val="404040"/>
             </a:solidFill>
             <a:prstDash val="solid"/>
             <a:round/>
-            <a:headEnd len="sm" w="sm" type="none"/>
-            <a:tailEnd len="sm" w="sm" type="none"/>
+            <a:headEnd type="none" w="sm" len="sm"/>
+            <a:tailEnd type="none" w="sm" len="sm"/>
           </a:ln>
         </p:spPr>
         <p:txBody>
-          <a:bodyPr anchorCtr="0" anchor="ctr" bIns="91425" lIns="91425" spcFirstLastPara="1" rIns="91425" wrap="square" tIns="91425">
+          <a:bodyPr spcFirstLastPara="1" wrap="square" lIns="91425" tIns="91425" rIns="91425" bIns="91425" anchor="ctr" anchorCtr="0">
             <a:noAutofit/>
           </a:bodyPr>
           <a:lstStyle/>
           <a:p>
-            <a:pPr indent="0" lvl="0" marL="0" marR="0" rtl="0" algn="l">
+            <a:pPr marL="0" marR="0" lvl="0" indent="0" algn="l" rtl="0">
               <a:lnSpc>
                 <a:spcPct val="100000"/>
               </a:lnSpc>
@@ -11860,10 +12067,7 @@
               <a:buFont typeface="Arial"/>
               <a:buNone/>
             </a:pPr>
-            <a:r>
-              <a:t/>
-            </a:r>
-            <a:endParaRPr b="0" i="0" sz="1400" u="none" cap="none" strike="noStrike">
+            <a:endParaRPr sz="1400" b="0" i="0" u="none" strike="noStrike" cap="none">
               <a:solidFill>
                 <a:srgbClr val="000000"/>
               </a:solidFill>
@@ -11892,23 +12096,23 @@
           <a:solidFill>
             <a:srgbClr val="F78321"/>
           </a:solidFill>
-          <a:ln cap="flat" cmpd="sng" w="9525">
+          <a:ln w="9525" cap="flat" cmpd="sng">
             <a:solidFill>
               <a:srgbClr val="F78321"/>
             </a:solidFill>
             <a:prstDash val="solid"/>
             <a:round/>
-            <a:headEnd len="sm" w="sm" type="none"/>
-            <a:tailEnd len="sm" w="sm" type="none"/>
+            <a:headEnd type="none" w="sm" len="sm"/>
+            <a:tailEnd type="none" w="sm" len="sm"/>
           </a:ln>
         </p:spPr>
         <p:txBody>
-          <a:bodyPr anchorCtr="0" anchor="ctr" bIns="91425" lIns="91425" spcFirstLastPara="1" rIns="91425" wrap="square" tIns="91425">
+          <a:bodyPr spcFirstLastPara="1" wrap="square" lIns="91425" tIns="91425" rIns="91425" bIns="91425" anchor="ctr" anchorCtr="0">
             <a:noAutofit/>
           </a:bodyPr>
           <a:lstStyle/>
           <a:p>
-            <a:pPr indent="0" lvl="0" marL="0" marR="0" rtl="0" algn="l">
+            <a:pPr marL="0" marR="0" lvl="0" indent="0" algn="l" rtl="0">
               <a:lnSpc>
                 <a:spcPct val="100000"/>
               </a:lnSpc>
@@ -11925,10 +12129,7 @@
               <a:buFont typeface="Arial"/>
               <a:buNone/>
             </a:pPr>
-            <a:r>
-              <a:t/>
-            </a:r>
-            <a:endParaRPr b="0" i="0" sz="1400" u="none" cap="none" strike="noStrike">
+            <a:endParaRPr sz="1400" b="0" i="0" u="none" strike="noStrike" cap="none">
               <a:solidFill>
                 <a:srgbClr val="000000"/>
               </a:solidFill>
@@ -11950,7 +12151,7 @@
           <a:blip r:embed="rId3">
             <a:alphaModFix/>
           </a:blip>
-          <a:srcRect b="0" l="0" r="0" t="0"/>
+          <a:srcRect/>
           <a:stretch/>
         </p:blipFill>
         <p:spPr>
@@ -11984,23 +12185,23 @@
           <a:solidFill>
             <a:schemeClr val="lt1"/>
           </a:solidFill>
-          <a:ln cap="flat" cmpd="sng" w="9525">
+          <a:ln w="9525" cap="flat" cmpd="sng">
             <a:solidFill>
               <a:schemeClr val="lt1"/>
             </a:solidFill>
             <a:prstDash val="solid"/>
             <a:round/>
-            <a:headEnd len="sm" w="sm" type="none"/>
-            <a:tailEnd len="sm" w="sm" type="none"/>
+            <a:headEnd type="none" w="sm" len="sm"/>
+            <a:tailEnd type="none" w="sm" len="sm"/>
           </a:ln>
         </p:spPr>
         <p:txBody>
-          <a:bodyPr anchorCtr="0" anchor="ctr" bIns="91425" lIns="91425" spcFirstLastPara="1" rIns="91425" wrap="square" tIns="91425">
+          <a:bodyPr spcFirstLastPara="1" wrap="square" lIns="91425" tIns="91425" rIns="91425" bIns="91425" anchor="ctr" anchorCtr="0">
             <a:noAutofit/>
           </a:bodyPr>
           <a:lstStyle/>
           <a:p>
-            <a:pPr indent="0" lvl="0" marL="0" marR="0" rtl="0" algn="l">
+            <a:pPr marL="0" marR="0" lvl="0" indent="0" algn="l" rtl="0">
               <a:lnSpc>
                 <a:spcPct val="100000"/>
               </a:lnSpc>
@@ -12017,10 +12218,7 @@
               <a:buFont typeface="Arial"/>
               <a:buNone/>
             </a:pPr>
-            <a:r>
-              <a:t/>
-            </a:r>
-            <a:endParaRPr b="0" i="0" sz="1400" u="none" cap="none" strike="noStrike">
+            <a:endParaRPr sz="1400" b="0" i="0" u="none" strike="noStrike" cap="none">
               <a:solidFill>
                 <a:schemeClr val="lt1"/>
               </a:solidFill>
@@ -12052,12 +12250,12 @@
           </a:ln>
         </p:spPr>
         <p:txBody>
-          <a:bodyPr anchorCtr="0" anchor="ctr" bIns="91425" lIns="91425" spcFirstLastPara="1" rIns="91425" wrap="square" tIns="91425">
+          <a:bodyPr spcFirstLastPara="1" wrap="square" lIns="91425" tIns="91425" rIns="91425" bIns="91425" anchor="ctr" anchorCtr="0">
             <a:noAutofit/>
           </a:bodyPr>
           <a:lstStyle/>
           <a:p>
-            <a:pPr indent="0" lvl="0" marL="0" marR="0" rtl="0" algn="l">
+            <a:pPr marL="0" marR="0" lvl="0" indent="0" algn="l" rtl="0">
               <a:lnSpc>
                 <a:spcPct val="100000"/>
               </a:lnSpc>
@@ -12075,7 +12273,7 @@
               <a:buNone/>
             </a:pPr>
             <a:r>
-              <a:rPr b="1" i="0" lang="en-US" sz="5400" u="none" cap="none" strike="noStrike">
+              <a:rPr lang="en-US" sz="5400" b="1" i="0" u="none" strike="noStrike" cap="none">
                 <a:solidFill>
                   <a:schemeClr val="lt1"/>
                 </a:solidFill>
@@ -12086,7 +12284,7 @@
               </a:rPr>
               <a:t>Dúvidas?</a:t>
             </a:r>
-            <a:endParaRPr b="1" i="0" sz="5400" u="none" cap="none" strike="noStrike">
+            <a:endParaRPr sz="5400" b="1" i="0" u="none" strike="noStrike" cap="none">
               <a:solidFill>
                 <a:schemeClr val="lt1"/>
               </a:solidFill>
@@ -12118,12 +12316,12 @@
           </a:ln>
         </p:spPr>
         <p:txBody>
-          <a:bodyPr anchorCtr="0" anchor="ctr" bIns="91425" lIns="91425" spcFirstLastPara="1" rIns="91425" wrap="square" tIns="91425">
+          <a:bodyPr spcFirstLastPara="1" wrap="square" lIns="91425" tIns="91425" rIns="91425" bIns="91425" anchor="ctr" anchorCtr="0">
             <a:noAutofit/>
           </a:bodyPr>
           <a:lstStyle/>
           <a:p>
-            <a:pPr indent="-387350" lvl="0" marL="457200" marR="0" rtl="0" algn="l">
+            <a:pPr marL="457200" marR="0" lvl="0" indent="-387350" algn="l" rtl="0">
               <a:lnSpc>
                 <a:spcPct val="100000"/>
               </a:lnSpc>
@@ -12140,10 +12338,7 @@
               <a:buFont typeface="Courier New"/>
               <a:buNone/>
             </a:pPr>
-            <a:r>
-              <a:t/>
-            </a:r>
-            <a:endParaRPr i="0" sz="2400" u="none" cap="none" strike="noStrike">
+            <a:endParaRPr sz="2400" i="0" u="none" strike="noStrike" cap="none">
               <a:solidFill>
                 <a:schemeClr val="lt1"/>
               </a:solidFill>
@@ -12175,12 +12370,12 @@
           </a:ln>
         </p:spPr>
         <p:txBody>
-          <a:bodyPr anchorCtr="0" anchor="ctr" bIns="91425" lIns="91425" spcFirstLastPara="1" rIns="91425" wrap="square" tIns="91425">
+          <a:bodyPr spcFirstLastPara="1" wrap="square" lIns="91425" tIns="91425" rIns="91425" bIns="91425" anchor="ctr" anchorCtr="0">
             <a:noAutofit/>
           </a:bodyPr>
           <a:lstStyle/>
           <a:p>
-            <a:pPr indent="0" lvl="0" marL="0" marR="0" rtl="0" algn="l">
+            <a:pPr marL="0" marR="0" lvl="0" indent="0" algn="l" rtl="0">
               <a:lnSpc>
                 <a:spcPct val="100000"/>
               </a:lnSpc>
@@ -12198,7 +12393,7 @@
               <a:buNone/>
             </a:pPr>
             <a:r>
-              <a:rPr b="0" i="0" lang="en-US" sz="2800" u="none" cap="none" strike="noStrike">
+              <a:rPr lang="en-US" sz="2800" b="0" i="0" u="none" strike="noStrike" cap="none">
                 <a:solidFill>
                   <a:srgbClr val="F78321"/>
                 </a:solidFill>
@@ -12209,7 +12404,7 @@
               </a:rPr>
               <a:t>&gt; Fórum</a:t>
             </a:r>
-            <a:endParaRPr b="0" i="0" sz="1400" u="none" cap="none" strike="noStrike">
+            <a:endParaRPr sz="1400" b="0" i="0" u="none" strike="noStrike" cap="none">
               <a:solidFill>
                 <a:srgbClr val="000000"/>
               </a:solidFill>
@@ -12220,7 +12415,7 @@
             </a:endParaRPr>
           </a:p>
           <a:p>
-            <a:pPr indent="0" lvl="0" marL="0" marR="0" rtl="0" algn="l">
+            <a:pPr marL="0" marR="0" lvl="0" indent="0" algn="l" rtl="0">
               <a:lnSpc>
                 <a:spcPct val="100000"/>
               </a:lnSpc>
@@ -12238,7 +12433,7 @@
               <a:buNone/>
             </a:pPr>
             <a:r>
-              <a:rPr b="0" i="0" lang="en-US" sz="2800" u="none" cap="none" strike="noStrike">
+              <a:rPr lang="en-US" sz="2800" b="0" i="0" u="none" strike="noStrike" cap="none">
                 <a:solidFill>
                   <a:srgbClr val="F78321"/>
                 </a:solidFill>
@@ -12250,7 +12445,7 @@
               <a:t>&gt; Comunidade </a:t>
             </a:r>
             <a:r>
-              <a:rPr b="0" i="0" lang="en-US" sz="2800" u="sng" cap="none" strike="noStrike">
+              <a:rPr lang="en-US" sz="2800" b="0" i="0" u="sng" strike="noStrike" cap="none">
                 <a:solidFill>
                   <a:srgbClr val="F78321"/>
                 </a:solidFill>
@@ -12261,14 +12456,14 @@
                 <a:hlinkClick r:id="rId4">
                   <a:extLst>
                     <a:ext uri="{A12FA001-AC4F-418D-AE19-62706E023703}">
-                      <ahyp:hlinkClr val="tx"/>
+                      <ahyp:hlinkClr xmlns:ahyp="http://schemas.microsoft.com/office/drawing/2018/hyperlinkcolor" xmlns:p15="http://schemas.microsoft.com/office/powerpoint/2012/main" xmlns:p14="http://schemas.microsoft.com/office/powerpoint/2010/main" xmlns:com="http://schemas.openxmlformats.org/drawingml/2006/compatibility" xmlns:pvml="urn:schemas-microsoft-com:office:powerpoint" xmlns:v="urn:schemas-microsoft-com:vml" xmlns:o="urn:schemas-microsoft-com:office:office" xmlns:dgm="http://schemas.openxmlformats.org/drawingml/2006/diagram" xmlns:c="http://schemas.openxmlformats.org/drawingml/2006/chart" xmlns:mv="urn:schemas-microsoft-com:mac:vml" xmlns:mc="http://schemas.openxmlformats.org/markup-compatibility/2006" xmlns="" val="tx"/>
                     </a:ext>
                   </a:extLst>
                 </a:hlinkClick>
               </a:rPr>
               <a:t>online (discord)</a:t>
             </a:r>
-            <a:endParaRPr b="0" i="0" sz="2800" u="none" cap="none" strike="noStrike">
+            <a:endParaRPr sz="2800" b="0" i="0" u="none" strike="noStrike" cap="none">
               <a:solidFill>
                 <a:srgbClr val="F78321"/>
               </a:solidFill>
@@ -12285,13 +12480,13 @@
   <p:clrMapOvr>
     <a:masterClrMapping/>
   </p:clrMapOvr>
-  <mc:AlternateContent>
+  <mc:AlternateContent xmlns:mc="http://schemas.openxmlformats.org/markup-compatibility/2006" xmlns:p14="http://schemas.microsoft.com/office/powerpoint/2010/main">
     <mc:Choice Requires="p14">
-      <p:transition spd="slow" p14:dur="700">
+      <p:transition spd="med" p14:dur="700">
         <p:fade/>
       </p:transition>
     </mc:Choice>
-    <mc:Fallback>
+    <mc:Fallback xmlns:ahyp="http://schemas.microsoft.com/office/drawing/2018/hyperlinkcolor" xmlns:p15="http://schemas.microsoft.com/office/powerpoint/2012/main" xmlns:com="http://schemas.openxmlformats.org/drawingml/2006/compatibility" xmlns:pvml="urn:schemas-microsoft-com:office:powerpoint" xmlns:v="urn:schemas-microsoft-com:vml" xmlns:o="urn:schemas-microsoft-com:office:office" xmlns:dgm="http://schemas.openxmlformats.org/drawingml/2006/diagram" xmlns:c="http://schemas.openxmlformats.org/drawingml/2006/chart" xmlns:mv="urn:schemas-microsoft-com:mac:vml" xmlns="">
       <p:transition spd="slow">
         <p:fade/>
       </p:transition>
@@ -12300,32 +12495,32 @@
   <p:timing>
     <p:tnLst>
       <p:par>
-        <p:cTn dur="indefinite" nodeType="tmRoot" restart="never">
+        <p:cTn id="1" dur="indefinite" restart="never" nodeType="tmRoot">
           <p:childTnLst>
             <p:seq concurrent="1" nextAc="seek">
-              <p:cTn dur="indefinite" id="2" nodeType="mainSeq">
+              <p:cTn id="2" dur="indefinite" nodeType="mainSeq">
                 <p:childTnLst>
                   <p:par>
-                    <p:cTn fill="hold">
+                    <p:cTn id="3" fill="hold">
                       <p:stCondLst>
                         <p:cond delay="indefinite"/>
                       </p:stCondLst>
                       <p:childTnLst>
                         <p:par>
-                          <p:cTn fill="hold">
+                          <p:cTn id="4" fill="hold">
                             <p:stCondLst>
                               <p:cond delay="0"/>
                             </p:stCondLst>
                             <p:childTnLst>
                               <p:par>
-                                <p:cTn fill="hold" nodeType="clickEffect" presetClass="entr" presetID="1" presetSubtype="0">
+                                <p:cTn id="5" presetID="1" presetClass="entr" presetSubtype="0" fill="hold" nodeType="clickEffect">
                                   <p:stCondLst>
                                     <p:cond delay="0"/>
                                   </p:stCondLst>
                                   <p:childTnLst>
                                     <p:set>
                                       <p:cBhvr>
-                                        <p:cTn dur="1" fill="hold">
+                                        <p:cTn id="6" dur="1" fill="hold">
                                           <p:stCondLst>
                                             <p:cond delay="0"/>
                                           </p:stCondLst>
@@ -12333,7 +12528,7 @@
                                         <p:tgtEl>
                                           <p:spTgt spid="125">
                                             <p:txEl>
-                                              <p:pRg end="0" st="0"/>
+                                              <p:pRg st="0" end="0"/>
                                             </p:txEl>
                                           </p:spTgt>
                                         </p:tgtEl>
@@ -12357,14 +12552,14 @@
                 </p:childTnLst>
               </p:cTn>
               <p:prevCondLst>
-                <p:cond evt="onPrev">
+                <p:cond evt="onPrev" delay="0">
                   <p:tgtEl>
                     <p:sldTgt/>
                   </p:tgtEl>
                 </p:cond>
               </p:prevCondLst>
               <p:nextCondLst>
-                <p:cond evt="onNext">
+                <p:cond evt="onNext" delay="0">
                   <p:tgtEl>
                     <p:sldTgt/>
                   </p:tgtEl>
@@ -12380,7 +12575,7 @@
 </file>
 
 <file path=ppt/theme/theme1.xml><?xml version="1.0" encoding="utf-8"?>
-<a:theme xmlns:a="http://schemas.openxmlformats.org/drawingml/2006/main" xmlns:r="http://schemas.openxmlformats.org/officeDocument/2006/relationships" name="Simple Light">
+<a:theme xmlns:a="http://schemas.openxmlformats.org/drawingml/2006/main" name="Simple Light">
   <a:themeElements>
     <a:clrScheme name="Simple Light">
       <a:dk1>
@@ -12655,11 +12850,13 @@
       </a:bgFillStyleLst>
     </a:fmtScheme>
   </a:themeElements>
+  <a:objectDefaults/>
+  <a:extraClrSchemeLst/>
 </a:theme>
 </file>
 
 <file path=ppt/theme/theme2.xml><?xml version="1.0" encoding="utf-8"?>
-<a:theme xmlns:a="http://schemas.openxmlformats.org/drawingml/2006/main" xmlns:r="http://schemas.openxmlformats.org/officeDocument/2006/relationships">
+<a:theme xmlns:a="http://schemas.openxmlformats.org/drawingml/2006/main">
   <a:themeElements>
     <a:clrScheme name="Default">
       <a:dk1>
@@ -12934,5 +13131,7 @@
       </a:bgFillStyleLst>
     </a:fmtScheme>
   </a:themeElements>
+  <a:objectDefaults/>
+  <a:extraClrSchemeLst/>
 </a:theme>
 </file>